--- a/PRJ_CSS/CSS.pptx
+++ b/PRJ_CSS/CSS.pptx
@@ -11,7 +11,9 @@
     <p:sldId id="259" r:id="rId5"/>
     <p:sldId id="261" r:id="rId6"/>
     <p:sldId id="262" r:id="rId7"/>
-    <p:sldId id="257" r:id="rId8"/>
+    <p:sldId id="263" r:id="rId8"/>
+    <p:sldId id="257" r:id="rId9"/>
+    <p:sldId id="264" r:id="rId10"/>
   </p:sldIdLst>
   <p:sldSz cx="12192000" cy="6858000"/>
   <p:notesSz cx="6858000" cy="9144000"/>
@@ -110,6 +112,11 @@
       </a:defRPr>
     </a:lvl9pPr>
   </p:defaultTextStyle>
+  <p:extLst>
+    <p:ext uri="{EFAFB233-063F-42B5-8137-9DF3F51BA10A}">
+      <p15:sldGuideLst xmlns:p15="http://schemas.microsoft.com/office/powerpoint/2012/main"/>
+    </p:ext>
+  </p:extLst>
 </p:presentation>
 </file>
 
@@ -3992,10 +3999,158 @@
       </p:grpSpPr>
       <p:sp>
         <p:nvSpPr>
-          <p:cNvPr id="5" name="TextBox 4">
-            <a:extLst>
-              <a:ext uri="{FF2B5EF4-FFF2-40B4-BE49-F238E27FC236}">
-                <a16:creationId xmlns:a16="http://schemas.microsoft.com/office/drawing/2014/main" id="{0F460906-D270-4BF7-A3F8-83FAEF4CECAC}"/>
+          <p:cNvPr id="3" name="Rounded Rectangle 103">
+            <a:extLst>
+              <a:ext uri="{FF2B5EF4-FFF2-40B4-BE49-F238E27FC236}">
+                <a16:creationId xmlns:a16="http://schemas.microsoft.com/office/drawing/2014/main" id="{1A059985-B1A2-44D7-8D45-E6D3483C21C7}"/>
+              </a:ext>
+            </a:extLst>
+          </p:cNvPr>
+          <p:cNvSpPr/>
+          <p:nvPr/>
+        </p:nvSpPr>
+        <p:spPr>
+          <a:xfrm>
+            <a:off x="6073373" y="5528543"/>
+            <a:ext cx="3661940" cy="593616"/>
+          </a:xfrm>
+          <a:prstGeom prst="roundRect">
+            <a:avLst/>
+          </a:prstGeom>
+          <a:solidFill>
+            <a:schemeClr val="accent2">
+              <a:lumMod val="40000"/>
+              <a:lumOff val="60000"/>
+            </a:schemeClr>
+          </a:solidFill>
+          <a:ln>
+            <a:noFill/>
+          </a:ln>
+        </p:spPr>
+        <p:style>
+          <a:lnRef idx="2">
+            <a:schemeClr val="accent1">
+              <a:shade val="50000"/>
+            </a:schemeClr>
+          </a:lnRef>
+          <a:fillRef idx="1">
+            <a:schemeClr val="accent1"/>
+          </a:fillRef>
+          <a:effectRef idx="0">
+            <a:schemeClr val="accent1"/>
+          </a:effectRef>
+          <a:fontRef idx="minor">
+            <a:schemeClr val="lt1"/>
+          </a:fontRef>
+        </p:style>
+        <p:txBody>
+          <a:bodyPr rtlCol="0" anchor="ctr"/>
+          <a:lstStyle/>
+          <a:p>
+            <a:pPr algn="ctr"/>
+            <a:endParaRPr lang="en-US"/>
+          </a:p>
+        </p:txBody>
+      </p:sp>
+      <p:sp>
+        <p:nvSpPr>
+          <p:cNvPr id="4" name="Rounded Rectangle 124">
+            <a:extLst>
+              <a:ext uri="{FF2B5EF4-FFF2-40B4-BE49-F238E27FC236}">
+                <a16:creationId xmlns:a16="http://schemas.microsoft.com/office/drawing/2014/main" id="{56970066-031B-48BD-82FE-170C1B413981}"/>
+              </a:ext>
+            </a:extLst>
+          </p:cNvPr>
+          <p:cNvSpPr/>
+          <p:nvPr/>
+        </p:nvSpPr>
+        <p:spPr>
+          <a:xfrm>
+            <a:off x="1924731" y="5528577"/>
+            <a:ext cx="3663035" cy="594180"/>
+          </a:xfrm>
+          <a:prstGeom prst="roundRect">
+            <a:avLst/>
+          </a:prstGeom>
+          <a:solidFill>
+            <a:schemeClr val="bg1">
+              <a:lumMod val="95000"/>
+            </a:schemeClr>
+          </a:solidFill>
+          <a:ln>
+            <a:noFill/>
+          </a:ln>
+        </p:spPr>
+        <p:style>
+          <a:lnRef idx="2">
+            <a:schemeClr val="accent1">
+              <a:shade val="50000"/>
+            </a:schemeClr>
+          </a:lnRef>
+          <a:fillRef idx="1">
+            <a:schemeClr val="accent1"/>
+          </a:fillRef>
+          <a:effectRef idx="0">
+            <a:schemeClr val="accent1"/>
+          </a:effectRef>
+          <a:fontRef idx="minor">
+            <a:schemeClr val="lt1"/>
+          </a:fontRef>
+        </p:style>
+        <p:txBody>
+          <a:bodyPr rtlCol="0" anchor="ctr"/>
+          <a:lstStyle/>
+          <a:p>
+            <a:pPr algn="ctr"/>
+            <a:endParaRPr lang="en-US"/>
+          </a:p>
+        </p:txBody>
+      </p:sp>
+      <p:cxnSp>
+        <p:nvCxnSpPr>
+          <p:cNvPr id="6" name="Straight Connector 5">
+            <a:extLst>
+              <a:ext uri="{FF2B5EF4-FFF2-40B4-BE49-F238E27FC236}">
+                <a16:creationId xmlns:a16="http://schemas.microsoft.com/office/drawing/2014/main" id="{93D7CACE-543F-4FD9-97F4-ABAD69B48A6B}"/>
+              </a:ext>
+            </a:extLst>
+          </p:cNvPr>
+          <p:cNvCxnSpPr>
+            <a:cxnSpLocks/>
+          </p:cNvCxnSpPr>
+          <p:nvPr/>
+        </p:nvCxnSpPr>
+        <p:spPr>
+          <a:xfrm>
+            <a:off x="290286" y="595085"/>
+            <a:ext cx="11901714" cy="0"/>
+          </a:xfrm>
+          <a:prstGeom prst="line">
+            <a:avLst/>
+          </a:prstGeom>
+          <a:ln w="44450"/>
+        </p:spPr>
+        <p:style>
+          <a:lnRef idx="1">
+            <a:schemeClr val="accent1"/>
+          </a:lnRef>
+          <a:fillRef idx="0">
+            <a:schemeClr val="accent1"/>
+          </a:fillRef>
+          <a:effectRef idx="0">
+            <a:schemeClr val="accent1"/>
+          </a:effectRef>
+          <a:fontRef idx="minor">
+            <a:schemeClr val="tx1"/>
+          </a:fontRef>
+        </p:style>
+      </p:cxnSp>
+      <p:sp>
+        <p:nvSpPr>
+          <p:cNvPr id="7" name="TextBox 6">
+            <a:extLst>
+              <a:ext uri="{FF2B5EF4-FFF2-40B4-BE49-F238E27FC236}">
+                <a16:creationId xmlns:a16="http://schemas.microsoft.com/office/drawing/2014/main" id="{49853A6C-A427-46B0-A99C-C2F8D2230180}"/>
               </a:ext>
             </a:extLst>
           </p:cNvPr>
@@ -4004,8 +4159,1084 @@
         </p:nvSpPr>
         <p:spPr>
           <a:xfrm>
-            <a:off x="1288112" y="763326"/>
-            <a:ext cx="7529885" cy="369332"/>
+            <a:off x="290286" y="104392"/>
+            <a:ext cx="5981125" cy="461665"/>
+          </a:xfrm>
+          <a:prstGeom prst="rect">
+            <a:avLst/>
+          </a:prstGeom>
+          <a:noFill/>
+        </p:spPr>
+        <p:txBody>
+          <a:bodyPr wrap="none" rtlCol="0">
+            <a:spAutoFit/>
+          </a:bodyPr>
+          <a:lstStyle/>
+          <a:p>
+            <a:r>
+              <a:rPr lang="en-US" sz="2400" b="1" dirty="0">
+                <a:solidFill>
+                  <a:schemeClr val="tx1">
+                    <a:lumMod val="95000"/>
+                    <a:lumOff val="5000"/>
+                  </a:schemeClr>
+                </a:solidFill>
+              </a:rPr>
+              <a:t>PAN Expedition - Log </a:t>
+            </a:r>
+            <a:r>
+              <a:rPr lang="en-US" sz="2400" b="1" dirty="0" err="1">
+                <a:solidFill>
+                  <a:schemeClr val="tx1">
+                    <a:lumMod val="95000"/>
+                    <a:lumOff val="5000"/>
+                  </a:schemeClr>
+                </a:solidFill>
+              </a:rPr>
+              <a:t>Ingester</a:t>
+            </a:r>
+            <a:r>
+              <a:rPr lang="en-US" sz="2400" b="1" dirty="0">
+                <a:solidFill>
+                  <a:schemeClr val="tx1">
+                    <a:lumMod val="95000"/>
+                    <a:lumOff val="5000"/>
+                  </a:schemeClr>
+                </a:solidFill>
+              </a:rPr>
+              <a:t>: UI - Dashboard</a:t>
+            </a:r>
+            <a:endParaRPr lang="en-US" sz="2400" dirty="0">
+              <a:solidFill>
+                <a:schemeClr val="tx1">
+                  <a:lumMod val="95000"/>
+                  <a:lumOff val="5000"/>
+                </a:schemeClr>
+              </a:solidFill>
+            </a:endParaRPr>
+          </a:p>
+        </p:txBody>
+      </p:sp>
+      <p:sp>
+        <p:nvSpPr>
+          <p:cNvPr id="8" name="TextBox 7">
+            <a:extLst>
+              <a:ext uri="{FF2B5EF4-FFF2-40B4-BE49-F238E27FC236}">
+                <a16:creationId xmlns:a16="http://schemas.microsoft.com/office/drawing/2014/main" id="{BB21F091-2260-43A5-A250-4B32F5DDCA3D}"/>
+              </a:ext>
+            </a:extLst>
+          </p:cNvPr>
+          <p:cNvSpPr txBox="1"/>
+          <p:nvPr/>
+        </p:nvSpPr>
+        <p:spPr>
+          <a:xfrm>
+            <a:off x="9244341" y="6341165"/>
+            <a:ext cx="2636299" cy="369332"/>
+          </a:xfrm>
+          <a:prstGeom prst="rect">
+            <a:avLst/>
+          </a:prstGeom>
+          <a:noFill/>
+        </p:spPr>
+        <p:txBody>
+          <a:bodyPr wrap="none" rtlCol="0">
+            <a:spAutoFit/>
+          </a:bodyPr>
+          <a:lstStyle/>
+          <a:p>
+            <a:pPr algn="r"/>
+            <a:r>
+              <a:rPr lang="en-US" dirty="0"/>
+              <a:t>Best Customer Experience</a:t>
+            </a:r>
+          </a:p>
+        </p:txBody>
+      </p:sp>
+      <p:sp>
+        <p:nvSpPr>
+          <p:cNvPr id="9" name="Rectangle 8">
+            <a:extLst>
+              <a:ext uri="{FF2B5EF4-FFF2-40B4-BE49-F238E27FC236}">
+                <a16:creationId xmlns:a16="http://schemas.microsoft.com/office/drawing/2014/main" id="{AD2C247F-0ABA-4821-9571-19E9615DC99A}"/>
+              </a:ext>
+            </a:extLst>
+          </p:cNvPr>
+          <p:cNvSpPr/>
+          <p:nvPr/>
+        </p:nvSpPr>
+        <p:spPr>
+          <a:xfrm>
+            <a:off x="1678370" y="841585"/>
+            <a:ext cx="8268819" cy="5302511"/>
+          </a:xfrm>
+          <a:prstGeom prst="rect">
+            <a:avLst/>
+          </a:prstGeom>
+          <a:noFill/>
+        </p:spPr>
+        <p:style>
+          <a:lnRef idx="2">
+            <a:schemeClr val="accent1">
+              <a:shade val="50000"/>
+            </a:schemeClr>
+          </a:lnRef>
+          <a:fillRef idx="1">
+            <a:schemeClr val="accent1"/>
+          </a:fillRef>
+          <a:effectRef idx="0">
+            <a:schemeClr val="accent1"/>
+          </a:effectRef>
+          <a:fontRef idx="minor">
+            <a:schemeClr val="lt1"/>
+          </a:fontRef>
+        </p:style>
+        <p:txBody>
+          <a:bodyPr rtlCol="0" anchor="ctr"/>
+          <a:lstStyle/>
+          <a:p>
+            <a:pPr algn="ctr"/>
+            <a:endParaRPr lang="en-US"/>
+          </a:p>
+        </p:txBody>
+      </p:sp>
+      <p:cxnSp>
+        <p:nvCxnSpPr>
+          <p:cNvPr id="10" name="Straight Connector 9">
+            <a:extLst>
+              <a:ext uri="{FF2B5EF4-FFF2-40B4-BE49-F238E27FC236}">
+                <a16:creationId xmlns:a16="http://schemas.microsoft.com/office/drawing/2014/main" id="{E78718D1-C26F-40F5-8DAD-149F455028B4}"/>
+              </a:ext>
+            </a:extLst>
+          </p:cNvPr>
+          <p:cNvCxnSpPr>
+            <a:cxnSpLocks/>
+            <a:stCxn id="9" idx="0"/>
+            <a:endCxn id="9" idx="2"/>
+          </p:cNvCxnSpPr>
+          <p:nvPr/>
+        </p:nvCxnSpPr>
+        <p:spPr>
+          <a:xfrm>
+            <a:off x="5812780" y="841585"/>
+            <a:ext cx="0" cy="5302511"/>
+          </a:xfrm>
+          <a:prstGeom prst="line">
+            <a:avLst/>
+          </a:prstGeom>
+        </p:spPr>
+        <p:style>
+          <a:lnRef idx="1">
+            <a:schemeClr val="accent1"/>
+          </a:lnRef>
+          <a:fillRef idx="0">
+            <a:schemeClr val="accent1"/>
+          </a:fillRef>
+          <a:effectRef idx="0">
+            <a:schemeClr val="accent1"/>
+          </a:effectRef>
+          <a:fontRef idx="minor">
+            <a:schemeClr val="tx1"/>
+          </a:fontRef>
+        </p:style>
+      </p:cxnSp>
+      <p:cxnSp>
+        <p:nvCxnSpPr>
+          <p:cNvPr id="11" name="Straight Connector 10">
+            <a:extLst>
+              <a:ext uri="{FF2B5EF4-FFF2-40B4-BE49-F238E27FC236}">
+                <a16:creationId xmlns:a16="http://schemas.microsoft.com/office/drawing/2014/main" id="{DEC0A964-5910-4782-B9CF-72F70FA5F5C0}"/>
+              </a:ext>
+            </a:extLst>
+          </p:cNvPr>
+          <p:cNvCxnSpPr>
+            <a:cxnSpLocks/>
+            <a:stCxn id="9" idx="1"/>
+            <a:endCxn id="9" idx="3"/>
+          </p:cNvCxnSpPr>
+          <p:nvPr/>
+        </p:nvCxnSpPr>
+        <p:spPr>
+          <a:xfrm>
+            <a:off x="1678370" y="3492841"/>
+            <a:ext cx="8268819" cy="0"/>
+          </a:xfrm>
+          <a:prstGeom prst="line">
+            <a:avLst/>
+          </a:prstGeom>
+        </p:spPr>
+        <p:style>
+          <a:lnRef idx="1">
+            <a:schemeClr val="accent1"/>
+          </a:lnRef>
+          <a:fillRef idx="0">
+            <a:schemeClr val="accent1"/>
+          </a:fillRef>
+          <a:effectRef idx="0">
+            <a:schemeClr val="accent1"/>
+          </a:effectRef>
+          <a:fontRef idx="minor">
+            <a:schemeClr val="tx1"/>
+          </a:fontRef>
+        </p:style>
+      </p:cxnSp>
+      <p:sp>
+        <p:nvSpPr>
+          <p:cNvPr id="12" name="TextBox 11">
+            <a:extLst>
+              <a:ext uri="{FF2B5EF4-FFF2-40B4-BE49-F238E27FC236}">
+                <a16:creationId xmlns:a16="http://schemas.microsoft.com/office/drawing/2014/main" id="{ABEDC93C-358E-4456-A383-358A2F3FC025}"/>
+              </a:ext>
+            </a:extLst>
+          </p:cNvPr>
+          <p:cNvSpPr txBox="1"/>
+          <p:nvPr/>
+        </p:nvSpPr>
+        <p:spPr>
+          <a:xfrm>
+            <a:off x="1878227" y="988541"/>
+            <a:ext cx="1003480" cy="369332"/>
+          </a:xfrm>
+          <a:prstGeom prst="rect">
+            <a:avLst/>
+          </a:prstGeom>
+          <a:noFill/>
+        </p:spPr>
+        <p:txBody>
+          <a:bodyPr wrap="none" rtlCol="0">
+            <a:spAutoFit/>
+          </a:bodyPr>
+          <a:lstStyle/>
+          <a:p>
+            <a:r>
+              <a:rPr lang="en-US" dirty="0"/>
+              <a:t>Firewalls</a:t>
+            </a:r>
+          </a:p>
+        </p:txBody>
+      </p:sp>
+      <p:sp>
+        <p:nvSpPr>
+          <p:cNvPr id="13" name="TextBox 12">
+            <a:extLst>
+              <a:ext uri="{FF2B5EF4-FFF2-40B4-BE49-F238E27FC236}">
+                <a16:creationId xmlns:a16="http://schemas.microsoft.com/office/drawing/2014/main" id="{44767071-736B-44F8-ADE3-57BAD2FC9515}"/>
+              </a:ext>
+            </a:extLst>
+          </p:cNvPr>
+          <p:cNvSpPr txBox="1"/>
+          <p:nvPr/>
+        </p:nvSpPr>
+        <p:spPr>
+          <a:xfrm>
+            <a:off x="6012637" y="988541"/>
+            <a:ext cx="603050" cy="369332"/>
+          </a:xfrm>
+          <a:prstGeom prst="rect">
+            <a:avLst/>
+          </a:prstGeom>
+          <a:noFill/>
+        </p:spPr>
+        <p:txBody>
+          <a:bodyPr wrap="none" rtlCol="0">
+            <a:spAutoFit/>
+          </a:bodyPr>
+          <a:lstStyle/>
+          <a:p>
+            <a:r>
+              <a:rPr lang="en-US" dirty="0"/>
+              <a:t>Logs</a:t>
+            </a:r>
+          </a:p>
+        </p:txBody>
+      </p:sp>
+      <p:sp>
+        <p:nvSpPr>
+          <p:cNvPr id="14" name="TextBox 13">
+            <a:extLst>
+              <a:ext uri="{FF2B5EF4-FFF2-40B4-BE49-F238E27FC236}">
+                <a16:creationId xmlns:a16="http://schemas.microsoft.com/office/drawing/2014/main" id="{C4912663-1D71-4874-AC34-00F169C793B4}"/>
+              </a:ext>
+            </a:extLst>
+          </p:cNvPr>
+          <p:cNvSpPr txBox="1"/>
+          <p:nvPr/>
+        </p:nvSpPr>
+        <p:spPr>
+          <a:xfrm>
+            <a:off x="1878227" y="3639797"/>
+            <a:ext cx="1047403" cy="369332"/>
+          </a:xfrm>
+          <a:prstGeom prst="rect">
+            <a:avLst/>
+          </a:prstGeom>
+          <a:noFill/>
+        </p:spPr>
+        <p:txBody>
+          <a:bodyPr wrap="none" rtlCol="0">
+            <a:spAutoFit/>
+          </a:bodyPr>
+          <a:lstStyle/>
+          <a:p>
+            <a:r>
+              <a:rPr lang="en-US" dirty="0"/>
+              <a:t>Ingestion</a:t>
+            </a:r>
+          </a:p>
+        </p:txBody>
+      </p:sp>
+      <p:sp>
+        <p:nvSpPr>
+          <p:cNvPr id="15" name="TextBox 14">
+            <a:extLst>
+              <a:ext uri="{FF2B5EF4-FFF2-40B4-BE49-F238E27FC236}">
+                <a16:creationId xmlns:a16="http://schemas.microsoft.com/office/drawing/2014/main" id="{321E8C31-74C5-4CCF-A5E6-C5B3BE1DB709}"/>
+              </a:ext>
+            </a:extLst>
+          </p:cNvPr>
+          <p:cNvSpPr txBox="1"/>
+          <p:nvPr/>
+        </p:nvSpPr>
+        <p:spPr>
+          <a:xfrm>
+            <a:off x="6012637" y="3639797"/>
+            <a:ext cx="856325" cy="369332"/>
+          </a:xfrm>
+          <a:prstGeom prst="rect">
+            <a:avLst/>
+          </a:prstGeom>
+          <a:noFill/>
+        </p:spPr>
+        <p:txBody>
+          <a:bodyPr wrap="none" rtlCol="0">
+            <a:spAutoFit/>
+          </a:bodyPr>
+          <a:lstStyle/>
+          <a:p>
+            <a:r>
+              <a:rPr lang="en-US" dirty="0"/>
+              <a:t>Output</a:t>
+            </a:r>
+          </a:p>
+        </p:txBody>
+      </p:sp>
+      <p:sp>
+        <p:nvSpPr>
+          <p:cNvPr id="16" name="Rounded Rectangle 22">
+            <a:extLst>
+              <a:ext uri="{FF2B5EF4-FFF2-40B4-BE49-F238E27FC236}">
+                <a16:creationId xmlns:a16="http://schemas.microsoft.com/office/drawing/2014/main" id="{311B7D0F-5A83-4448-9751-6BB7232E799C}"/>
+              </a:ext>
+            </a:extLst>
+          </p:cNvPr>
+          <p:cNvSpPr/>
+          <p:nvPr/>
+        </p:nvSpPr>
+        <p:spPr>
+          <a:xfrm>
+            <a:off x="1924733" y="1504827"/>
+            <a:ext cx="1047404" cy="1053011"/>
+          </a:xfrm>
+          <a:prstGeom prst="roundRect">
+            <a:avLst/>
+          </a:prstGeom>
+          <a:solidFill>
+            <a:schemeClr val="accent1">
+              <a:lumMod val="40000"/>
+              <a:lumOff val="60000"/>
+            </a:schemeClr>
+          </a:solidFill>
+          <a:ln>
+            <a:noFill/>
+          </a:ln>
+        </p:spPr>
+        <p:style>
+          <a:lnRef idx="2">
+            <a:schemeClr val="accent1">
+              <a:shade val="50000"/>
+            </a:schemeClr>
+          </a:lnRef>
+          <a:fillRef idx="1">
+            <a:schemeClr val="accent1"/>
+          </a:fillRef>
+          <a:effectRef idx="0">
+            <a:schemeClr val="accent1"/>
+          </a:effectRef>
+          <a:fontRef idx="minor">
+            <a:schemeClr val="lt1"/>
+          </a:fontRef>
+        </p:style>
+        <p:txBody>
+          <a:bodyPr rtlCol="0" anchor="ctr"/>
+          <a:lstStyle/>
+          <a:p>
+            <a:pPr algn="ctr"/>
+            <a:endParaRPr lang="en-US"/>
+          </a:p>
+        </p:txBody>
+      </p:sp>
+      <p:sp>
+        <p:nvSpPr>
+          <p:cNvPr id="17" name="TextBox 16">
+            <a:extLst>
+              <a:ext uri="{FF2B5EF4-FFF2-40B4-BE49-F238E27FC236}">
+                <a16:creationId xmlns:a16="http://schemas.microsoft.com/office/drawing/2014/main" id="{AD32BE5C-2916-4A6C-9A9F-1B828732DAEC}"/>
+              </a:ext>
+            </a:extLst>
+          </p:cNvPr>
+          <p:cNvSpPr txBox="1"/>
+          <p:nvPr/>
+        </p:nvSpPr>
+        <p:spPr>
+          <a:xfrm>
+            <a:off x="1949447" y="1542540"/>
+            <a:ext cx="510076" cy="246221"/>
+          </a:xfrm>
+          <a:prstGeom prst="rect">
+            <a:avLst/>
+          </a:prstGeom>
+          <a:noFill/>
+        </p:spPr>
+        <p:txBody>
+          <a:bodyPr wrap="none" rtlCol="0">
+            <a:spAutoFit/>
+          </a:bodyPr>
+          <a:lstStyle/>
+          <a:p>
+            <a:r>
+              <a:rPr lang="en-US" sz="1000" b="1" dirty="0"/>
+              <a:t>PAN 1</a:t>
+            </a:r>
+          </a:p>
+        </p:txBody>
+      </p:sp>
+      <p:sp>
+        <p:nvSpPr>
+          <p:cNvPr id="18" name="TextBox 17">
+            <a:extLst>
+              <a:ext uri="{FF2B5EF4-FFF2-40B4-BE49-F238E27FC236}">
+                <a16:creationId xmlns:a16="http://schemas.microsoft.com/office/drawing/2014/main" id="{7944CF79-4A95-42D3-8175-C88FBC239CD7}"/>
+              </a:ext>
+            </a:extLst>
+          </p:cNvPr>
+          <p:cNvSpPr txBox="1"/>
+          <p:nvPr/>
+        </p:nvSpPr>
+        <p:spPr>
+          <a:xfrm>
+            <a:off x="1949447" y="1759889"/>
+            <a:ext cx="962123" cy="707886"/>
+          </a:xfrm>
+          <a:prstGeom prst="rect">
+            <a:avLst/>
+          </a:prstGeom>
+          <a:noFill/>
+        </p:spPr>
+        <p:txBody>
+          <a:bodyPr wrap="none" rtlCol="0">
+            <a:spAutoFit/>
+          </a:bodyPr>
+          <a:lstStyle/>
+          <a:p>
+            <a:r>
+              <a:rPr lang="en-US" sz="800" dirty="0"/>
+              <a:t>10.1.1.1</a:t>
+            </a:r>
+          </a:p>
+          <a:p>
+            <a:r>
+              <a:rPr lang="en-US" sz="800" dirty="0"/>
+              <a:t>PAN-OS 8.1</a:t>
+            </a:r>
+          </a:p>
+          <a:p>
+            <a:r>
+              <a:rPr lang="en-US" sz="800" dirty="0"/>
+              <a:t>2348972 received</a:t>
+            </a:r>
+          </a:p>
+          <a:p>
+            <a:r>
+              <a:rPr lang="en-US" sz="800" dirty="0"/>
+              <a:t>Start 100 days ago</a:t>
+            </a:r>
+          </a:p>
+          <a:p>
+            <a:r>
+              <a:rPr lang="en-US" sz="800" dirty="0"/>
+              <a:t>Last received 2 sec</a:t>
+            </a:r>
+          </a:p>
+        </p:txBody>
+      </p:sp>
+      <p:pic>
+        <p:nvPicPr>
+          <p:cNvPr id="19" name="Picture 18">
+            <a:extLst>
+              <a:ext uri="{FF2B5EF4-FFF2-40B4-BE49-F238E27FC236}">
+                <a16:creationId xmlns:a16="http://schemas.microsoft.com/office/drawing/2014/main" id="{08139F0C-70BB-48BF-BF9C-3AC9180DF76E}"/>
+              </a:ext>
+            </a:extLst>
+          </p:cNvPr>
+          <p:cNvPicPr>
+            <a:picLocks noChangeAspect="1"/>
+          </p:cNvPicPr>
+          <p:nvPr/>
+        </p:nvPicPr>
+        <p:blipFill>
+          <a:blip r:embed="rId2"/>
+          <a:stretch>
+            <a:fillRect/>
+          </a:stretch>
+        </p:blipFill>
+        <p:spPr>
+          <a:xfrm>
+            <a:off x="2727826" y="1599249"/>
+            <a:ext cx="131794" cy="131794"/>
+          </a:xfrm>
+          <a:prstGeom prst="rect">
+            <a:avLst/>
+          </a:prstGeom>
+        </p:spPr>
+      </p:pic>
+      <p:sp>
+        <p:nvSpPr>
+          <p:cNvPr id="20" name="Rounded Rectangle 31">
+            <a:extLst>
+              <a:ext uri="{FF2B5EF4-FFF2-40B4-BE49-F238E27FC236}">
+                <a16:creationId xmlns:a16="http://schemas.microsoft.com/office/drawing/2014/main" id="{6A383062-AE9E-412D-8E09-D0A999F20ABE}"/>
+              </a:ext>
+            </a:extLst>
+          </p:cNvPr>
+          <p:cNvSpPr/>
+          <p:nvPr/>
+        </p:nvSpPr>
+        <p:spPr>
+          <a:xfrm>
+            <a:off x="3171993" y="1504827"/>
+            <a:ext cx="1047398" cy="1053008"/>
+          </a:xfrm>
+          <a:prstGeom prst="roundRect">
+            <a:avLst/>
+          </a:prstGeom>
+          <a:solidFill>
+            <a:schemeClr val="accent2">
+              <a:lumMod val="40000"/>
+              <a:lumOff val="60000"/>
+            </a:schemeClr>
+          </a:solidFill>
+          <a:ln>
+            <a:noFill/>
+          </a:ln>
+        </p:spPr>
+        <p:style>
+          <a:lnRef idx="2">
+            <a:schemeClr val="accent1">
+              <a:shade val="50000"/>
+            </a:schemeClr>
+          </a:lnRef>
+          <a:fillRef idx="1">
+            <a:schemeClr val="accent1"/>
+          </a:fillRef>
+          <a:effectRef idx="0">
+            <a:schemeClr val="accent1"/>
+          </a:effectRef>
+          <a:fontRef idx="minor">
+            <a:schemeClr val="lt1"/>
+          </a:fontRef>
+        </p:style>
+        <p:txBody>
+          <a:bodyPr rtlCol="0" anchor="ctr"/>
+          <a:lstStyle/>
+          <a:p>
+            <a:pPr algn="ctr"/>
+            <a:endParaRPr lang="en-US"/>
+          </a:p>
+        </p:txBody>
+      </p:sp>
+      <p:sp>
+        <p:nvSpPr>
+          <p:cNvPr id="21" name="TextBox 20">
+            <a:extLst>
+              <a:ext uri="{FF2B5EF4-FFF2-40B4-BE49-F238E27FC236}">
+                <a16:creationId xmlns:a16="http://schemas.microsoft.com/office/drawing/2014/main" id="{6915F3B1-0ECA-4FEA-9166-D78DCC250EB9}"/>
+              </a:ext>
+            </a:extLst>
+          </p:cNvPr>
+          <p:cNvSpPr txBox="1"/>
+          <p:nvPr/>
+        </p:nvSpPr>
+        <p:spPr>
+          <a:xfrm>
+            <a:off x="3196707" y="1542540"/>
+            <a:ext cx="510076" cy="246221"/>
+          </a:xfrm>
+          <a:prstGeom prst="rect">
+            <a:avLst/>
+          </a:prstGeom>
+          <a:noFill/>
+        </p:spPr>
+        <p:txBody>
+          <a:bodyPr wrap="none" rtlCol="0">
+            <a:spAutoFit/>
+          </a:bodyPr>
+          <a:lstStyle/>
+          <a:p>
+            <a:r>
+              <a:rPr lang="en-US" sz="1000" b="1" dirty="0"/>
+              <a:t>PAN 2</a:t>
+            </a:r>
+          </a:p>
+        </p:txBody>
+      </p:sp>
+      <p:sp>
+        <p:nvSpPr>
+          <p:cNvPr id="22" name="TextBox 21">
+            <a:extLst>
+              <a:ext uri="{FF2B5EF4-FFF2-40B4-BE49-F238E27FC236}">
+                <a16:creationId xmlns:a16="http://schemas.microsoft.com/office/drawing/2014/main" id="{0815C517-721D-4209-88D0-03197EEC554B}"/>
+              </a:ext>
+            </a:extLst>
+          </p:cNvPr>
+          <p:cNvSpPr txBox="1"/>
+          <p:nvPr/>
+        </p:nvSpPr>
+        <p:spPr>
+          <a:xfrm>
+            <a:off x="3196707" y="1759889"/>
+            <a:ext cx="962123" cy="707886"/>
+          </a:xfrm>
+          <a:prstGeom prst="rect">
+            <a:avLst/>
+          </a:prstGeom>
+          <a:noFill/>
+        </p:spPr>
+        <p:txBody>
+          <a:bodyPr wrap="none" rtlCol="0">
+            <a:spAutoFit/>
+          </a:bodyPr>
+          <a:lstStyle/>
+          <a:p>
+            <a:r>
+              <a:rPr lang="en-US" sz="800" dirty="0"/>
+              <a:t>10.1.2.1</a:t>
+            </a:r>
+          </a:p>
+          <a:p>
+            <a:r>
+              <a:rPr lang="en-US" sz="800" dirty="0"/>
+              <a:t>PAN-OS 8.1</a:t>
+            </a:r>
+          </a:p>
+          <a:p>
+            <a:r>
+              <a:rPr lang="en-US" sz="800" dirty="0"/>
+              <a:t>123 received</a:t>
+            </a:r>
+          </a:p>
+          <a:p>
+            <a:r>
+              <a:rPr lang="en-US" sz="800" dirty="0"/>
+              <a:t>Start 1 hour ago</a:t>
+            </a:r>
+          </a:p>
+          <a:p>
+            <a:r>
+              <a:rPr lang="en-US" sz="800" dirty="0"/>
+              <a:t>Last received 2 sec</a:t>
+            </a:r>
+          </a:p>
+        </p:txBody>
+      </p:sp>
+      <p:pic>
+        <p:nvPicPr>
+          <p:cNvPr id="23" name="Picture 22">
+            <a:extLst>
+              <a:ext uri="{FF2B5EF4-FFF2-40B4-BE49-F238E27FC236}">
+                <a16:creationId xmlns:a16="http://schemas.microsoft.com/office/drawing/2014/main" id="{9AFFD6EA-E541-4862-8C09-C08BCAB5D232}"/>
+              </a:ext>
+            </a:extLst>
+          </p:cNvPr>
+          <p:cNvPicPr>
+            <a:picLocks noChangeAspect="1"/>
+          </p:cNvPicPr>
+          <p:nvPr/>
+        </p:nvPicPr>
+        <p:blipFill>
+          <a:blip r:embed="rId2"/>
+          <a:stretch>
+            <a:fillRect/>
+          </a:stretch>
+        </p:blipFill>
+        <p:spPr>
+          <a:xfrm>
+            <a:off x="3975086" y="1599249"/>
+            <a:ext cx="131794" cy="131794"/>
+          </a:xfrm>
+          <a:prstGeom prst="rect">
+            <a:avLst/>
+          </a:prstGeom>
+        </p:spPr>
+      </p:pic>
+      <p:sp>
+        <p:nvSpPr>
+          <p:cNvPr id="24" name="Rectangle 23">
+            <a:extLst>
+              <a:ext uri="{FF2B5EF4-FFF2-40B4-BE49-F238E27FC236}">
+                <a16:creationId xmlns:a16="http://schemas.microsoft.com/office/drawing/2014/main" id="{FF76BDBE-D0B6-4117-B2BE-89EF594BA02F}"/>
+              </a:ext>
+            </a:extLst>
+          </p:cNvPr>
+          <p:cNvSpPr/>
+          <p:nvPr/>
+        </p:nvSpPr>
+        <p:spPr>
+          <a:xfrm>
+            <a:off x="3923737" y="988541"/>
+            <a:ext cx="1710943" cy="369332"/>
+          </a:xfrm>
+          <a:prstGeom prst="rect">
+            <a:avLst/>
+          </a:prstGeom>
+          <a:noFill/>
+          <a:ln>
+            <a:solidFill>
+              <a:schemeClr val="tx1">
+                <a:lumMod val="75000"/>
+                <a:lumOff val="25000"/>
+              </a:schemeClr>
+            </a:solidFill>
+          </a:ln>
+        </p:spPr>
+        <p:style>
+          <a:lnRef idx="2">
+            <a:schemeClr val="accent1">
+              <a:shade val="50000"/>
+            </a:schemeClr>
+          </a:lnRef>
+          <a:fillRef idx="1">
+            <a:schemeClr val="accent1"/>
+          </a:fillRef>
+          <a:effectRef idx="0">
+            <a:schemeClr val="accent1"/>
+          </a:effectRef>
+          <a:fontRef idx="minor">
+            <a:schemeClr val="lt1"/>
+          </a:fontRef>
+        </p:style>
+        <p:txBody>
+          <a:bodyPr rtlCol="0" anchor="ctr"/>
+          <a:lstStyle/>
+          <a:p>
+            <a:pPr algn="ctr"/>
+            <a:endParaRPr lang="en-US"/>
+          </a:p>
+        </p:txBody>
+      </p:sp>
+      <p:sp>
+        <p:nvSpPr>
+          <p:cNvPr id="25" name="TextBox 24">
+            <a:extLst>
+              <a:ext uri="{FF2B5EF4-FFF2-40B4-BE49-F238E27FC236}">
+                <a16:creationId xmlns:a16="http://schemas.microsoft.com/office/drawing/2014/main" id="{5FB4C238-4367-4DB2-8580-3994477A870D}"/>
+              </a:ext>
+            </a:extLst>
+          </p:cNvPr>
+          <p:cNvSpPr txBox="1"/>
+          <p:nvPr/>
+        </p:nvSpPr>
+        <p:spPr>
+          <a:xfrm>
+            <a:off x="3939442" y="999126"/>
+            <a:ext cx="812851" cy="369332"/>
+          </a:xfrm>
+          <a:prstGeom prst="rect">
+            <a:avLst/>
+          </a:prstGeom>
+          <a:noFill/>
+        </p:spPr>
+        <p:txBody>
+          <a:bodyPr wrap="none" rtlCol="0">
+            <a:spAutoFit/>
+          </a:bodyPr>
+          <a:lstStyle/>
+          <a:p>
+            <a:r>
+              <a:rPr lang="en-US" dirty="0">
+                <a:solidFill>
+                  <a:schemeClr val="bg1">
+                    <a:lumMod val="50000"/>
+                  </a:schemeClr>
+                </a:solidFill>
+              </a:rPr>
+              <a:t>Search</a:t>
+            </a:r>
+          </a:p>
+        </p:txBody>
+      </p:sp>
+      <p:sp>
+        <p:nvSpPr>
+          <p:cNvPr id="26" name="Rectangle 25">
+            <a:extLst>
+              <a:ext uri="{FF2B5EF4-FFF2-40B4-BE49-F238E27FC236}">
+                <a16:creationId xmlns:a16="http://schemas.microsoft.com/office/drawing/2014/main" id="{60D92FA4-B944-4E45-AC33-3261AD289FE0}"/>
+              </a:ext>
+            </a:extLst>
+          </p:cNvPr>
+          <p:cNvSpPr/>
+          <p:nvPr/>
+        </p:nvSpPr>
+        <p:spPr>
+          <a:xfrm>
+            <a:off x="7334410" y="988541"/>
+            <a:ext cx="2462688" cy="369332"/>
+          </a:xfrm>
+          <a:prstGeom prst="rect">
+            <a:avLst/>
+          </a:prstGeom>
+          <a:noFill/>
+          <a:ln>
+            <a:solidFill>
+              <a:schemeClr val="tx1">
+                <a:lumMod val="75000"/>
+                <a:lumOff val="25000"/>
+              </a:schemeClr>
+            </a:solidFill>
+          </a:ln>
+        </p:spPr>
+        <p:style>
+          <a:lnRef idx="2">
+            <a:schemeClr val="accent1">
+              <a:shade val="50000"/>
+            </a:schemeClr>
+          </a:lnRef>
+          <a:fillRef idx="1">
+            <a:schemeClr val="accent1"/>
+          </a:fillRef>
+          <a:effectRef idx="0">
+            <a:schemeClr val="accent1"/>
+          </a:effectRef>
+          <a:fontRef idx="minor">
+            <a:schemeClr val="lt1"/>
+          </a:fontRef>
+        </p:style>
+        <p:txBody>
+          <a:bodyPr rtlCol="0" anchor="ctr"/>
+          <a:lstStyle/>
+          <a:p>
+            <a:pPr algn="ctr"/>
+            <a:endParaRPr lang="en-US"/>
+          </a:p>
+        </p:txBody>
+      </p:sp>
+      <p:sp>
+        <p:nvSpPr>
+          <p:cNvPr id="27" name="TextBox 26">
+            <a:extLst>
+              <a:ext uri="{FF2B5EF4-FFF2-40B4-BE49-F238E27FC236}">
+                <a16:creationId xmlns:a16="http://schemas.microsoft.com/office/drawing/2014/main" id="{D86EBF1E-E64C-4E82-945F-A645839D99A4}"/>
+              </a:ext>
+            </a:extLst>
+          </p:cNvPr>
+          <p:cNvSpPr txBox="1"/>
+          <p:nvPr/>
+        </p:nvSpPr>
+        <p:spPr>
+          <a:xfrm>
+            <a:off x="7359124" y="1012246"/>
+            <a:ext cx="942887" cy="369332"/>
+          </a:xfrm>
+          <a:prstGeom prst="rect">
+            <a:avLst/>
+          </a:prstGeom>
+          <a:noFill/>
+        </p:spPr>
+        <p:txBody>
+          <a:bodyPr wrap="none" rtlCol="0">
+            <a:spAutoFit/>
+          </a:bodyPr>
+          <a:lstStyle/>
+          <a:p>
+            <a:r>
+              <a:rPr lang="en-US" dirty="0">
+                <a:solidFill>
+                  <a:schemeClr val="bg1">
+                    <a:lumMod val="50000"/>
+                  </a:schemeClr>
+                </a:solidFill>
+              </a:rPr>
+              <a:t>10.1.1.1</a:t>
+            </a:r>
+          </a:p>
+        </p:txBody>
+      </p:sp>
+      <p:sp>
+        <p:nvSpPr>
+          <p:cNvPr id="28" name="Rounded Rectangle 39">
+            <a:extLst>
+              <a:ext uri="{FF2B5EF4-FFF2-40B4-BE49-F238E27FC236}">
+                <a16:creationId xmlns:a16="http://schemas.microsoft.com/office/drawing/2014/main" id="{2F15AD5E-C469-49A9-95E3-A261BAE925FA}"/>
+              </a:ext>
+            </a:extLst>
+          </p:cNvPr>
+          <p:cNvSpPr/>
+          <p:nvPr/>
+        </p:nvSpPr>
+        <p:spPr>
+          <a:xfrm>
+            <a:off x="3669587" y="1594607"/>
+            <a:ext cx="481914" cy="135925"/>
+          </a:xfrm>
+          <a:prstGeom prst="roundRect">
+            <a:avLst/>
+          </a:prstGeom>
+          <a:solidFill>
+            <a:schemeClr val="accent1">
+              <a:lumMod val="40000"/>
+              <a:lumOff val="60000"/>
+            </a:schemeClr>
+          </a:solidFill>
+        </p:spPr>
+        <p:style>
+          <a:lnRef idx="2">
+            <a:schemeClr val="accent1">
+              <a:shade val="50000"/>
+            </a:schemeClr>
+          </a:lnRef>
+          <a:fillRef idx="1">
+            <a:schemeClr val="accent1"/>
+          </a:fillRef>
+          <a:effectRef idx="0">
+            <a:schemeClr val="accent1"/>
+          </a:effectRef>
+          <a:fontRef idx="minor">
+            <a:schemeClr val="lt1"/>
+          </a:fontRef>
+        </p:style>
+        <p:txBody>
+          <a:bodyPr rtlCol="0" anchor="ctr"/>
+          <a:lstStyle/>
+          <a:p>
+            <a:pPr algn="ctr"/>
+            <a:r>
+              <a:rPr lang="en-US" sz="600" b="1" dirty="0"/>
+              <a:t>Confirm</a:t>
+            </a:r>
+          </a:p>
+        </p:txBody>
+      </p:sp>
+      <p:sp>
+        <p:nvSpPr>
+          <p:cNvPr id="29" name="Rounded Rectangle 40">
+            <a:extLst>
+              <a:ext uri="{FF2B5EF4-FFF2-40B4-BE49-F238E27FC236}">
+                <a16:creationId xmlns:a16="http://schemas.microsoft.com/office/drawing/2014/main" id="{06619B23-9BF8-402E-BA7E-5C9676FD6FEA}"/>
+              </a:ext>
+            </a:extLst>
+          </p:cNvPr>
+          <p:cNvSpPr/>
+          <p:nvPr/>
+        </p:nvSpPr>
+        <p:spPr>
+          <a:xfrm>
+            <a:off x="4417390" y="1524984"/>
+            <a:ext cx="1047404" cy="1053011"/>
+          </a:xfrm>
+          <a:prstGeom prst="roundRect">
+            <a:avLst/>
+          </a:prstGeom>
+          <a:solidFill>
+            <a:schemeClr val="bg1">
+              <a:lumMod val="95000"/>
+            </a:schemeClr>
+          </a:solidFill>
+          <a:ln>
+            <a:noFill/>
+          </a:ln>
+        </p:spPr>
+        <p:style>
+          <a:lnRef idx="2">
+            <a:schemeClr val="accent1">
+              <a:shade val="50000"/>
+            </a:schemeClr>
+          </a:lnRef>
+          <a:fillRef idx="1">
+            <a:schemeClr val="accent1"/>
+          </a:fillRef>
+          <a:effectRef idx="0">
+            <a:schemeClr val="accent1"/>
+          </a:effectRef>
+          <a:fontRef idx="minor">
+            <a:schemeClr val="lt1"/>
+          </a:fontRef>
+        </p:style>
+        <p:txBody>
+          <a:bodyPr rtlCol="0" anchor="ctr"/>
+          <a:lstStyle/>
+          <a:p>
+            <a:pPr algn="ctr"/>
+            <a:endParaRPr lang="en-US"/>
+          </a:p>
+        </p:txBody>
+      </p:sp>
+      <p:sp>
+        <p:nvSpPr>
+          <p:cNvPr id="30" name="TextBox 29">
+            <a:extLst>
+              <a:ext uri="{FF2B5EF4-FFF2-40B4-BE49-F238E27FC236}">
+                <a16:creationId xmlns:a16="http://schemas.microsoft.com/office/drawing/2014/main" id="{F488761C-3547-4109-8DFF-CC779CAD0BFA}"/>
+              </a:ext>
+            </a:extLst>
+          </p:cNvPr>
+          <p:cNvSpPr txBox="1"/>
+          <p:nvPr/>
+        </p:nvSpPr>
+        <p:spPr>
+          <a:xfrm>
+            <a:off x="4771815" y="1830345"/>
+            <a:ext cx="338555" cy="461665"/>
+          </a:xfrm>
+          <a:prstGeom prst="rect">
+            <a:avLst/>
+          </a:prstGeom>
+          <a:noFill/>
+        </p:spPr>
+        <p:txBody>
+          <a:bodyPr wrap="none" rtlCol="0">
+            <a:spAutoFit/>
+          </a:bodyPr>
+          <a:lstStyle/>
+          <a:p>
+            <a:pPr algn="ctr"/>
+            <a:r>
+              <a:rPr lang="en-US" sz="2400" dirty="0">
+                <a:solidFill>
+                  <a:schemeClr val="bg1">
+                    <a:lumMod val="50000"/>
+                  </a:schemeClr>
+                </a:solidFill>
+              </a:rPr>
+              <a:t>+</a:t>
+            </a:r>
+          </a:p>
+        </p:txBody>
+      </p:sp>
+      <p:sp>
+        <p:nvSpPr>
+          <p:cNvPr id="31" name="TextBox 30">
+            <a:extLst>
+              <a:ext uri="{FF2B5EF4-FFF2-40B4-BE49-F238E27FC236}">
+                <a16:creationId xmlns:a16="http://schemas.microsoft.com/office/drawing/2014/main" id="{FFB9BA7A-EEF9-4B89-B999-0A3E5CF8BB3B}"/>
+              </a:ext>
+            </a:extLst>
+          </p:cNvPr>
+          <p:cNvSpPr txBox="1"/>
+          <p:nvPr/>
+        </p:nvSpPr>
+        <p:spPr>
+          <a:xfrm>
+            <a:off x="146545" y="735248"/>
+            <a:ext cx="1381731" cy="461665"/>
           </a:xfrm>
           <a:prstGeom prst="rect">
             <a:avLst/>
@@ -4018,17 +5249,1819 @@
           </a:bodyPr>
           <a:lstStyle/>
           <a:p>
-            <a:pPr marL="285750" indent="-285750">
-              <a:buFont typeface="Arial" panose="020B0604020202020204" pitchFamily="34" charset="0"/>
-              <a:buChar char="•"/>
-            </a:pPr>
-            <a:r>
-              <a:rPr lang="en-US" altLang="ko-KR" dirty="0"/>
-              <a:t>Grid </a:t>
-            </a:r>
-          </a:p>
-        </p:txBody>
-      </p:sp>
+            <a:r>
+              <a:rPr lang="en-US" sz="1200" dirty="0"/>
+              <a:t>Click title to go to page</a:t>
+            </a:r>
+          </a:p>
+        </p:txBody>
+      </p:sp>
+      <p:cxnSp>
+        <p:nvCxnSpPr>
+          <p:cNvPr id="32" name="Straight Arrow Connector 31">
+            <a:extLst>
+              <a:ext uri="{FF2B5EF4-FFF2-40B4-BE49-F238E27FC236}">
+                <a16:creationId xmlns:a16="http://schemas.microsoft.com/office/drawing/2014/main" id="{D2C85DA7-4B8A-4642-BF96-2B6A138AD320}"/>
+              </a:ext>
+            </a:extLst>
+          </p:cNvPr>
+          <p:cNvCxnSpPr>
+            <a:cxnSpLocks/>
+            <a:stCxn id="31" idx="3"/>
+            <a:endCxn id="12" idx="1"/>
+          </p:cNvCxnSpPr>
+          <p:nvPr/>
+        </p:nvCxnSpPr>
+        <p:spPr>
+          <a:xfrm>
+            <a:off x="1528276" y="966081"/>
+            <a:ext cx="349951" cy="207126"/>
+          </a:xfrm>
+          <a:prstGeom prst="straightConnector1">
+            <a:avLst/>
+          </a:prstGeom>
+          <a:ln>
+            <a:tailEnd type="triangle"/>
+          </a:ln>
+        </p:spPr>
+        <p:style>
+          <a:lnRef idx="1">
+            <a:schemeClr val="accent1"/>
+          </a:lnRef>
+          <a:fillRef idx="0">
+            <a:schemeClr val="accent1"/>
+          </a:fillRef>
+          <a:effectRef idx="0">
+            <a:schemeClr val="accent1"/>
+          </a:effectRef>
+          <a:fontRef idx="minor">
+            <a:schemeClr val="tx1"/>
+          </a:fontRef>
+        </p:style>
+      </p:cxnSp>
+      <p:cxnSp>
+        <p:nvCxnSpPr>
+          <p:cNvPr id="33" name="Straight Connector 32">
+            <a:extLst>
+              <a:ext uri="{FF2B5EF4-FFF2-40B4-BE49-F238E27FC236}">
+                <a16:creationId xmlns:a16="http://schemas.microsoft.com/office/drawing/2014/main" id="{633EE29C-1937-4CDF-AF73-7A5601ACBFE9}"/>
+              </a:ext>
+            </a:extLst>
+          </p:cNvPr>
+          <p:cNvCxnSpPr/>
+          <p:nvPr/>
+        </p:nvCxnSpPr>
+        <p:spPr>
+          <a:xfrm>
+            <a:off x="6034215" y="1788761"/>
+            <a:ext cx="3701098" cy="0"/>
+          </a:xfrm>
+          <a:prstGeom prst="line">
+            <a:avLst/>
+          </a:prstGeom>
+        </p:spPr>
+        <p:style>
+          <a:lnRef idx="1">
+            <a:schemeClr val="accent1"/>
+          </a:lnRef>
+          <a:fillRef idx="0">
+            <a:schemeClr val="accent1"/>
+          </a:fillRef>
+          <a:effectRef idx="0">
+            <a:schemeClr val="accent1"/>
+          </a:effectRef>
+          <a:fontRef idx="minor">
+            <a:schemeClr val="tx1"/>
+          </a:fontRef>
+        </p:style>
+      </p:cxnSp>
+      <p:cxnSp>
+        <p:nvCxnSpPr>
+          <p:cNvPr id="34" name="Straight Connector 33">
+            <a:extLst>
+              <a:ext uri="{FF2B5EF4-FFF2-40B4-BE49-F238E27FC236}">
+                <a16:creationId xmlns:a16="http://schemas.microsoft.com/office/drawing/2014/main" id="{5BA4B9E1-C86B-41C4-9B7A-CEFFD9548B06}"/>
+              </a:ext>
+            </a:extLst>
+          </p:cNvPr>
+          <p:cNvCxnSpPr/>
+          <p:nvPr/>
+        </p:nvCxnSpPr>
+        <p:spPr>
+          <a:xfrm>
+            <a:off x="6034215" y="2163582"/>
+            <a:ext cx="3701098" cy="0"/>
+          </a:xfrm>
+          <a:prstGeom prst="line">
+            <a:avLst/>
+          </a:prstGeom>
+        </p:spPr>
+        <p:style>
+          <a:lnRef idx="1">
+            <a:schemeClr val="accent1"/>
+          </a:lnRef>
+          <a:fillRef idx="0">
+            <a:schemeClr val="accent1"/>
+          </a:fillRef>
+          <a:effectRef idx="0">
+            <a:schemeClr val="accent1"/>
+          </a:effectRef>
+          <a:fontRef idx="minor">
+            <a:schemeClr val="tx1"/>
+          </a:fontRef>
+        </p:style>
+      </p:cxnSp>
+      <p:cxnSp>
+        <p:nvCxnSpPr>
+          <p:cNvPr id="35" name="Straight Connector 34">
+            <a:extLst>
+              <a:ext uri="{FF2B5EF4-FFF2-40B4-BE49-F238E27FC236}">
+                <a16:creationId xmlns:a16="http://schemas.microsoft.com/office/drawing/2014/main" id="{9D86C4CD-C124-49A3-BE7F-7EB19949996A}"/>
+              </a:ext>
+            </a:extLst>
+          </p:cNvPr>
+          <p:cNvCxnSpPr/>
+          <p:nvPr/>
+        </p:nvCxnSpPr>
+        <p:spPr>
+          <a:xfrm>
+            <a:off x="6034215" y="2524992"/>
+            <a:ext cx="3701098" cy="0"/>
+          </a:xfrm>
+          <a:prstGeom prst="line">
+            <a:avLst/>
+          </a:prstGeom>
+        </p:spPr>
+        <p:style>
+          <a:lnRef idx="1">
+            <a:schemeClr val="accent1"/>
+          </a:lnRef>
+          <a:fillRef idx="0">
+            <a:schemeClr val="accent1"/>
+          </a:fillRef>
+          <a:effectRef idx="0">
+            <a:schemeClr val="accent1"/>
+          </a:effectRef>
+          <a:fontRef idx="minor">
+            <a:schemeClr val="tx1"/>
+          </a:fontRef>
+        </p:style>
+      </p:cxnSp>
+      <p:sp>
+        <p:nvSpPr>
+          <p:cNvPr id="36" name="TextBox 35">
+            <a:extLst>
+              <a:ext uri="{FF2B5EF4-FFF2-40B4-BE49-F238E27FC236}">
+                <a16:creationId xmlns:a16="http://schemas.microsoft.com/office/drawing/2014/main" id="{88261B61-D9D4-4239-84A6-491633585303}"/>
+              </a:ext>
+            </a:extLst>
+          </p:cNvPr>
+          <p:cNvSpPr txBox="1"/>
+          <p:nvPr/>
+        </p:nvSpPr>
+        <p:spPr>
+          <a:xfrm>
+            <a:off x="5993024" y="1853512"/>
+            <a:ext cx="2698175" cy="246221"/>
+          </a:xfrm>
+          <a:prstGeom prst="rect">
+            <a:avLst/>
+          </a:prstGeom>
+          <a:noFill/>
+        </p:spPr>
+        <p:txBody>
+          <a:bodyPr wrap="none" rtlCol="0">
+            <a:spAutoFit/>
+          </a:bodyPr>
+          <a:lstStyle/>
+          <a:p>
+            <a:r>
+              <a:rPr lang="en-US" sz="1000" dirty="0"/>
+              <a:t>Syslog    10.1.1.1    2019/04/2 03:02:11    X, Y, Z  </a:t>
+            </a:r>
+          </a:p>
+        </p:txBody>
+      </p:sp>
+      <p:sp>
+        <p:nvSpPr>
+          <p:cNvPr id="37" name="TextBox 36">
+            <a:extLst>
+              <a:ext uri="{FF2B5EF4-FFF2-40B4-BE49-F238E27FC236}">
+                <a16:creationId xmlns:a16="http://schemas.microsoft.com/office/drawing/2014/main" id="{28E3B58C-3213-4FCA-B281-5423EBF514B4}"/>
+              </a:ext>
+            </a:extLst>
+          </p:cNvPr>
+          <p:cNvSpPr txBox="1"/>
+          <p:nvPr/>
+        </p:nvSpPr>
+        <p:spPr>
+          <a:xfrm>
+            <a:off x="5993024" y="2202610"/>
+            <a:ext cx="2757486" cy="246221"/>
+          </a:xfrm>
+          <a:prstGeom prst="rect">
+            <a:avLst/>
+          </a:prstGeom>
+          <a:noFill/>
+        </p:spPr>
+        <p:txBody>
+          <a:bodyPr wrap="none" rtlCol="0">
+            <a:spAutoFit/>
+          </a:bodyPr>
+          <a:lstStyle/>
+          <a:p>
+            <a:r>
+              <a:rPr lang="en-US" sz="1000" dirty="0"/>
+              <a:t>File         10.1.1.1    2019/04/2 03:02:11    X, Y, Z    </a:t>
+            </a:r>
+          </a:p>
+        </p:txBody>
+      </p:sp>
+      <p:sp>
+        <p:nvSpPr>
+          <p:cNvPr id="38" name="TextBox 37">
+            <a:extLst>
+              <a:ext uri="{FF2B5EF4-FFF2-40B4-BE49-F238E27FC236}">
+                <a16:creationId xmlns:a16="http://schemas.microsoft.com/office/drawing/2014/main" id="{BE72DCB2-8ECF-4863-8F40-0803D24E4B99}"/>
+              </a:ext>
+            </a:extLst>
+          </p:cNvPr>
+          <p:cNvSpPr txBox="1"/>
+          <p:nvPr/>
+        </p:nvSpPr>
+        <p:spPr>
+          <a:xfrm>
+            <a:off x="10412410" y="730098"/>
+            <a:ext cx="1693090" cy="276999"/>
+          </a:xfrm>
+          <a:prstGeom prst="rect">
+            <a:avLst/>
+          </a:prstGeom>
+          <a:noFill/>
+        </p:spPr>
+        <p:txBody>
+          <a:bodyPr wrap="square" rtlCol="0">
+            <a:spAutoFit/>
+          </a:bodyPr>
+          <a:lstStyle/>
+          <a:p>
+            <a:r>
+              <a:rPr lang="en-US" sz="1200" dirty="0"/>
+              <a:t>Simple match (contains)</a:t>
+            </a:r>
+          </a:p>
+        </p:txBody>
+      </p:sp>
+      <p:cxnSp>
+        <p:nvCxnSpPr>
+          <p:cNvPr id="39" name="Straight Arrow Connector 38">
+            <a:extLst>
+              <a:ext uri="{FF2B5EF4-FFF2-40B4-BE49-F238E27FC236}">
+                <a16:creationId xmlns:a16="http://schemas.microsoft.com/office/drawing/2014/main" id="{B4DD61D0-6AE8-4418-ACA7-9A9A4DC40A49}"/>
+              </a:ext>
+            </a:extLst>
+          </p:cNvPr>
+          <p:cNvCxnSpPr>
+            <a:stCxn id="38" idx="1"/>
+          </p:cNvCxnSpPr>
+          <p:nvPr/>
+        </p:nvCxnSpPr>
+        <p:spPr>
+          <a:xfrm flipH="1">
+            <a:off x="9440562" y="868598"/>
+            <a:ext cx="971848" cy="304609"/>
+          </a:xfrm>
+          <a:prstGeom prst="straightConnector1">
+            <a:avLst/>
+          </a:prstGeom>
+          <a:ln>
+            <a:tailEnd type="triangle"/>
+          </a:ln>
+        </p:spPr>
+        <p:style>
+          <a:lnRef idx="1">
+            <a:schemeClr val="accent1"/>
+          </a:lnRef>
+          <a:fillRef idx="0">
+            <a:schemeClr val="accent1"/>
+          </a:fillRef>
+          <a:effectRef idx="0">
+            <a:schemeClr val="accent1"/>
+          </a:effectRef>
+          <a:fontRef idx="minor">
+            <a:schemeClr val="tx1"/>
+          </a:fontRef>
+        </p:style>
+      </p:cxnSp>
+      <p:sp>
+        <p:nvSpPr>
+          <p:cNvPr id="40" name="TextBox 39">
+            <a:extLst>
+              <a:ext uri="{FF2B5EF4-FFF2-40B4-BE49-F238E27FC236}">
+                <a16:creationId xmlns:a16="http://schemas.microsoft.com/office/drawing/2014/main" id="{CA70CD7C-4856-47A6-8B0F-0F0A5B746D45}"/>
+              </a:ext>
+            </a:extLst>
+          </p:cNvPr>
+          <p:cNvSpPr txBox="1"/>
+          <p:nvPr/>
+        </p:nvSpPr>
+        <p:spPr>
+          <a:xfrm>
+            <a:off x="7265115" y="1320163"/>
+            <a:ext cx="2191626" cy="246221"/>
+          </a:xfrm>
+          <a:prstGeom prst="rect">
+            <a:avLst/>
+          </a:prstGeom>
+          <a:noFill/>
+        </p:spPr>
+        <p:txBody>
+          <a:bodyPr wrap="none" rtlCol="0">
+            <a:spAutoFit/>
+          </a:bodyPr>
+          <a:lstStyle/>
+          <a:p>
+            <a:r>
+              <a:rPr lang="en-US" sz="1000" dirty="0">
+                <a:solidFill>
+                  <a:schemeClr val="bg1">
+                    <a:lumMod val="50000"/>
+                  </a:schemeClr>
+                </a:solidFill>
+              </a:rPr>
+              <a:t>Rate Limited to 1 per second, Max 100</a:t>
+            </a:r>
+          </a:p>
+        </p:txBody>
+      </p:sp>
+      <p:sp>
+        <p:nvSpPr>
+          <p:cNvPr id="41" name="Rounded Rectangle 59">
+            <a:extLst>
+              <a:ext uri="{FF2B5EF4-FFF2-40B4-BE49-F238E27FC236}">
+                <a16:creationId xmlns:a16="http://schemas.microsoft.com/office/drawing/2014/main" id="{70BC2DCA-E245-47BF-82E6-22AA86CAF136}"/>
+              </a:ext>
+            </a:extLst>
+          </p:cNvPr>
+          <p:cNvSpPr/>
+          <p:nvPr/>
+        </p:nvSpPr>
+        <p:spPr>
+          <a:xfrm>
+            <a:off x="1924732" y="4140898"/>
+            <a:ext cx="3666614" cy="646512"/>
+          </a:xfrm>
+          <a:prstGeom prst="roundRect">
+            <a:avLst/>
+          </a:prstGeom>
+          <a:solidFill>
+            <a:schemeClr val="accent1">
+              <a:lumMod val="40000"/>
+              <a:lumOff val="60000"/>
+            </a:schemeClr>
+          </a:solidFill>
+          <a:ln>
+            <a:noFill/>
+          </a:ln>
+        </p:spPr>
+        <p:style>
+          <a:lnRef idx="2">
+            <a:schemeClr val="accent1">
+              <a:shade val="50000"/>
+            </a:schemeClr>
+          </a:lnRef>
+          <a:fillRef idx="1">
+            <a:schemeClr val="accent1"/>
+          </a:fillRef>
+          <a:effectRef idx="0">
+            <a:schemeClr val="accent1"/>
+          </a:effectRef>
+          <a:fontRef idx="minor">
+            <a:schemeClr val="lt1"/>
+          </a:fontRef>
+        </p:style>
+        <p:txBody>
+          <a:bodyPr rtlCol="0" anchor="ctr"/>
+          <a:lstStyle/>
+          <a:p>
+            <a:pPr algn="ctr"/>
+            <a:endParaRPr lang="en-US"/>
+          </a:p>
+        </p:txBody>
+      </p:sp>
+      <p:sp>
+        <p:nvSpPr>
+          <p:cNvPr id="42" name="TextBox 41">
+            <a:extLst>
+              <a:ext uri="{FF2B5EF4-FFF2-40B4-BE49-F238E27FC236}">
+                <a16:creationId xmlns:a16="http://schemas.microsoft.com/office/drawing/2014/main" id="{44FC262E-F406-4E41-8695-D41652DDC22F}"/>
+              </a:ext>
+            </a:extLst>
+          </p:cNvPr>
+          <p:cNvSpPr txBox="1"/>
+          <p:nvPr/>
+        </p:nvSpPr>
+        <p:spPr>
+          <a:xfrm>
+            <a:off x="1949447" y="4178610"/>
+            <a:ext cx="519694" cy="246221"/>
+          </a:xfrm>
+          <a:prstGeom prst="rect">
+            <a:avLst/>
+          </a:prstGeom>
+          <a:noFill/>
+        </p:spPr>
+        <p:txBody>
+          <a:bodyPr wrap="none" rtlCol="0">
+            <a:spAutoFit/>
+          </a:bodyPr>
+          <a:lstStyle/>
+          <a:p>
+            <a:r>
+              <a:rPr lang="en-US" sz="1000" b="1" dirty="0"/>
+              <a:t>Syslog</a:t>
+            </a:r>
+          </a:p>
+        </p:txBody>
+      </p:sp>
+      <p:sp>
+        <p:nvSpPr>
+          <p:cNvPr id="43" name="TextBox 42">
+            <a:extLst>
+              <a:ext uri="{FF2B5EF4-FFF2-40B4-BE49-F238E27FC236}">
+                <a16:creationId xmlns:a16="http://schemas.microsoft.com/office/drawing/2014/main" id="{981AAC1F-50B9-492A-95A9-BDCB84181A8A}"/>
+              </a:ext>
+            </a:extLst>
+          </p:cNvPr>
+          <p:cNvSpPr txBox="1"/>
+          <p:nvPr/>
+        </p:nvSpPr>
+        <p:spPr>
+          <a:xfrm>
+            <a:off x="1949447" y="4395959"/>
+            <a:ext cx="2643672" cy="338554"/>
+          </a:xfrm>
+          <a:prstGeom prst="rect">
+            <a:avLst/>
+          </a:prstGeom>
+          <a:noFill/>
+        </p:spPr>
+        <p:txBody>
+          <a:bodyPr wrap="none" rtlCol="0">
+            <a:spAutoFit/>
+          </a:bodyPr>
+          <a:lstStyle/>
+          <a:p>
+            <a:r>
+              <a:rPr lang="en-US" sz="800" dirty="0"/>
+              <a:t>Port 514     No TLS</a:t>
+            </a:r>
+          </a:p>
+          <a:p>
+            <a:r>
+              <a:rPr lang="en-US" sz="800" dirty="0"/>
+              <a:t>2348972 received    Start 100 days ago    Last received 2 sec</a:t>
+            </a:r>
+          </a:p>
+        </p:txBody>
+      </p:sp>
+      <p:pic>
+        <p:nvPicPr>
+          <p:cNvPr id="44" name="Picture 43">
+            <a:extLst>
+              <a:ext uri="{FF2B5EF4-FFF2-40B4-BE49-F238E27FC236}">
+                <a16:creationId xmlns:a16="http://schemas.microsoft.com/office/drawing/2014/main" id="{209E2639-F6E4-48DB-8FDD-99AA18F2A2E6}"/>
+              </a:ext>
+            </a:extLst>
+          </p:cNvPr>
+          <p:cNvPicPr>
+            <a:picLocks noChangeAspect="1"/>
+          </p:cNvPicPr>
+          <p:nvPr/>
+        </p:nvPicPr>
+        <p:blipFill>
+          <a:blip r:embed="rId2"/>
+          <a:stretch>
+            <a:fillRect/>
+          </a:stretch>
+        </p:blipFill>
+        <p:spPr>
+          <a:xfrm>
+            <a:off x="5372180" y="4235319"/>
+            <a:ext cx="131794" cy="131794"/>
+          </a:xfrm>
+          <a:prstGeom prst="rect">
+            <a:avLst/>
+          </a:prstGeom>
+        </p:spPr>
+      </p:pic>
+      <p:sp>
+        <p:nvSpPr>
+          <p:cNvPr id="45" name="Rounded Rectangle 63">
+            <a:extLst>
+              <a:ext uri="{FF2B5EF4-FFF2-40B4-BE49-F238E27FC236}">
+                <a16:creationId xmlns:a16="http://schemas.microsoft.com/office/drawing/2014/main" id="{202015E3-4456-492E-9355-F944E54F9777}"/>
+              </a:ext>
+            </a:extLst>
+          </p:cNvPr>
+          <p:cNvSpPr/>
+          <p:nvPr/>
+        </p:nvSpPr>
+        <p:spPr>
+          <a:xfrm>
+            <a:off x="1921154" y="4842808"/>
+            <a:ext cx="3666614" cy="616590"/>
+          </a:xfrm>
+          <a:prstGeom prst="roundRect">
+            <a:avLst/>
+          </a:prstGeom>
+          <a:solidFill>
+            <a:schemeClr val="accent2">
+              <a:lumMod val="40000"/>
+              <a:lumOff val="60000"/>
+            </a:schemeClr>
+          </a:solidFill>
+          <a:ln>
+            <a:noFill/>
+          </a:ln>
+        </p:spPr>
+        <p:style>
+          <a:lnRef idx="2">
+            <a:schemeClr val="accent1">
+              <a:shade val="50000"/>
+            </a:schemeClr>
+          </a:lnRef>
+          <a:fillRef idx="1">
+            <a:schemeClr val="accent1"/>
+          </a:fillRef>
+          <a:effectRef idx="0">
+            <a:schemeClr val="accent1"/>
+          </a:effectRef>
+          <a:fontRef idx="minor">
+            <a:schemeClr val="lt1"/>
+          </a:fontRef>
+        </p:style>
+        <p:txBody>
+          <a:bodyPr rtlCol="0" anchor="ctr"/>
+          <a:lstStyle/>
+          <a:p>
+            <a:pPr algn="ctr"/>
+            <a:endParaRPr lang="en-US"/>
+          </a:p>
+        </p:txBody>
+      </p:sp>
+      <p:sp>
+        <p:nvSpPr>
+          <p:cNvPr id="46" name="TextBox 45">
+            <a:extLst>
+              <a:ext uri="{FF2B5EF4-FFF2-40B4-BE49-F238E27FC236}">
+                <a16:creationId xmlns:a16="http://schemas.microsoft.com/office/drawing/2014/main" id="{97E48E11-16AE-406D-9DF0-10973C870066}"/>
+              </a:ext>
+            </a:extLst>
+          </p:cNvPr>
+          <p:cNvSpPr txBox="1"/>
+          <p:nvPr/>
+        </p:nvSpPr>
+        <p:spPr>
+          <a:xfrm>
+            <a:off x="1945868" y="4880520"/>
+            <a:ext cx="545342" cy="246221"/>
+          </a:xfrm>
+          <a:prstGeom prst="rect">
+            <a:avLst/>
+          </a:prstGeom>
+          <a:noFill/>
+        </p:spPr>
+        <p:txBody>
+          <a:bodyPr wrap="none" rtlCol="0">
+            <a:spAutoFit/>
+          </a:bodyPr>
+          <a:lstStyle/>
+          <a:p>
+            <a:r>
+              <a:rPr lang="en-US" sz="1000" b="1" dirty="0"/>
+              <a:t>Splunk</a:t>
+            </a:r>
+          </a:p>
+        </p:txBody>
+      </p:sp>
+      <p:sp>
+        <p:nvSpPr>
+          <p:cNvPr id="47" name="TextBox 46">
+            <a:extLst>
+              <a:ext uri="{FF2B5EF4-FFF2-40B4-BE49-F238E27FC236}">
+                <a16:creationId xmlns:a16="http://schemas.microsoft.com/office/drawing/2014/main" id="{8A761E1D-7443-42F6-B87D-F39F38F2DCBD}"/>
+              </a:ext>
+            </a:extLst>
+          </p:cNvPr>
+          <p:cNvSpPr txBox="1"/>
+          <p:nvPr/>
+        </p:nvSpPr>
+        <p:spPr>
+          <a:xfrm>
+            <a:off x="1945868" y="5097869"/>
+            <a:ext cx="2778325" cy="338554"/>
+          </a:xfrm>
+          <a:prstGeom prst="rect">
+            <a:avLst/>
+          </a:prstGeom>
+          <a:noFill/>
+        </p:spPr>
+        <p:txBody>
+          <a:bodyPr wrap="none" rtlCol="0">
+            <a:spAutoFit/>
+          </a:bodyPr>
+          <a:lstStyle/>
+          <a:p>
+            <a:r>
+              <a:rPr lang="en-US" sz="800" dirty="0"/>
+              <a:t>10.3.1.2    Port 8089</a:t>
+            </a:r>
+          </a:p>
+          <a:p>
+            <a:r>
+              <a:rPr lang="en-US" sz="800" dirty="0"/>
+              <a:t>2348972 received      Start 100 days ago         Last received 2 sec</a:t>
+            </a:r>
+          </a:p>
+        </p:txBody>
+      </p:sp>
+      <p:pic>
+        <p:nvPicPr>
+          <p:cNvPr id="48" name="Picture 47">
+            <a:extLst>
+              <a:ext uri="{FF2B5EF4-FFF2-40B4-BE49-F238E27FC236}">
+                <a16:creationId xmlns:a16="http://schemas.microsoft.com/office/drawing/2014/main" id="{87CCDA86-1CD9-4C6F-9356-FBDF2B5BC25B}"/>
+              </a:ext>
+            </a:extLst>
+          </p:cNvPr>
+          <p:cNvPicPr>
+            <a:picLocks noChangeAspect="1"/>
+          </p:cNvPicPr>
+          <p:nvPr/>
+        </p:nvPicPr>
+        <p:blipFill>
+          <a:blip r:embed="rId2"/>
+          <a:stretch>
+            <a:fillRect/>
+          </a:stretch>
+        </p:blipFill>
+        <p:spPr>
+          <a:xfrm>
+            <a:off x="5368599" y="4937229"/>
+            <a:ext cx="131794" cy="131794"/>
+          </a:xfrm>
+          <a:prstGeom prst="rect">
+            <a:avLst/>
+          </a:prstGeom>
+        </p:spPr>
+      </p:pic>
+      <p:sp>
+        <p:nvSpPr>
+          <p:cNvPr id="49" name="TextBox 48">
+            <a:extLst>
+              <a:ext uri="{FF2B5EF4-FFF2-40B4-BE49-F238E27FC236}">
+                <a16:creationId xmlns:a16="http://schemas.microsoft.com/office/drawing/2014/main" id="{28EFD6A3-A923-4649-A0FB-B07A1704B8A3}"/>
+              </a:ext>
+            </a:extLst>
+          </p:cNvPr>
+          <p:cNvSpPr txBox="1"/>
+          <p:nvPr/>
+        </p:nvSpPr>
+        <p:spPr>
+          <a:xfrm>
+            <a:off x="146545" y="3824666"/>
+            <a:ext cx="1381731" cy="1200329"/>
+          </a:xfrm>
+          <a:prstGeom prst="rect">
+            <a:avLst/>
+          </a:prstGeom>
+          <a:noFill/>
+        </p:spPr>
+        <p:txBody>
+          <a:bodyPr wrap="square" rtlCol="0">
+            <a:spAutoFit/>
+          </a:bodyPr>
+          <a:lstStyle/>
+          <a:p>
+            <a:r>
+              <a:rPr lang="en-US" sz="1200" dirty="0"/>
+              <a:t>Syslog, Syslog-conn over UDP, TCP and Syslog-</a:t>
+            </a:r>
+            <a:r>
+              <a:rPr lang="en-US" sz="1200" dirty="0" err="1"/>
+              <a:t>tls</a:t>
+            </a:r>
+            <a:r>
+              <a:rPr lang="en-US" sz="1200" dirty="0"/>
+              <a:t>. A single syslog server is configured by default</a:t>
+            </a:r>
+          </a:p>
+        </p:txBody>
+      </p:sp>
+      <p:cxnSp>
+        <p:nvCxnSpPr>
+          <p:cNvPr id="50" name="Straight Arrow Connector 49">
+            <a:extLst>
+              <a:ext uri="{FF2B5EF4-FFF2-40B4-BE49-F238E27FC236}">
+                <a16:creationId xmlns:a16="http://schemas.microsoft.com/office/drawing/2014/main" id="{82BB53A3-CA01-4EA2-A211-F8E2023DAC8C}"/>
+              </a:ext>
+            </a:extLst>
+          </p:cNvPr>
+          <p:cNvCxnSpPr>
+            <a:cxnSpLocks/>
+            <a:stCxn id="49" idx="3"/>
+            <a:endCxn id="42" idx="1"/>
+          </p:cNvCxnSpPr>
+          <p:nvPr/>
+        </p:nvCxnSpPr>
+        <p:spPr>
+          <a:xfrm flipV="1">
+            <a:off x="1528276" y="4301721"/>
+            <a:ext cx="421171" cy="123110"/>
+          </a:xfrm>
+          <a:prstGeom prst="straightConnector1">
+            <a:avLst/>
+          </a:prstGeom>
+          <a:ln>
+            <a:tailEnd type="triangle"/>
+          </a:ln>
+        </p:spPr>
+        <p:style>
+          <a:lnRef idx="1">
+            <a:schemeClr val="accent1"/>
+          </a:lnRef>
+          <a:fillRef idx="0">
+            <a:schemeClr val="accent1"/>
+          </a:fillRef>
+          <a:effectRef idx="0">
+            <a:schemeClr val="accent1"/>
+          </a:effectRef>
+          <a:fontRef idx="minor">
+            <a:schemeClr val="tx1"/>
+          </a:fontRef>
+        </p:style>
+      </p:cxnSp>
+      <p:sp>
+        <p:nvSpPr>
+          <p:cNvPr id="51" name="TextBox 50">
+            <a:extLst>
+              <a:ext uri="{FF2B5EF4-FFF2-40B4-BE49-F238E27FC236}">
+                <a16:creationId xmlns:a16="http://schemas.microsoft.com/office/drawing/2014/main" id="{7D3439B0-BF0C-4CC2-87DF-53512F735EAC}"/>
+              </a:ext>
+            </a:extLst>
+          </p:cNvPr>
+          <p:cNvSpPr txBox="1"/>
+          <p:nvPr/>
+        </p:nvSpPr>
+        <p:spPr>
+          <a:xfrm>
+            <a:off x="152402" y="5103845"/>
+            <a:ext cx="1381731" cy="1384995"/>
+          </a:xfrm>
+          <a:prstGeom prst="rect">
+            <a:avLst/>
+          </a:prstGeom>
+          <a:noFill/>
+        </p:spPr>
+        <p:txBody>
+          <a:bodyPr wrap="square" rtlCol="0">
+            <a:spAutoFit/>
+          </a:bodyPr>
+          <a:lstStyle/>
+          <a:p>
+            <a:r>
+              <a:rPr lang="en-US" sz="1200" dirty="0"/>
+              <a:t>Change color on error condition such as Splunk API error, connection error, or no activity for more than 1 day</a:t>
+            </a:r>
+          </a:p>
+        </p:txBody>
+      </p:sp>
+      <p:sp>
+        <p:nvSpPr>
+          <p:cNvPr id="52" name="TextBox 51">
+            <a:extLst>
+              <a:ext uri="{FF2B5EF4-FFF2-40B4-BE49-F238E27FC236}">
+                <a16:creationId xmlns:a16="http://schemas.microsoft.com/office/drawing/2014/main" id="{A0417B12-51EB-48BD-A927-E39D14EEBFF1}"/>
+              </a:ext>
+            </a:extLst>
+          </p:cNvPr>
+          <p:cNvSpPr txBox="1"/>
+          <p:nvPr/>
+        </p:nvSpPr>
+        <p:spPr>
+          <a:xfrm>
+            <a:off x="140459" y="2631931"/>
+            <a:ext cx="1381731" cy="1015663"/>
+          </a:xfrm>
+          <a:prstGeom prst="rect">
+            <a:avLst/>
+          </a:prstGeom>
+          <a:noFill/>
+        </p:spPr>
+        <p:txBody>
+          <a:bodyPr wrap="square" rtlCol="0">
+            <a:spAutoFit/>
+          </a:bodyPr>
+          <a:lstStyle/>
+          <a:p>
+            <a:r>
+              <a:rPr lang="en-US" sz="1200" dirty="0"/>
+              <a:t>Change color on detected firewalls that has not been confirmed by user yet</a:t>
+            </a:r>
+          </a:p>
+        </p:txBody>
+      </p:sp>
+      <p:sp>
+        <p:nvSpPr>
+          <p:cNvPr id="53" name="TextBox 52">
+            <a:extLst>
+              <a:ext uri="{FF2B5EF4-FFF2-40B4-BE49-F238E27FC236}">
+                <a16:creationId xmlns:a16="http://schemas.microsoft.com/office/drawing/2014/main" id="{E01C6268-C3AE-4E2E-A3E9-DF9221E9DF9F}"/>
+              </a:ext>
+            </a:extLst>
+          </p:cNvPr>
+          <p:cNvSpPr txBox="1"/>
+          <p:nvPr/>
+        </p:nvSpPr>
+        <p:spPr>
+          <a:xfrm>
+            <a:off x="1794725" y="6278582"/>
+            <a:ext cx="2821981" cy="461665"/>
+          </a:xfrm>
+          <a:prstGeom prst="rect">
+            <a:avLst/>
+          </a:prstGeom>
+          <a:noFill/>
+        </p:spPr>
+        <p:txBody>
+          <a:bodyPr wrap="square" rtlCol="0">
+            <a:spAutoFit/>
+          </a:bodyPr>
+          <a:lstStyle/>
+          <a:p>
+            <a:r>
+              <a:rPr lang="en-US" sz="1200" dirty="0"/>
+              <a:t>Splunk need query during setup. May use default query that is provided</a:t>
+            </a:r>
+          </a:p>
+        </p:txBody>
+      </p:sp>
+      <p:cxnSp>
+        <p:nvCxnSpPr>
+          <p:cNvPr id="54" name="Straight Arrow Connector 53">
+            <a:extLst>
+              <a:ext uri="{FF2B5EF4-FFF2-40B4-BE49-F238E27FC236}">
+                <a16:creationId xmlns:a16="http://schemas.microsoft.com/office/drawing/2014/main" id="{AFA64DD5-037B-4B41-B25F-9D79CA5BE24A}"/>
+              </a:ext>
+            </a:extLst>
+          </p:cNvPr>
+          <p:cNvCxnSpPr>
+            <a:cxnSpLocks/>
+            <a:stCxn id="46" idx="2"/>
+            <a:endCxn id="53" idx="0"/>
+          </p:cNvCxnSpPr>
+          <p:nvPr/>
+        </p:nvCxnSpPr>
+        <p:spPr>
+          <a:xfrm>
+            <a:off x="2218539" y="5126741"/>
+            <a:ext cx="987177" cy="1151841"/>
+          </a:xfrm>
+          <a:prstGeom prst="straightConnector1">
+            <a:avLst/>
+          </a:prstGeom>
+          <a:ln>
+            <a:headEnd type="triangle"/>
+            <a:tailEnd type="none"/>
+          </a:ln>
+        </p:spPr>
+        <p:style>
+          <a:lnRef idx="1">
+            <a:schemeClr val="accent1"/>
+          </a:lnRef>
+          <a:fillRef idx="0">
+            <a:schemeClr val="accent1"/>
+          </a:fillRef>
+          <a:effectRef idx="0">
+            <a:schemeClr val="accent1"/>
+          </a:effectRef>
+          <a:fontRef idx="minor">
+            <a:schemeClr val="tx1"/>
+          </a:fontRef>
+        </p:style>
+      </p:cxnSp>
+      <p:cxnSp>
+        <p:nvCxnSpPr>
+          <p:cNvPr id="55" name="Straight Arrow Connector 54">
+            <a:extLst>
+              <a:ext uri="{FF2B5EF4-FFF2-40B4-BE49-F238E27FC236}">
+                <a16:creationId xmlns:a16="http://schemas.microsoft.com/office/drawing/2014/main" id="{1CFCC909-DF66-4091-89DE-E00F74997644}"/>
+              </a:ext>
+            </a:extLst>
+          </p:cNvPr>
+          <p:cNvCxnSpPr>
+            <a:cxnSpLocks/>
+            <a:stCxn id="51" idx="3"/>
+            <a:endCxn id="47" idx="1"/>
+          </p:cNvCxnSpPr>
+          <p:nvPr/>
+        </p:nvCxnSpPr>
+        <p:spPr>
+          <a:xfrm flipV="1">
+            <a:off x="1534133" y="5267146"/>
+            <a:ext cx="411735" cy="529197"/>
+          </a:xfrm>
+          <a:prstGeom prst="straightConnector1">
+            <a:avLst/>
+          </a:prstGeom>
+          <a:ln>
+            <a:tailEnd type="triangle"/>
+          </a:ln>
+        </p:spPr>
+        <p:style>
+          <a:lnRef idx="1">
+            <a:schemeClr val="accent1"/>
+          </a:lnRef>
+          <a:fillRef idx="0">
+            <a:schemeClr val="accent1"/>
+          </a:fillRef>
+          <a:effectRef idx="0">
+            <a:schemeClr val="accent1"/>
+          </a:effectRef>
+          <a:fontRef idx="minor">
+            <a:schemeClr val="tx1"/>
+          </a:fontRef>
+        </p:style>
+      </p:cxnSp>
+      <p:cxnSp>
+        <p:nvCxnSpPr>
+          <p:cNvPr id="56" name="Straight Arrow Connector 55">
+            <a:extLst>
+              <a:ext uri="{FF2B5EF4-FFF2-40B4-BE49-F238E27FC236}">
+                <a16:creationId xmlns:a16="http://schemas.microsoft.com/office/drawing/2014/main" id="{51A6151D-F270-4D86-86F1-7DB4E49E0590}"/>
+              </a:ext>
+            </a:extLst>
+          </p:cNvPr>
+          <p:cNvCxnSpPr>
+            <a:cxnSpLocks/>
+            <a:stCxn id="52" idx="3"/>
+          </p:cNvCxnSpPr>
+          <p:nvPr/>
+        </p:nvCxnSpPr>
+        <p:spPr>
+          <a:xfrm flipV="1">
+            <a:off x="1522190" y="2493881"/>
+            <a:ext cx="1691855" cy="645882"/>
+          </a:xfrm>
+          <a:prstGeom prst="straightConnector1">
+            <a:avLst/>
+          </a:prstGeom>
+          <a:ln>
+            <a:tailEnd type="triangle"/>
+          </a:ln>
+        </p:spPr>
+        <p:style>
+          <a:lnRef idx="1">
+            <a:schemeClr val="accent1"/>
+          </a:lnRef>
+          <a:fillRef idx="0">
+            <a:schemeClr val="accent1"/>
+          </a:fillRef>
+          <a:effectRef idx="0">
+            <a:schemeClr val="accent1"/>
+          </a:effectRef>
+          <a:fontRef idx="minor">
+            <a:schemeClr val="tx1"/>
+          </a:fontRef>
+        </p:style>
+      </p:cxnSp>
+      <p:sp>
+        <p:nvSpPr>
+          <p:cNvPr id="57" name="Rounded Rectangle 92">
+            <a:extLst>
+              <a:ext uri="{FF2B5EF4-FFF2-40B4-BE49-F238E27FC236}">
+                <a16:creationId xmlns:a16="http://schemas.microsoft.com/office/drawing/2014/main" id="{49AA2FD3-53A8-4D97-8EC4-8110D70CB403}"/>
+              </a:ext>
+            </a:extLst>
+          </p:cNvPr>
+          <p:cNvSpPr/>
+          <p:nvPr/>
+        </p:nvSpPr>
+        <p:spPr>
+          <a:xfrm>
+            <a:off x="6073372" y="4125200"/>
+            <a:ext cx="3646245" cy="662210"/>
+          </a:xfrm>
+          <a:prstGeom prst="roundRect">
+            <a:avLst/>
+          </a:prstGeom>
+          <a:solidFill>
+            <a:schemeClr val="accent1">
+              <a:lumMod val="40000"/>
+              <a:lumOff val="60000"/>
+            </a:schemeClr>
+          </a:solidFill>
+          <a:ln>
+            <a:noFill/>
+          </a:ln>
+        </p:spPr>
+        <p:style>
+          <a:lnRef idx="2">
+            <a:schemeClr val="accent1">
+              <a:shade val="50000"/>
+            </a:schemeClr>
+          </a:lnRef>
+          <a:fillRef idx="1">
+            <a:schemeClr val="accent1"/>
+          </a:fillRef>
+          <a:effectRef idx="0">
+            <a:schemeClr val="accent1"/>
+          </a:effectRef>
+          <a:fontRef idx="minor">
+            <a:schemeClr val="lt1"/>
+          </a:fontRef>
+        </p:style>
+        <p:txBody>
+          <a:bodyPr rtlCol="0" anchor="ctr"/>
+          <a:lstStyle/>
+          <a:p>
+            <a:pPr algn="ctr"/>
+            <a:endParaRPr lang="en-US"/>
+          </a:p>
+        </p:txBody>
+      </p:sp>
+      <p:sp>
+        <p:nvSpPr>
+          <p:cNvPr id="58" name="TextBox 57">
+            <a:extLst>
+              <a:ext uri="{FF2B5EF4-FFF2-40B4-BE49-F238E27FC236}">
+                <a16:creationId xmlns:a16="http://schemas.microsoft.com/office/drawing/2014/main" id="{F9C9FAE0-CA0C-4946-A08D-D205403FE875}"/>
+              </a:ext>
+            </a:extLst>
+          </p:cNvPr>
+          <p:cNvSpPr txBox="1"/>
+          <p:nvPr/>
+        </p:nvSpPr>
+        <p:spPr>
+          <a:xfrm>
+            <a:off x="6098087" y="4162912"/>
+            <a:ext cx="372218" cy="246221"/>
+          </a:xfrm>
+          <a:prstGeom prst="rect">
+            <a:avLst/>
+          </a:prstGeom>
+          <a:noFill/>
+        </p:spPr>
+        <p:txBody>
+          <a:bodyPr wrap="none" rtlCol="0">
+            <a:spAutoFit/>
+          </a:bodyPr>
+          <a:lstStyle/>
+          <a:p>
+            <a:r>
+              <a:rPr lang="en-US" sz="1000" b="1" dirty="0"/>
+              <a:t>File</a:t>
+            </a:r>
+          </a:p>
+        </p:txBody>
+      </p:sp>
+      <p:sp>
+        <p:nvSpPr>
+          <p:cNvPr id="59" name="TextBox 58">
+            <a:extLst>
+              <a:ext uri="{FF2B5EF4-FFF2-40B4-BE49-F238E27FC236}">
+                <a16:creationId xmlns:a16="http://schemas.microsoft.com/office/drawing/2014/main" id="{A87C898C-43AF-4B36-A99A-D4FD9B2E01B9}"/>
+              </a:ext>
+            </a:extLst>
+          </p:cNvPr>
+          <p:cNvSpPr txBox="1"/>
+          <p:nvPr/>
+        </p:nvSpPr>
+        <p:spPr>
+          <a:xfrm>
+            <a:off x="6098087" y="4380261"/>
+            <a:ext cx="2614818" cy="338554"/>
+          </a:xfrm>
+          <a:prstGeom prst="rect">
+            <a:avLst/>
+          </a:prstGeom>
+          <a:noFill/>
+        </p:spPr>
+        <p:txBody>
+          <a:bodyPr wrap="none" rtlCol="0">
+            <a:spAutoFit/>
+          </a:bodyPr>
+          <a:lstStyle/>
+          <a:p>
+            <a:r>
+              <a:rPr lang="en-US" sz="800" dirty="0"/>
+              <a:t>/User/log/         TLS</a:t>
+            </a:r>
+          </a:p>
+          <a:p>
+            <a:r>
+              <a:rPr lang="en-US" sz="800" dirty="0"/>
+              <a:t>2348972 saved       Start 100 days ago          Last saved 2 sec</a:t>
+            </a:r>
+          </a:p>
+        </p:txBody>
+      </p:sp>
+      <p:pic>
+        <p:nvPicPr>
+          <p:cNvPr id="60" name="Picture 59">
+            <a:extLst>
+              <a:ext uri="{FF2B5EF4-FFF2-40B4-BE49-F238E27FC236}">
+                <a16:creationId xmlns:a16="http://schemas.microsoft.com/office/drawing/2014/main" id="{DABCE2EE-81DF-43CD-8ADC-6364BD16F71B}"/>
+              </a:ext>
+            </a:extLst>
+          </p:cNvPr>
+          <p:cNvPicPr>
+            <a:picLocks noChangeAspect="1"/>
+          </p:cNvPicPr>
+          <p:nvPr/>
+        </p:nvPicPr>
+        <p:blipFill>
+          <a:blip r:embed="rId2"/>
+          <a:stretch>
+            <a:fillRect/>
+          </a:stretch>
+        </p:blipFill>
+        <p:spPr>
+          <a:xfrm>
+            <a:off x="9533178" y="4219621"/>
+            <a:ext cx="131794" cy="131794"/>
+          </a:xfrm>
+          <a:prstGeom prst="rect">
+            <a:avLst/>
+          </a:prstGeom>
+        </p:spPr>
+      </p:pic>
+      <p:sp>
+        <p:nvSpPr>
+          <p:cNvPr id="61" name="Rounded Rectangle 96">
+            <a:extLst>
+              <a:ext uri="{FF2B5EF4-FFF2-40B4-BE49-F238E27FC236}">
+                <a16:creationId xmlns:a16="http://schemas.microsoft.com/office/drawing/2014/main" id="{D4E3A92F-3535-4C75-8C51-5F9FDC10F3CD}"/>
+              </a:ext>
+            </a:extLst>
+          </p:cNvPr>
+          <p:cNvSpPr/>
+          <p:nvPr/>
+        </p:nvSpPr>
+        <p:spPr>
+          <a:xfrm>
+            <a:off x="6092261" y="4829411"/>
+            <a:ext cx="3643051" cy="629987"/>
+          </a:xfrm>
+          <a:prstGeom prst="roundRect">
+            <a:avLst/>
+          </a:prstGeom>
+          <a:solidFill>
+            <a:schemeClr val="accent1">
+              <a:lumMod val="40000"/>
+              <a:lumOff val="60000"/>
+            </a:schemeClr>
+          </a:solidFill>
+          <a:ln>
+            <a:noFill/>
+          </a:ln>
+        </p:spPr>
+        <p:style>
+          <a:lnRef idx="2">
+            <a:schemeClr val="accent1">
+              <a:shade val="50000"/>
+            </a:schemeClr>
+          </a:lnRef>
+          <a:fillRef idx="1">
+            <a:schemeClr val="accent1"/>
+          </a:fillRef>
+          <a:effectRef idx="0">
+            <a:schemeClr val="accent1"/>
+          </a:effectRef>
+          <a:fontRef idx="minor">
+            <a:schemeClr val="lt1"/>
+          </a:fontRef>
+        </p:style>
+        <p:txBody>
+          <a:bodyPr rtlCol="0" anchor="ctr"/>
+          <a:lstStyle/>
+          <a:p>
+            <a:pPr algn="ctr"/>
+            <a:endParaRPr lang="en-US"/>
+          </a:p>
+        </p:txBody>
+      </p:sp>
+      <p:sp>
+        <p:nvSpPr>
+          <p:cNvPr id="62" name="TextBox 61">
+            <a:extLst>
+              <a:ext uri="{FF2B5EF4-FFF2-40B4-BE49-F238E27FC236}">
+                <a16:creationId xmlns:a16="http://schemas.microsoft.com/office/drawing/2014/main" id="{1CDD36E3-AF0F-452B-AF8F-1058DA35D57A}"/>
+              </a:ext>
+            </a:extLst>
+          </p:cNvPr>
+          <p:cNvSpPr txBox="1"/>
+          <p:nvPr/>
+        </p:nvSpPr>
+        <p:spPr>
+          <a:xfrm>
+            <a:off x="6116976" y="4867124"/>
+            <a:ext cx="407484" cy="246221"/>
+          </a:xfrm>
+          <a:prstGeom prst="rect">
+            <a:avLst/>
+          </a:prstGeom>
+          <a:noFill/>
+        </p:spPr>
+        <p:txBody>
+          <a:bodyPr wrap="square" rtlCol="0">
+            <a:spAutoFit/>
+          </a:bodyPr>
+          <a:lstStyle/>
+          <a:p>
+            <a:r>
+              <a:rPr lang="en-US" sz="1000" b="1" dirty="0"/>
+              <a:t>HA1</a:t>
+            </a:r>
+          </a:p>
+        </p:txBody>
+      </p:sp>
+      <p:sp>
+        <p:nvSpPr>
+          <p:cNvPr id="63" name="TextBox 62">
+            <a:extLst>
+              <a:ext uri="{FF2B5EF4-FFF2-40B4-BE49-F238E27FC236}">
+                <a16:creationId xmlns:a16="http://schemas.microsoft.com/office/drawing/2014/main" id="{161C1A35-D4C8-49FD-A287-FAEABF0B26E9}"/>
+              </a:ext>
+            </a:extLst>
+          </p:cNvPr>
+          <p:cNvSpPr txBox="1"/>
+          <p:nvPr/>
+        </p:nvSpPr>
+        <p:spPr>
+          <a:xfrm>
+            <a:off x="6116976" y="5084473"/>
+            <a:ext cx="3405343" cy="338554"/>
+          </a:xfrm>
+          <a:prstGeom prst="rect">
+            <a:avLst/>
+          </a:prstGeom>
+          <a:noFill/>
+        </p:spPr>
+        <p:txBody>
+          <a:bodyPr wrap="square" rtlCol="0">
+            <a:spAutoFit/>
+          </a:bodyPr>
+          <a:lstStyle/>
+          <a:p>
+            <a:r>
+              <a:rPr lang="en-US" sz="800" dirty="0"/>
+              <a:t>10.5.1.2       Load Balanced</a:t>
+            </a:r>
+          </a:p>
+          <a:p>
+            <a:r>
+              <a:rPr lang="en-US" sz="800" dirty="0"/>
+              <a:t>2348972 sent       Start 100 days ago          Last sent 2 sec</a:t>
+            </a:r>
+          </a:p>
+        </p:txBody>
+      </p:sp>
+      <p:pic>
+        <p:nvPicPr>
+          <p:cNvPr id="64" name="Picture 63">
+            <a:extLst>
+              <a:ext uri="{FF2B5EF4-FFF2-40B4-BE49-F238E27FC236}">
+                <a16:creationId xmlns:a16="http://schemas.microsoft.com/office/drawing/2014/main" id="{BC88AF4A-1401-4D76-8E50-FB52C92BB01F}"/>
+              </a:ext>
+            </a:extLst>
+          </p:cNvPr>
+          <p:cNvPicPr>
+            <a:picLocks noChangeAspect="1"/>
+          </p:cNvPicPr>
+          <p:nvPr/>
+        </p:nvPicPr>
+        <p:blipFill>
+          <a:blip r:embed="rId2"/>
+          <a:stretch>
+            <a:fillRect/>
+          </a:stretch>
+        </p:blipFill>
+        <p:spPr>
+          <a:xfrm>
+            <a:off x="9527350" y="4923833"/>
+            <a:ext cx="131794" cy="131794"/>
+          </a:xfrm>
+          <a:prstGeom prst="rect">
+            <a:avLst/>
+          </a:prstGeom>
+        </p:spPr>
+      </p:pic>
+      <p:sp>
+        <p:nvSpPr>
+          <p:cNvPr id="65" name="TextBox 64">
+            <a:extLst>
+              <a:ext uri="{FF2B5EF4-FFF2-40B4-BE49-F238E27FC236}">
+                <a16:creationId xmlns:a16="http://schemas.microsoft.com/office/drawing/2014/main" id="{9A740195-4A86-473F-BC2E-60F39FF571D8}"/>
+              </a:ext>
+            </a:extLst>
+          </p:cNvPr>
+          <p:cNvSpPr txBox="1"/>
+          <p:nvPr/>
+        </p:nvSpPr>
+        <p:spPr>
+          <a:xfrm>
+            <a:off x="6098087" y="5566255"/>
+            <a:ext cx="407484" cy="246221"/>
+          </a:xfrm>
+          <a:prstGeom prst="rect">
+            <a:avLst/>
+          </a:prstGeom>
+          <a:noFill/>
+        </p:spPr>
+        <p:txBody>
+          <a:bodyPr wrap="none" rtlCol="0">
+            <a:spAutoFit/>
+          </a:bodyPr>
+          <a:lstStyle/>
+          <a:p>
+            <a:r>
+              <a:rPr lang="en-US" sz="1000" b="1" dirty="0"/>
+              <a:t>HA2</a:t>
+            </a:r>
+          </a:p>
+        </p:txBody>
+      </p:sp>
+      <p:sp>
+        <p:nvSpPr>
+          <p:cNvPr id="66" name="TextBox 65">
+            <a:extLst>
+              <a:ext uri="{FF2B5EF4-FFF2-40B4-BE49-F238E27FC236}">
+                <a16:creationId xmlns:a16="http://schemas.microsoft.com/office/drawing/2014/main" id="{744715DF-17A3-4F3E-BD8D-5BA8CE7A5CAF}"/>
+              </a:ext>
+            </a:extLst>
+          </p:cNvPr>
+          <p:cNvSpPr txBox="1"/>
+          <p:nvPr/>
+        </p:nvSpPr>
+        <p:spPr>
+          <a:xfrm>
+            <a:off x="6098087" y="5783604"/>
+            <a:ext cx="2400016" cy="338554"/>
+          </a:xfrm>
+          <a:prstGeom prst="rect">
+            <a:avLst/>
+          </a:prstGeom>
+          <a:noFill/>
+        </p:spPr>
+        <p:txBody>
+          <a:bodyPr wrap="none" rtlCol="0">
+            <a:spAutoFit/>
+          </a:bodyPr>
+          <a:lstStyle/>
+          <a:p>
+            <a:r>
+              <a:rPr lang="en-US" sz="800" dirty="0"/>
+              <a:t>10.5.1.3    Connection Error</a:t>
+            </a:r>
+          </a:p>
+          <a:p>
+            <a:r>
+              <a:rPr lang="en-US" sz="800" dirty="0"/>
+              <a:t>2348972 sent     Start 100 days ago        Last sent 2 sec</a:t>
+            </a:r>
+          </a:p>
+        </p:txBody>
+      </p:sp>
+      <p:pic>
+        <p:nvPicPr>
+          <p:cNvPr id="67" name="Picture 66">
+            <a:extLst>
+              <a:ext uri="{FF2B5EF4-FFF2-40B4-BE49-F238E27FC236}">
+                <a16:creationId xmlns:a16="http://schemas.microsoft.com/office/drawing/2014/main" id="{F672B491-C121-47C6-8022-C8E9CA96124E}"/>
+              </a:ext>
+            </a:extLst>
+          </p:cNvPr>
+          <p:cNvPicPr>
+            <a:picLocks noChangeAspect="1"/>
+          </p:cNvPicPr>
+          <p:nvPr/>
+        </p:nvPicPr>
+        <p:blipFill>
+          <a:blip r:embed="rId2"/>
+          <a:stretch>
+            <a:fillRect/>
+          </a:stretch>
+        </p:blipFill>
+        <p:spPr>
+          <a:xfrm>
+            <a:off x="9533178" y="5622964"/>
+            <a:ext cx="131794" cy="131794"/>
+          </a:xfrm>
+          <a:prstGeom prst="rect">
+            <a:avLst/>
+          </a:prstGeom>
+        </p:spPr>
+      </p:pic>
+      <p:cxnSp>
+        <p:nvCxnSpPr>
+          <p:cNvPr id="68" name="Straight Connector 67">
+            <a:extLst>
+              <a:ext uri="{FF2B5EF4-FFF2-40B4-BE49-F238E27FC236}">
+                <a16:creationId xmlns:a16="http://schemas.microsoft.com/office/drawing/2014/main" id="{17637257-EA80-43A0-9750-B3967537C20D}"/>
+              </a:ext>
+            </a:extLst>
+          </p:cNvPr>
+          <p:cNvCxnSpPr/>
+          <p:nvPr/>
+        </p:nvCxnSpPr>
+        <p:spPr>
+          <a:xfrm>
+            <a:off x="6047771" y="2875105"/>
+            <a:ext cx="3701098" cy="0"/>
+          </a:xfrm>
+          <a:prstGeom prst="line">
+            <a:avLst/>
+          </a:prstGeom>
+        </p:spPr>
+        <p:style>
+          <a:lnRef idx="1">
+            <a:schemeClr val="accent1"/>
+          </a:lnRef>
+          <a:fillRef idx="0">
+            <a:schemeClr val="accent1"/>
+          </a:fillRef>
+          <a:effectRef idx="0">
+            <a:schemeClr val="accent1"/>
+          </a:effectRef>
+          <a:fontRef idx="minor">
+            <a:schemeClr val="tx1"/>
+          </a:fontRef>
+        </p:style>
+      </p:cxnSp>
+      <p:sp>
+        <p:nvSpPr>
+          <p:cNvPr id="69" name="TextBox 68">
+            <a:extLst>
+              <a:ext uri="{FF2B5EF4-FFF2-40B4-BE49-F238E27FC236}">
+                <a16:creationId xmlns:a16="http://schemas.microsoft.com/office/drawing/2014/main" id="{18499E10-6DAD-4A69-BCBF-6E84CD08B613}"/>
+              </a:ext>
+            </a:extLst>
+          </p:cNvPr>
+          <p:cNvSpPr txBox="1"/>
+          <p:nvPr/>
+        </p:nvSpPr>
+        <p:spPr>
+          <a:xfrm>
+            <a:off x="6006580" y="2565080"/>
+            <a:ext cx="2709396" cy="246221"/>
+          </a:xfrm>
+          <a:prstGeom prst="rect">
+            <a:avLst/>
+          </a:prstGeom>
+          <a:noFill/>
+        </p:spPr>
+        <p:txBody>
+          <a:bodyPr wrap="none" rtlCol="0">
+            <a:spAutoFit/>
+          </a:bodyPr>
+          <a:lstStyle/>
+          <a:p>
+            <a:r>
+              <a:rPr lang="en-US" sz="1000" dirty="0"/>
+              <a:t>HA1       10.1.1.1    2019/04/2 03:02:11    X, Y, Z  </a:t>
+            </a:r>
+          </a:p>
+        </p:txBody>
+      </p:sp>
+      <p:sp>
+        <p:nvSpPr>
+          <p:cNvPr id="70" name="TextBox 69">
+            <a:extLst>
+              <a:ext uri="{FF2B5EF4-FFF2-40B4-BE49-F238E27FC236}">
+                <a16:creationId xmlns:a16="http://schemas.microsoft.com/office/drawing/2014/main" id="{038653F4-38A1-40CA-A1FE-35FA7C956B62}"/>
+              </a:ext>
+            </a:extLst>
+          </p:cNvPr>
+          <p:cNvSpPr txBox="1"/>
+          <p:nvPr/>
+        </p:nvSpPr>
+        <p:spPr>
+          <a:xfrm>
+            <a:off x="10412410" y="3677355"/>
+            <a:ext cx="1381731" cy="830997"/>
+          </a:xfrm>
+          <a:prstGeom prst="rect">
+            <a:avLst/>
+          </a:prstGeom>
+          <a:noFill/>
+        </p:spPr>
+        <p:txBody>
+          <a:bodyPr wrap="square" rtlCol="0">
+            <a:spAutoFit/>
+          </a:bodyPr>
+          <a:lstStyle/>
+          <a:p>
+            <a:r>
+              <a:rPr lang="en-US" sz="1200" dirty="0"/>
+              <a:t>Change color on error condition such as connection error, or keep alive.</a:t>
+            </a:r>
+          </a:p>
+        </p:txBody>
+      </p:sp>
+      <p:cxnSp>
+        <p:nvCxnSpPr>
+          <p:cNvPr id="71" name="Straight Arrow Connector 70">
+            <a:extLst>
+              <a:ext uri="{FF2B5EF4-FFF2-40B4-BE49-F238E27FC236}">
+                <a16:creationId xmlns:a16="http://schemas.microsoft.com/office/drawing/2014/main" id="{C03535D7-1437-4066-92B8-A3FA130241A6}"/>
+              </a:ext>
+            </a:extLst>
+          </p:cNvPr>
+          <p:cNvCxnSpPr>
+            <a:cxnSpLocks/>
+            <a:stCxn id="70" idx="1"/>
+            <a:endCxn id="3" idx="3"/>
+          </p:cNvCxnSpPr>
+          <p:nvPr/>
+        </p:nvCxnSpPr>
+        <p:spPr>
+          <a:xfrm flipH="1">
+            <a:off x="9735313" y="4092854"/>
+            <a:ext cx="677097" cy="1732497"/>
+          </a:xfrm>
+          <a:prstGeom prst="straightConnector1">
+            <a:avLst/>
+          </a:prstGeom>
+          <a:ln>
+            <a:tailEnd type="triangle"/>
+          </a:ln>
+        </p:spPr>
+        <p:style>
+          <a:lnRef idx="1">
+            <a:schemeClr val="accent1"/>
+          </a:lnRef>
+          <a:fillRef idx="0">
+            <a:schemeClr val="accent1"/>
+          </a:fillRef>
+          <a:effectRef idx="0">
+            <a:schemeClr val="accent1"/>
+          </a:effectRef>
+          <a:fontRef idx="minor">
+            <a:schemeClr val="tx1"/>
+          </a:fontRef>
+        </p:style>
+      </p:cxnSp>
+      <p:sp>
+        <p:nvSpPr>
+          <p:cNvPr id="72" name="TextBox 71">
+            <a:extLst>
+              <a:ext uri="{FF2B5EF4-FFF2-40B4-BE49-F238E27FC236}">
+                <a16:creationId xmlns:a16="http://schemas.microsoft.com/office/drawing/2014/main" id="{C14D219B-DC3B-4E39-9A90-0828CEF3B569}"/>
+              </a:ext>
+            </a:extLst>
+          </p:cNvPr>
+          <p:cNvSpPr txBox="1"/>
+          <p:nvPr/>
+        </p:nvSpPr>
+        <p:spPr>
+          <a:xfrm>
+            <a:off x="3585183" y="5600243"/>
+            <a:ext cx="338555" cy="461665"/>
+          </a:xfrm>
+          <a:prstGeom prst="rect">
+            <a:avLst/>
+          </a:prstGeom>
+          <a:noFill/>
+        </p:spPr>
+        <p:txBody>
+          <a:bodyPr wrap="none" rtlCol="0">
+            <a:spAutoFit/>
+          </a:bodyPr>
+          <a:lstStyle/>
+          <a:p>
+            <a:pPr algn="ctr"/>
+            <a:r>
+              <a:rPr lang="en-US" sz="2400" dirty="0">
+                <a:solidFill>
+                  <a:schemeClr val="bg1">
+                    <a:lumMod val="50000"/>
+                  </a:schemeClr>
+                </a:solidFill>
+              </a:rPr>
+              <a:t>+</a:t>
+            </a:r>
+          </a:p>
+        </p:txBody>
+      </p:sp>
+      <p:pic>
+        <p:nvPicPr>
+          <p:cNvPr id="73" name="Picture 72">
+            <a:extLst>
+              <a:ext uri="{FF2B5EF4-FFF2-40B4-BE49-F238E27FC236}">
+                <a16:creationId xmlns:a16="http://schemas.microsoft.com/office/drawing/2014/main" id="{44A291EC-20B0-4F75-B454-F71CA431EC3F}"/>
+              </a:ext>
+            </a:extLst>
+          </p:cNvPr>
+          <p:cNvPicPr>
+            <a:picLocks noChangeAspect="1"/>
+          </p:cNvPicPr>
+          <p:nvPr/>
+        </p:nvPicPr>
+        <p:blipFill>
+          <a:blip r:embed="rId3"/>
+          <a:stretch>
+            <a:fillRect/>
+          </a:stretch>
+        </p:blipFill>
+        <p:spPr>
+          <a:xfrm>
+            <a:off x="3477051" y="1041417"/>
+            <a:ext cx="314754" cy="268504"/>
+          </a:xfrm>
+          <a:prstGeom prst="rect">
+            <a:avLst/>
+          </a:prstGeom>
+        </p:spPr>
+      </p:pic>
+      <p:pic>
+        <p:nvPicPr>
+          <p:cNvPr id="74" name="Picture 73">
+            <a:extLst>
+              <a:ext uri="{FF2B5EF4-FFF2-40B4-BE49-F238E27FC236}">
+                <a16:creationId xmlns:a16="http://schemas.microsoft.com/office/drawing/2014/main" id="{A22810C6-D273-43A7-A11A-19FCB80D064E}"/>
+              </a:ext>
+            </a:extLst>
+          </p:cNvPr>
+          <p:cNvPicPr>
+            <a:picLocks noChangeAspect="1"/>
+          </p:cNvPicPr>
+          <p:nvPr/>
+        </p:nvPicPr>
+        <p:blipFill>
+          <a:blip r:embed="rId4"/>
+          <a:stretch>
+            <a:fillRect/>
+          </a:stretch>
+        </p:blipFill>
+        <p:spPr>
+          <a:xfrm>
+            <a:off x="5255416" y="3680898"/>
+            <a:ext cx="333461" cy="333461"/>
+          </a:xfrm>
+          <a:prstGeom prst="rect">
+            <a:avLst/>
+          </a:prstGeom>
+        </p:spPr>
+      </p:pic>
+      <p:cxnSp>
+        <p:nvCxnSpPr>
+          <p:cNvPr id="75" name="Straight Connector 74">
+            <a:extLst>
+              <a:ext uri="{FF2B5EF4-FFF2-40B4-BE49-F238E27FC236}">
+                <a16:creationId xmlns:a16="http://schemas.microsoft.com/office/drawing/2014/main" id="{C1B14FF1-35F2-4CE2-9458-E3ED2338648C}"/>
+              </a:ext>
+            </a:extLst>
+          </p:cNvPr>
+          <p:cNvCxnSpPr/>
+          <p:nvPr/>
+        </p:nvCxnSpPr>
+        <p:spPr>
+          <a:xfrm>
+            <a:off x="1678370" y="1381578"/>
+            <a:ext cx="4134410" cy="0"/>
+          </a:xfrm>
+          <a:prstGeom prst="line">
+            <a:avLst/>
+          </a:prstGeom>
+        </p:spPr>
+        <p:style>
+          <a:lnRef idx="1">
+            <a:schemeClr val="accent1"/>
+          </a:lnRef>
+          <a:fillRef idx="0">
+            <a:schemeClr val="accent1"/>
+          </a:fillRef>
+          <a:effectRef idx="0">
+            <a:schemeClr val="accent1"/>
+          </a:effectRef>
+          <a:fontRef idx="minor">
+            <a:schemeClr val="tx1"/>
+          </a:fontRef>
+        </p:style>
+      </p:cxnSp>
+      <p:cxnSp>
+        <p:nvCxnSpPr>
+          <p:cNvPr id="77" name="Straight Connector 76">
+            <a:extLst>
+              <a:ext uri="{FF2B5EF4-FFF2-40B4-BE49-F238E27FC236}">
+                <a16:creationId xmlns:a16="http://schemas.microsoft.com/office/drawing/2014/main" id="{892C14C8-4C4B-448D-A093-9878CAF3083E}"/>
+              </a:ext>
+            </a:extLst>
+          </p:cNvPr>
+          <p:cNvCxnSpPr/>
+          <p:nvPr/>
+        </p:nvCxnSpPr>
+        <p:spPr>
+          <a:xfrm>
+            <a:off x="3074504" y="868598"/>
+            <a:ext cx="0" cy="2624243"/>
+          </a:xfrm>
+          <a:prstGeom prst="line">
+            <a:avLst/>
+          </a:prstGeom>
+        </p:spPr>
+        <p:style>
+          <a:lnRef idx="1">
+            <a:schemeClr val="accent1"/>
+          </a:lnRef>
+          <a:fillRef idx="0">
+            <a:schemeClr val="accent1"/>
+          </a:fillRef>
+          <a:effectRef idx="0">
+            <a:schemeClr val="accent1"/>
+          </a:effectRef>
+          <a:fontRef idx="minor">
+            <a:schemeClr val="tx1"/>
+          </a:fontRef>
+        </p:style>
+      </p:cxnSp>
+      <p:cxnSp>
+        <p:nvCxnSpPr>
+          <p:cNvPr id="80" name="Straight Connector 79">
+            <a:extLst>
+              <a:ext uri="{FF2B5EF4-FFF2-40B4-BE49-F238E27FC236}">
+                <a16:creationId xmlns:a16="http://schemas.microsoft.com/office/drawing/2014/main" id="{1822C30C-2599-4C2F-8C54-CBAD6D35B97B}"/>
+              </a:ext>
+            </a:extLst>
+          </p:cNvPr>
+          <p:cNvCxnSpPr>
+            <a:cxnSpLocks/>
+            <a:stCxn id="25" idx="2"/>
+          </p:cNvCxnSpPr>
+          <p:nvPr/>
+        </p:nvCxnSpPr>
+        <p:spPr>
+          <a:xfrm>
+            <a:off x="4345868" y="1368458"/>
+            <a:ext cx="0" cy="2173028"/>
+          </a:xfrm>
+          <a:prstGeom prst="line">
+            <a:avLst/>
+          </a:prstGeom>
+        </p:spPr>
+        <p:style>
+          <a:lnRef idx="1">
+            <a:schemeClr val="accent1"/>
+          </a:lnRef>
+          <a:fillRef idx="0">
+            <a:schemeClr val="accent1"/>
+          </a:fillRef>
+          <a:effectRef idx="0">
+            <a:schemeClr val="accent1"/>
+          </a:effectRef>
+          <a:fontRef idx="minor">
+            <a:schemeClr val="tx1"/>
+          </a:fontRef>
+        </p:style>
+      </p:cxnSp>
+      <p:cxnSp>
+        <p:nvCxnSpPr>
+          <p:cNvPr id="84" name="Straight Connector 83">
+            <a:extLst>
+              <a:ext uri="{FF2B5EF4-FFF2-40B4-BE49-F238E27FC236}">
+                <a16:creationId xmlns:a16="http://schemas.microsoft.com/office/drawing/2014/main" id="{95EB574E-651A-4187-8E77-677776D8FE07}"/>
+              </a:ext>
+            </a:extLst>
+          </p:cNvPr>
+          <p:cNvCxnSpPr/>
+          <p:nvPr/>
+        </p:nvCxnSpPr>
+        <p:spPr>
+          <a:xfrm>
+            <a:off x="5812779" y="1368458"/>
+            <a:ext cx="4134410" cy="0"/>
+          </a:xfrm>
+          <a:prstGeom prst="line">
+            <a:avLst/>
+          </a:prstGeom>
+        </p:spPr>
+        <p:style>
+          <a:lnRef idx="1">
+            <a:schemeClr val="accent1"/>
+          </a:lnRef>
+          <a:fillRef idx="0">
+            <a:schemeClr val="accent1"/>
+          </a:fillRef>
+          <a:effectRef idx="0">
+            <a:schemeClr val="accent1"/>
+          </a:effectRef>
+          <a:fontRef idx="minor">
+            <a:schemeClr val="tx1"/>
+          </a:fontRef>
+        </p:style>
+      </p:cxnSp>
     </p:spTree>
     <p:extLst>
       <p:ext uri="{BB962C8B-B14F-4D97-AF65-F5344CB8AC3E}">
@@ -4074,7 +7107,7 @@
         <p:spPr>
           <a:xfrm>
             <a:off x="1288112" y="1033670"/>
-            <a:ext cx="9867568" cy="2313830"/>
+            <a:ext cx="9867568" cy="5353878"/>
           </a:xfrm>
           <a:prstGeom prst="rect">
             <a:avLst/>
@@ -4113,10 +7146,104 @@
       </p:sp>
       <p:sp>
         <p:nvSpPr>
-          <p:cNvPr id="3" name="직사각형 2">
-            <a:extLst>
-              <a:ext uri="{FF2B5EF4-FFF2-40B4-BE49-F238E27FC236}">
-                <a16:creationId xmlns:a16="http://schemas.microsoft.com/office/drawing/2014/main" id="{6ED53239-4BE8-44BF-89F6-856FE491A1F6}"/>
+          <p:cNvPr id="11" name="TextBox 10">
+            <a:extLst>
+              <a:ext uri="{FF2B5EF4-FFF2-40B4-BE49-F238E27FC236}">
+                <a16:creationId xmlns:a16="http://schemas.microsoft.com/office/drawing/2014/main" id="{3399C9C2-9F3F-4380-9B2A-1062383F5415}"/>
+              </a:ext>
+            </a:extLst>
+          </p:cNvPr>
+          <p:cNvSpPr txBox="1"/>
+          <p:nvPr/>
+        </p:nvSpPr>
+        <p:spPr>
+          <a:xfrm>
+            <a:off x="1232452" y="601766"/>
+            <a:ext cx="5857461" cy="461665"/>
+          </a:xfrm>
+          <a:prstGeom prst="rect">
+            <a:avLst/>
+          </a:prstGeom>
+          <a:noFill/>
+        </p:spPr>
+        <p:txBody>
+          <a:bodyPr wrap="square" rtlCol="0">
+            <a:spAutoFit/>
+          </a:bodyPr>
+          <a:lstStyle/>
+          <a:p>
+            <a:r>
+              <a:rPr lang="en-US" altLang="ko-KR" sz="2400" dirty="0">
+                <a:latin typeface="Aharoni" panose="020B0604020202020204" pitchFamily="2" charset="-79"/>
+                <a:cs typeface="Aharoni" panose="020B0604020202020204" pitchFamily="2" charset="-79"/>
+              </a:rPr>
+              <a:t>CSS Frame(Flexbox version)</a:t>
+            </a:r>
+            <a:endParaRPr lang="ko-KR" altLang="en-US" sz="2400" dirty="0">
+              <a:latin typeface="Aharoni" panose="020B0604020202020204" pitchFamily="2" charset="-79"/>
+              <a:cs typeface="Aharoni" panose="020B0604020202020204" pitchFamily="2" charset="-79"/>
+            </a:endParaRPr>
+          </a:p>
+        </p:txBody>
+      </p:sp>
+      <p:sp>
+        <p:nvSpPr>
+          <p:cNvPr id="4" name="TextBox 3">
+            <a:extLst>
+              <a:ext uri="{FF2B5EF4-FFF2-40B4-BE49-F238E27FC236}">
+                <a16:creationId xmlns:a16="http://schemas.microsoft.com/office/drawing/2014/main" id="{5425E246-3C32-42D7-8B6F-B72DB82E7128}"/>
+              </a:ext>
+            </a:extLst>
+          </p:cNvPr>
+          <p:cNvSpPr txBox="1"/>
+          <p:nvPr/>
+        </p:nvSpPr>
+        <p:spPr>
+          <a:xfrm>
+            <a:off x="1232452" y="6474551"/>
+            <a:ext cx="11966713" cy="369332"/>
+          </a:xfrm>
+          <a:prstGeom prst="rect">
+            <a:avLst/>
+          </a:prstGeom>
+          <a:noFill/>
+        </p:spPr>
+        <p:txBody>
+          <a:bodyPr wrap="square" rtlCol="0">
+            <a:spAutoFit/>
+          </a:bodyPr>
+          <a:lstStyle/>
+          <a:p>
+            <a:r>
+              <a:rPr lang="en-US" dirty="0"/>
+              <a:t>I</a:t>
+            </a:r>
+            <a:r>
+              <a:rPr lang="ko-KR" altLang="en-US" dirty="0"/>
+              <a:t> </a:t>
+            </a:r>
+            <a:r>
+              <a:rPr lang="en-US" altLang="ko-KR" dirty="0"/>
+              <a:t>spend</a:t>
+            </a:r>
+            <a:r>
+              <a:rPr lang="ko-KR" altLang="en-US" dirty="0"/>
+              <a:t> </a:t>
+            </a:r>
+            <a:r>
+              <a:rPr lang="en-US" altLang="ko-KR" dirty="0"/>
+              <a:t>lots time to find a frame.</a:t>
+            </a:r>
+            <a:endParaRPr lang="en-US" dirty="0"/>
+          </a:p>
+        </p:txBody>
+      </p:sp>
+      <p:sp>
+        <p:nvSpPr>
+          <p:cNvPr id="5" name="Rectangle 4">
+            <a:extLst>
+              <a:ext uri="{FF2B5EF4-FFF2-40B4-BE49-F238E27FC236}">
+                <a16:creationId xmlns:a16="http://schemas.microsoft.com/office/drawing/2014/main" id="{291D6AC7-7216-4577-94E7-1F7A0140A4F6}"/>
               </a:ext>
             </a:extLst>
           </p:cNvPr>
@@ -4125,14 +7252,14 @@
         </p:nvSpPr>
         <p:spPr>
           <a:xfrm>
-            <a:off x="1288112" y="3347499"/>
-            <a:ext cx="9867568" cy="2313830"/>
+            <a:off x="1484242" y="1258958"/>
+            <a:ext cx="4611757" cy="2292626"/>
           </a:xfrm>
           <a:prstGeom prst="rect">
             <a:avLst/>
           </a:prstGeom>
           <a:solidFill>
-            <a:schemeClr val="tx2">
+            <a:schemeClr val="accent1">
               <a:lumMod val="20000"/>
               <a:lumOff val="80000"/>
             </a:schemeClr>
@@ -4159,16 +7286,16 @@
           <a:lstStyle/>
           <a:p>
             <a:pPr algn="ctr"/>
-            <a:endParaRPr lang="ko-KR" altLang="en-US"/>
-          </a:p>
-        </p:txBody>
-      </p:sp>
-      <p:sp>
-        <p:nvSpPr>
-          <p:cNvPr id="6" name="직사각형 5">
-            <a:extLst>
-              <a:ext uri="{FF2B5EF4-FFF2-40B4-BE49-F238E27FC236}">
-                <a16:creationId xmlns:a16="http://schemas.microsoft.com/office/drawing/2014/main" id="{407A5CCE-01E5-478E-9CFA-83E6B964B9B1}"/>
+            <a:endParaRPr lang="en-US"/>
+          </a:p>
+        </p:txBody>
+      </p:sp>
+      <p:sp>
+        <p:nvSpPr>
+          <p:cNvPr id="22" name="Rectangle 21">
+            <a:extLst>
+              <a:ext uri="{FF2B5EF4-FFF2-40B4-BE49-F238E27FC236}">
+                <a16:creationId xmlns:a16="http://schemas.microsoft.com/office/drawing/2014/main" id="{8A8A9474-E90A-463D-AC1C-4F2401D75648}"/>
               </a:ext>
             </a:extLst>
           </p:cNvPr>
@@ -4177,8 +7304,8 @@
         </p:nvSpPr>
         <p:spPr>
           <a:xfrm>
-            <a:off x="1355698" y="1101256"/>
-            <a:ext cx="4866198" cy="2178657"/>
+            <a:off x="6319961" y="1258958"/>
+            <a:ext cx="4611757" cy="2292626"/>
           </a:xfrm>
           <a:prstGeom prst="rect">
             <a:avLst/>
@@ -4211,16 +7338,16 @@
           <a:lstStyle/>
           <a:p>
             <a:pPr algn="ctr"/>
-            <a:endParaRPr lang="ko-KR" altLang="en-US"/>
-          </a:p>
-        </p:txBody>
-      </p:sp>
-      <p:sp>
-        <p:nvSpPr>
-          <p:cNvPr id="8" name="직사각형 7">
-            <a:extLst>
-              <a:ext uri="{FF2B5EF4-FFF2-40B4-BE49-F238E27FC236}">
-                <a16:creationId xmlns:a16="http://schemas.microsoft.com/office/drawing/2014/main" id="{D3153C37-AE05-4468-A83C-408FE3F93DB2}"/>
+            <a:endParaRPr lang="en-US"/>
+          </a:p>
+        </p:txBody>
+      </p:sp>
+      <p:sp>
+        <p:nvSpPr>
+          <p:cNvPr id="27" name="Rectangle 26">
+            <a:extLst>
+              <a:ext uri="{FF2B5EF4-FFF2-40B4-BE49-F238E27FC236}">
+                <a16:creationId xmlns:a16="http://schemas.microsoft.com/office/drawing/2014/main" id="{3DAFEEC7-2628-40DE-B302-1489F67336EE}"/>
               </a:ext>
             </a:extLst>
           </p:cNvPr>
@@ -4229,8 +7356,8 @@
         </p:nvSpPr>
         <p:spPr>
           <a:xfrm>
-            <a:off x="6255689" y="1101256"/>
-            <a:ext cx="4866198" cy="2178657"/>
+            <a:off x="6319961" y="3823253"/>
+            <a:ext cx="4611757" cy="2292626"/>
           </a:xfrm>
           <a:prstGeom prst="rect">
             <a:avLst/>
@@ -4263,16 +7390,16 @@
           <a:lstStyle/>
           <a:p>
             <a:pPr algn="ctr"/>
-            <a:endParaRPr lang="ko-KR" altLang="en-US"/>
-          </a:p>
-        </p:txBody>
-      </p:sp>
-      <p:sp>
-        <p:nvSpPr>
-          <p:cNvPr id="9" name="직사각형 8">
-            <a:extLst>
-              <a:ext uri="{FF2B5EF4-FFF2-40B4-BE49-F238E27FC236}">
-                <a16:creationId xmlns:a16="http://schemas.microsoft.com/office/drawing/2014/main" id="{F8987D43-55D2-4AB3-991F-B1522865B4F7}"/>
+            <a:endParaRPr lang="en-US"/>
+          </a:p>
+        </p:txBody>
+      </p:sp>
+      <p:sp>
+        <p:nvSpPr>
+          <p:cNvPr id="29" name="Rectangle 28">
+            <a:extLst>
+              <a:ext uri="{FF2B5EF4-FFF2-40B4-BE49-F238E27FC236}">
+                <a16:creationId xmlns:a16="http://schemas.microsoft.com/office/drawing/2014/main" id="{04C37548-796A-495A-857B-A1B8592B6A62}"/>
               </a:ext>
             </a:extLst>
           </p:cNvPr>
@@ -4281,8 +7408,8 @@
         </p:nvSpPr>
         <p:spPr>
           <a:xfrm>
-            <a:off x="1355698" y="3405145"/>
-            <a:ext cx="4866198" cy="2178657"/>
+            <a:off x="1484242" y="3823253"/>
+            <a:ext cx="4611757" cy="2292626"/>
           </a:xfrm>
           <a:prstGeom prst="rect">
             <a:avLst/>
@@ -4315,16 +7442,16 @@
           <a:lstStyle/>
           <a:p>
             <a:pPr algn="ctr"/>
-            <a:endParaRPr lang="ko-KR" altLang="en-US"/>
-          </a:p>
-        </p:txBody>
-      </p:sp>
-      <p:sp>
-        <p:nvSpPr>
-          <p:cNvPr id="10" name="직사각형 9">
-            <a:extLst>
-              <a:ext uri="{FF2B5EF4-FFF2-40B4-BE49-F238E27FC236}">
-                <a16:creationId xmlns:a16="http://schemas.microsoft.com/office/drawing/2014/main" id="{185949E1-6304-4946-95A1-2FD3FA0B631B}"/>
+            <a:endParaRPr lang="en-US"/>
+          </a:p>
+        </p:txBody>
+      </p:sp>
+      <p:sp>
+        <p:nvSpPr>
+          <p:cNvPr id="7" name="Rectangle 6">
+            <a:extLst>
+              <a:ext uri="{FF2B5EF4-FFF2-40B4-BE49-F238E27FC236}">
+                <a16:creationId xmlns:a16="http://schemas.microsoft.com/office/drawing/2014/main" id="{D23287AC-6A38-4DB8-90DA-CE63FE28FFC0}"/>
               </a:ext>
             </a:extLst>
           </p:cNvPr>
@@ -4333,16 +7460,16 @@
         </p:nvSpPr>
         <p:spPr>
           <a:xfrm>
-            <a:off x="6255689" y="3405145"/>
-            <a:ext cx="4866198" cy="2178657"/>
+            <a:off x="1603511" y="1417984"/>
+            <a:ext cx="4373217" cy="371059"/>
           </a:xfrm>
           <a:prstGeom prst="rect">
             <a:avLst/>
           </a:prstGeom>
           <a:solidFill>
-            <a:schemeClr val="accent1">
-              <a:lumMod val="20000"/>
-              <a:lumOff val="80000"/>
+            <a:schemeClr val="accent3">
+              <a:lumMod val="40000"/>
+              <a:lumOff val="60000"/>
             </a:schemeClr>
           </a:solidFill>
         </p:spPr>
@@ -4367,16 +7494,1472 @@
           <a:lstStyle/>
           <a:p>
             <a:pPr algn="ctr"/>
-            <a:endParaRPr lang="ko-KR" altLang="en-US"/>
-          </a:p>
-        </p:txBody>
-      </p:sp>
-      <p:sp>
-        <p:nvSpPr>
-          <p:cNvPr id="11" name="TextBox 10">
-            <a:extLst>
-              <a:ext uri="{FF2B5EF4-FFF2-40B4-BE49-F238E27FC236}">
-                <a16:creationId xmlns:a16="http://schemas.microsoft.com/office/drawing/2014/main" id="{3399C9C2-9F3F-4380-9B2A-1062383F5415}"/>
+            <a:endParaRPr lang="en-US"/>
+          </a:p>
+        </p:txBody>
+      </p:sp>
+      <p:sp>
+        <p:nvSpPr>
+          <p:cNvPr id="30" name="Rectangle 29">
+            <a:extLst>
+              <a:ext uri="{FF2B5EF4-FFF2-40B4-BE49-F238E27FC236}">
+                <a16:creationId xmlns:a16="http://schemas.microsoft.com/office/drawing/2014/main" id="{3C3E604B-ED15-4560-90DB-451820C8C847}"/>
+              </a:ext>
+            </a:extLst>
+          </p:cNvPr>
+          <p:cNvSpPr/>
+          <p:nvPr/>
+        </p:nvSpPr>
+        <p:spPr>
+          <a:xfrm>
+            <a:off x="1603511" y="1948069"/>
+            <a:ext cx="4373217" cy="1480931"/>
+          </a:xfrm>
+          <a:prstGeom prst="rect">
+            <a:avLst/>
+          </a:prstGeom>
+          <a:solidFill>
+            <a:schemeClr val="accent3">
+              <a:lumMod val="40000"/>
+              <a:lumOff val="60000"/>
+            </a:schemeClr>
+          </a:solidFill>
+        </p:spPr>
+        <p:style>
+          <a:lnRef idx="2">
+            <a:schemeClr val="accent1">
+              <a:shade val="50000"/>
+            </a:schemeClr>
+          </a:lnRef>
+          <a:fillRef idx="1">
+            <a:schemeClr val="accent1"/>
+          </a:fillRef>
+          <a:effectRef idx="0">
+            <a:schemeClr val="accent1"/>
+          </a:effectRef>
+          <a:fontRef idx="minor">
+            <a:schemeClr val="lt1"/>
+          </a:fontRef>
+        </p:style>
+        <p:txBody>
+          <a:bodyPr rtlCol="0" anchor="ctr"/>
+          <a:lstStyle/>
+          <a:p>
+            <a:pPr algn="ctr"/>
+            <a:endParaRPr lang="en-US"/>
+          </a:p>
+        </p:txBody>
+      </p:sp>
+      <p:sp>
+        <p:nvSpPr>
+          <p:cNvPr id="31" name="Rectangle 30">
+            <a:extLst>
+              <a:ext uri="{FF2B5EF4-FFF2-40B4-BE49-F238E27FC236}">
+                <a16:creationId xmlns:a16="http://schemas.microsoft.com/office/drawing/2014/main" id="{75ABC3A9-CFA6-44FC-9205-9EAFFA001A71}"/>
+              </a:ext>
+            </a:extLst>
+          </p:cNvPr>
+          <p:cNvSpPr/>
+          <p:nvPr/>
+        </p:nvSpPr>
+        <p:spPr>
+          <a:xfrm>
+            <a:off x="6439230" y="1417984"/>
+            <a:ext cx="4373217" cy="371059"/>
+          </a:xfrm>
+          <a:prstGeom prst="rect">
+            <a:avLst/>
+          </a:prstGeom>
+          <a:solidFill>
+            <a:schemeClr val="accent3">
+              <a:lumMod val="40000"/>
+              <a:lumOff val="60000"/>
+            </a:schemeClr>
+          </a:solidFill>
+        </p:spPr>
+        <p:style>
+          <a:lnRef idx="2">
+            <a:schemeClr val="accent1">
+              <a:shade val="50000"/>
+            </a:schemeClr>
+          </a:lnRef>
+          <a:fillRef idx="1">
+            <a:schemeClr val="accent1"/>
+          </a:fillRef>
+          <a:effectRef idx="0">
+            <a:schemeClr val="accent1"/>
+          </a:effectRef>
+          <a:fontRef idx="minor">
+            <a:schemeClr val="lt1"/>
+          </a:fontRef>
+        </p:style>
+        <p:txBody>
+          <a:bodyPr rtlCol="0" anchor="ctr"/>
+          <a:lstStyle/>
+          <a:p>
+            <a:pPr algn="ctr"/>
+            <a:endParaRPr lang="en-US"/>
+          </a:p>
+        </p:txBody>
+      </p:sp>
+      <p:sp>
+        <p:nvSpPr>
+          <p:cNvPr id="32" name="Rectangle 31">
+            <a:extLst>
+              <a:ext uri="{FF2B5EF4-FFF2-40B4-BE49-F238E27FC236}">
+                <a16:creationId xmlns:a16="http://schemas.microsoft.com/office/drawing/2014/main" id="{F29DFCFD-E263-4EE5-996E-892056C0D4A9}"/>
+              </a:ext>
+            </a:extLst>
+          </p:cNvPr>
+          <p:cNvSpPr/>
+          <p:nvPr/>
+        </p:nvSpPr>
+        <p:spPr>
+          <a:xfrm>
+            <a:off x="6439229" y="1948068"/>
+            <a:ext cx="4373217" cy="1480931"/>
+          </a:xfrm>
+          <a:prstGeom prst="rect">
+            <a:avLst/>
+          </a:prstGeom>
+          <a:solidFill>
+            <a:schemeClr val="accent3">
+              <a:lumMod val="40000"/>
+              <a:lumOff val="60000"/>
+            </a:schemeClr>
+          </a:solidFill>
+        </p:spPr>
+        <p:style>
+          <a:lnRef idx="2">
+            <a:schemeClr val="accent1">
+              <a:shade val="50000"/>
+            </a:schemeClr>
+          </a:lnRef>
+          <a:fillRef idx="1">
+            <a:schemeClr val="accent1"/>
+          </a:fillRef>
+          <a:effectRef idx="0">
+            <a:schemeClr val="accent1"/>
+          </a:effectRef>
+          <a:fontRef idx="minor">
+            <a:schemeClr val="lt1"/>
+          </a:fontRef>
+        </p:style>
+        <p:txBody>
+          <a:bodyPr rtlCol="0" anchor="ctr"/>
+          <a:lstStyle/>
+          <a:p>
+            <a:pPr algn="ctr"/>
+            <a:endParaRPr lang="en-US"/>
+          </a:p>
+        </p:txBody>
+      </p:sp>
+      <p:sp>
+        <p:nvSpPr>
+          <p:cNvPr id="33" name="Rectangle 32">
+            <a:extLst>
+              <a:ext uri="{FF2B5EF4-FFF2-40B4-BE49-F238E27FC236}">
+                <a16:creationId xmlns:a16="http://schemas.microsoft.com/office/drawing/2014/main" id="{665173BF-5092-42AC-93AD-F9E36E872F9C}"/>
+              </a:ext>
+            </a:extLst>
+          </p:cNvPr>
+          <p:cNvSpPr/>
+          <p:nvPr/>
+        </p:nvSpPr>
+        <p:spPr>
+          <a:xfrm>
+            <a:off x="1603511" y="3975655"/>
+            <a:ext cx="4373217" cy="371059"/>
+          </a:xfrm>
+          <a:prstGeom prst="rect">
+            <a:avLst/>
+          </a:prstGeom>
+          <a:solidFill>
+            <a:schemeClr val="accent3">
+              <a:lumMod val="40000"/>
+              <a:lumOff val="60000"/>
+            </a:schemeClr>
+          </a:solidFill>
+        </p:spPr>
+        <p:style>
+          <a:lnRef idx="2">
+            <a:schemeClr val="accent1">
+              <a:shade val="50000"/>
+            </a:schemeClr>
+          </a:lnRef>
+          <a:fillRef idx="1">
+            <a:schemeClr val="accent1"/>
+          </a:fillRef>
+          <a:effectRef idx="0">
+            <a:schemeClr val="accent1"/>
+          </a:effectRef>
+          <a:fontRef idx="minor">
+            <a:schemeClr val="lt1"/>
+          </a:fontRef>
+        </p:style>
+        <p:txBody>
+          <a:bodyPr rtlCol="0" anchor="ctr"/>
+          <a:lstStyle/>
+          <a:p>
+            <a:pPr algn="ctr"/>
+            <a:endParaRPr lang="en-US"/>
+          </a:p>
+        </p:txBody>
+      </p:sp>
+      <p:sp>
+        <p:nvSpPr>
+          <p:cNvPr id="34" name="Rectangle 33">
+            <a:extLst>
+              <a:ext uri="{FF2B5EF4-FFF2-40B4-BE49-F238E27FC236}">
+                <a16:creationId xmlns:a16="http://schemas.microsoft.com/office/drawing/2014/main" id="{6E4AFFEB-525E-41DA-B3E2-540BABD2457E}"/>
+              </a:ext>
+            </a:extLst>
+          </p:cNvPr>
+          <p:cNvSpPr/>
+          <p:nvPr/>
+        </p:nvSpPr>
+        <p:spPr>
+          <a:xfrm>
+            <a:off x="1603511" y="4505740"/>
+            <a:ext cx="4373217" cy="1480931"/>
+          </a:xfrm>
+          <a:prstGeom prst="rect">
+            <a:avLst/>
+          </a:prstGeom>
+          <a:solidFill>
+            <a:schemeClr val="accent3">
+              <a:lumMod val="40000"/>
+              <a:lumOff val="60000"/>
+            </a:schemeClr>
+          </a:solidFill>
+        </p:spPr>
+        <p:style>
+          <a:lnRef idx="2">
+            <a:schemeClr val="accent1">
+              <a:shade val="50000"/>
+            </a:schemeClr>
+          </a:lnRef>
+          <a:fillRef idx="1">
+            <a:schemeClr val="accent1"/>
+          </a:fillRef>
+          <a:effectRef idx="0">
+            <a:schemeClr val="accent1"/>
+          </a:effectRef>
+          <a:fontRef idx="minor">
+            <a:schemeClr val="lt1"/>
+          </a:fontRef>
+        </p:style>
+        <p:txBody>
+          <a:bodyPr rtlCol="0" anchor="ctr"/>
+          <a:lstStyle/>
+          <a:p>
+            <a:pPr algn="ctr"/>
+            <a:endParaRPr lang="en-US"/>
+          </a:p>
+        </p:txBody>
+      </p:sp>
+      <p:sp>
+        <p:nvSpPr>
+          <p:cNvPr id="35" name="Rectangle 34">
+            <a:extLst>
+              <a:ext uri="{FF2B5EF4-FFF2-40B4-BE49-F238E27FC236}">
+                <a16:creationId xmlns:a16="http://schemas.microsoft.com/office/drawing/2014/main" id="{9BB72F01-EDAC-48ED-9A6F-8F61DB8F3166}"/>
+              </a:ext>
+            </a:extLst>
+          </p:cNvPr>
+          <p:cNvSpPr/>
+          <p:nvPr/>
+        </p:nvSpPr>
+        <p:spPr>
+          <a:xfrm>
+            <a:off x="6439230" y="3975656"/>
+            <a:ext cx="4373217" cy="371059"/>
+          </a:xfrm>
+          <a:prstGeom prst="rect">
+            <a:avLst/>
+          </a:prstGeom>
+          <a:solidFill>
+            <a:schemeClr val="accent3">
+              <a:lumMod val="40000"/>
+              <a:lumOff val="60000"/>
+            </a:schemeClr>
+          </a:solidFill>
+        </p:spPr>
+        <p:style>
+          <a:lnRef idx="2">
+            <a:schemeClr val="accent1">
+              <a:shade val="50000"/>
+            </a:schemeClr>
+          </a:lnRef>
+          <a:fillRef idx="1">
+            <a:schemeClr val="accent1"/>
+          </a:fillRef>
+          <a:effectRef idx="0">
+            <a:schemeClr val="accent1"/>
+          </a:effectRef>
+          <a:fontRef idx="minor">
+            <a:schemeClr val="lt1"/>
+          </a:fontRef>
+        </p:style>
+        <p:txBody>
+          <a:bodyPr rtlCol="0" anchor="ctr"/>
+          <a:lstStyle/>
+          <a:p>
+            <a:pPr algn="ctr"/>
+            <a:endParaRPr lang="en-US"/>
+          </a:p>
+        </p:txBody>
+      </p:sp>
+      <p:sp>
+        <p:nvSpPr>
+          <p:cNvPr id="36" name="Rectangle 35">
+            <a:extLst>
+              <a:ext uri="{FF2B5EF4-FFF2-40B4-BE49-F238E27FC236}">
+                <a16:creationId xmlns:a16="http://schemas.microsoft.com/office/drawing/2014/main" id="{CF09F6AA-C9FE-421D-AC85-E1DB1E446176}"/>
+              </a:ext>
+            </a:extLst>
+          </p:cNvPr>
+          <p:cNvSpPr/>
+          <p:nvPr/>
+        </p:nvSpPr>
+        <p:spPr>
+          <a:xfrm>
+            <a:off x="6439229" y="4505740"/>
+            <a:ext cx="4373217" cy="1480931"/>
+          </a:xfrm>
+          <a:prstGeom prst="rect">
+            <a:avLst/>
+          </a:prstGeom>
+          <a:solidFill>
+            <a:schemeClr val="accent3">
+              <a:lumMod val="40000"/>
+              <a:lumOff val="60000"/>
+            </a:schemeClr>
+          </a:solidFill>
+        </p:spPr>
+        <p:style>
+          <a:lnRef idx="2">
+            <a:schemeClr val="accent1">
+              <a:shade val="50000"/>
+            </a:schemeClr>
+          </a:lnRef>
+          <a:fillRef idx="1">
+            <a:schemeClr val="accent1"/>
+          </a:fillRef>
+          <a:effectRef idx="0">
+            <a:schemeClr val="accent1"/>
+          </a:effectRef>
+          <a:fontRef idx="minor">
+            <a:schemeClr val="lt1"/>
+          </a:fontRef>
+        </p:style>
+        <p:txBody>
+          <a:bodyPr rtlCol="0" anchor="ctr"/>
+          <a:lstStyle/>
+          <a:p>
+            <a:pPr algn="ctr"/>
+            <a:endParaRPr lang="en-US"/>
+          </a:p>
+        </p:txBody>
+      </p:sp>
+      <p:sp>
+        <p:nvSpPr>
+          <p:cNvPr id="12" name="Rectangle 11">
+            <a:extLst>
+              <a:ext uri="{FF2B5EF4-FFF2-40B4-BE49-F238E27FC236}">
+                <a16:creationId xmlns:a16="http://schemas.microsoft.com/office/drawing/2014/main" id="{017C07BF-5E5F-4EDF-AEDA-411CD7AAB3DD}"/>
+              </a:ext>
+            </a:extLst>
+          </p:cNvPr>
+          <p:cNvSpPr/>
+          <p:nvPr/>
+        </p:nvSpPr>
+        <p:spPr>
+          <a:xfrm>
+            <a:off x="1709529" y="1493319"/>
+            <a:ext cx="2438402" cy="237991"/>
+          </a:xfrm>
+          <a:prstGeom prst="rect">
+            <a:avLst/>
+          </a:prstGeom>
+          <a:solidFill>
+            <a:schemeClr val="accent4">
+              <a:lumMod val="20000"/>
+              <a:lumOff val="80000"/>
+            </a:schemeClr>
+          </a:solidFill>
+        </p:spPr>
+        <p:style>
+          <a:lnRef idx="2">
+            <a:schemeClr val="accent1">
+              <a:shade val="50000"/>
+            </a:schemeClr>
+          </a:lnRef>
+          <a:fillRef idx="1">
+            <a:schemeClr val="accent1"/>
+          </a:fillRef>
+          <a:effectRef idx="0">
+            <a:schemeClr val="accent1"/>
+          </a:effectRef>
+          <a:fontRef idx="minor">
+            <a:schemeClr val="lt1"/>
+          </a:fontRef>
+        </p:style>
+        <p:txBody>
+          <a:bodyPr rtlCol="0" anchor="ctr"/>
+          <a:lstStyle/>
+          <a:p>
+            <a:pPr algn="ctr"/>
+            <a:endParaRPr lang="en-US"/>
+          </a:p>
+        </p:txBody>
+      </p:sp>
+      <p:sp>
+        <p:nvSpPr>
+          <p:cNvPr id="37" name="Rectangle 36">
+            <a:extLst>
+              <a:ext uri="{FF2B5EF4-FFF2-40B4-BE49-F238E27FC236}">
+                <a16:creationId xmlns:a16="http://schemas.microsoft.com/office/drawing/2014/main" id="{84B903D8-6AF3-4195-9E15-0A4C8DB49B9D}"/>
+              </a:ext>
+            </a:extLst>
+          </p:cNvPr>
+          <p:cNvSpPr/>
+          <p:nvPr/>
+        </p:nvSpPr>
+        <p:spPr>
+          <a:xfrm>
+            <a:off x="6557172" y="1498317"/>
+            <a:ext cx="2438402" cy="237991"/>
+          </a:xfrm>
+          <a:prstGeom prst="rect">
+            <a:avLst/>
+          </a:prstGeom>
+          <a:solidFill>
+            <a:schemeClr val="accent4">
+              <a:lumMod val="20000"/>
+              <a:lumOff val="80000"/>
+            </a:schemeClr>
+          </a:solidFill>
+        </p:spPr>
+        <p:style>
+          <a:lnRef idx="2">
+            <a:schemeClr val="accent1">
+              <a:shade val="50000"/>
+            </a:schemeClr>
+          </a:lnRef>
+          <a:fillRef idx="1">
+            <a:schemeClr val="accent1"/>
+          </a:fillRef>
+          <a:effectRef idx="0">
+            <a:schemeClr val="accent1"/>
+          </a:effectRef>
+          <a:fontRef idx="minor">
+            <a:schemeClr val="lt1"/>
+          </a:fontRef>
+        </p:style>
+        <p:txBody>
+          <a:bodyPr rtlCol="0" anchor="ctr"/>
+          <a:lstStyle/>
+          <a:p>
+            <a:pPr algn="ctr"/>
+            <a:endParaRPr lang="en-US"/>
+          </a:p>
+        </p:txBody>
+      </p:sp>
+      <p:sp>
+        <p:nvSpPr>
+          <p:cNvPr id="38" name="Rectangle 37">
+            <a:extLst>
+              <a:ext uri="{FF2B5EF4-FFF2-40B4-BE49-F238E27FC236}">
+                <a16:creationId xmlns:a16="http://schemas.microsoft.com/office/drawing/2014/main" id="{23AAE71D-4A37-42DD-8305-C302455EA142}"/>
+              </a:ext>
+            </a:extLst>
+          </p:cNvPr>
+          <p:cNvSpPr/>
+          <p:nvPr/>
+        </p:nvSpPr>
+        <p:spPr>
+          <a:xfrm>
+            <a:off x="1709529" y="4037437"/>
+            <a:ext cx="2438402" cy="237991"/>
+          </a:xfrm>
+          <a:prstGeom prst="rect">
+            <a:avLst/>
+          </a:prstGeom>
+          <a:solidFill>
+            <a:schemeClr val="accent4">
+              <a:lumMod val="20000"/>
+              <a:lumOff val="80000"/>
+            </a:schemeClr>
+          </a:solidFill>
+        </p:spPr>
+        <p:style>
+          <a:lnRef idx="2">
+            <a:schemeClr val="accent1">
+              <a:shade val="50000"/>
+            </a:schemeClr>
+          </a:lnRef>
+          <a:fillRef idx="1">
+            <a:schemeClr val="accent1"/>
+          </a:fillRef>
+          <a:effectRef idx="0">
+            <a:schemeClr val="accent1"/>
+          </a:effectRef>
+          <a:fontRef idx="minor">
+            <a:schemeClr val="lt1"/>
+          </a:fontRef>
+        </p:style>
+        <p:txBody>
+          <a:bodyPr rtlCol="0" anchor="ctr"/>
+          <a:lstStyle/>
+          <a:p>
+            <a:pPr algn="ctr"/>
+            <a:endParaRPr lang="en-US"/>
+          </a:p>
+        </p:txBody>
+      </p:sp>
+      <p:sp>
+        <p:nvSpPr>
+          <p:cNvPr id="39" name="Rectangle 38">
+            <a:extLst>
+              <a:ext uri="{FF2B5EF4-FFF2-40B4-BE49-F238E27FC236}">
+                <a16:creationId xmlns:a16="http://schemas.microsoft.com/office/drawing/2014/main" id="{2FACDAF4-AA06-4C13-8B0E-EDB70290FCB8}"/>
+              </a:ext>
+            </a:extLst>
+          </p:cNvPr>
+          <p:cNvSpPr/>
+          <p:nvPr/>
+        </p:nvSpPr>
+        <p:spPr>
+          <a:xfrm>
+            <a:off x="6557172" y="4038560"/>
+            <a:ext cx="2438402" cy="237991"/>
+          </a:xfrm>
+          <a:prstGeom prst="rect">
+            <a:avLst/>
+          </a:prstGeom>
+          <a:solidFill>
+            <a:schemeClr val="accent4">
+              <a:lumMod val="20000"/>
+              <a:lumOff val="80000"/>
+            </a:schemeClr>
+          </a:solidFill>
+        </p:spPr>
+        <p:style>
+          <a:lnRef idx="2">
+            <a:schemeClr val="accent1">
+              <a:shade val="50000"/>
+            </a:schemeClr>
+          </a:lnRef>
+          <a:fillRef idx="1">
+            <a:schemeClr val="accent1"/>
+          </a:fillRef>
+          <a:effectRef idx="0">
+            <a:schemeClr val="accent1"/>
+          </a:effectRef>
+          <a:fontRef idx="minor">
+            <a:schemeClr val="lt1"/>
+          </a:fontRef>
+        </p:style>
+        <p:txBody>
+          <a:bodyPr rtlCol="0" anchor="ctr"/>
+          <a:lstStyle/>
+          <a:p>
+            <a:pPr algn="ctr"/>
+            <a:endParaRPr lang="en-US"/>
+          </a:p>
+        </p:txBody>
+      </p:sp>
+      <p:sp>
+        <p:nvSpPr>
+          <p:cNvPr id="41" name="Rectangle 40">
+            <a:extLst>
+              <a:ext uri="{FF2B5EF4-FFF2-40B4-BE49-F238E27FC236}">
+                <a16:creationId xmlns:a16="http://schemas.microsoft.com/office/drawing/2014/main" id="{5B1EEA86-234F-46D8-BB7C-5B55328414BF}"/>
+              </a:ext>
+            </a:extLst>
+          </p:cNvPr>
+          <p:cNvSpPr/>
+          <p:nvPr/>
+        </p:nvSpPr>
+        <p:spPr>
+          <a:xfrm>
+            <a:off x="4265873" y="1493319"/>
+            <a:ext cx="474426" cy="237991"/>
+          </a:xfrm>
+          <a:prstGeom prst="rect">
+            <a:avLst/>
+          </a:prstGeom>
+          <a:solidFill>
+            <a:schemeClr val="accent4">
+              <a:lumMod val="20000"/>
+              <a:lumOff val="80000"/>
+            </a:schemeClr>
+          </a:solidFill>
+        </p:spPr>
+        <p:style>
+          <a:lnRef idx="2">
+            <a:schemeClr val="accent1">
+              <a:shade val="50000"/>
+            </a:schemeClr>
+          </a:lnRef>
+          <a:fillRef idx="1">
+            <a:schemeClr val="accent1"/>
+          </a:fillRef>
+          <a:effectRef idx="0">
+            <a:schemeClr val="accent1"/>
+          </a:effectRef>
+          <a:fontRef idx="minor">
+            <a:schemeClr val="lt1"/>
+          </a:fontRef>
+        </p:style>
+        <p:txBody>
+          <a:bodyPr rtlCol="0" anchor="ctr"/>
+          <a:lstStyle/>
+          <a:p>
+            <a:pPr algn="ctr"/>
+            <a:endParaRPr lang="en-US"/>
+          </a:p>
+        </p:txBody>
+      </p:sp>
+      <p:sp>
+        <p:nvSpPr>
+          <p:cNvPr id="42" name="Rectangle 41">
+            <a:extLst>
+              <a:ext uri="{FF2B5EF4-FFF2-40B4-BE49-F238E27FC236}">
+                <a16:creationId xmlns:a16="http://schemas.microsoft.com/office/drawing/2014/main" id="{68E8C1B7-7E08-4ED7-8689-957911C46A3F}"/>
+              </a:ext>
+            </a:extLst>
+          </p:cNvPr>
+          <p:cNvSpPr/>
+          <p:nvPr/>
+        </p:nvSpPr>
+        <p:spPr>
+          <a:xfrm>
+            <a:off x="4846315" y="1493319"/>
+            <a:ext cx="1024397" cy="237991"/>
+          </a:xfrm>
+          <a:prstGeom prst="rect">
+            <a:avLst/>
+          </a:prstGeom>
+          <a:solidFill>
+            <a:schemeClr val="accent4">
+              <a:lumMod val="20000"/>
+              <a:lumOff val="80000"/>
+            </a:schemeClr>
+          </a:solidFill>
+        </p:spPr>
+        <p:style>
+          <a:lnRef idx="2">
+            <a:schemeClr val="accent1">
+              <a:shade val="50000"/>
+            </a:schemeClr>
+          </a:lnRef>
+          <a:fillRef idx="1">
+            <a:schemeClr val="accent1"/>
+          </a:fillRef>
+          <a:effectRef idx="0">
+            <a:schemeClr val="accent1"/>
+          </a:effectRef>
+          <a:fontRef idx="minor">
+            <a:schemeClr val="lt1"/>
+          </a:fontRef>
+        </p:style>
+        <p:txBody>
+          <a:bodyPr rtlCol="0" anchor="ctr"/>
+          <a:lstStyle/>
+          <a:p>
+            <a:pPr algn="ctr"/>
+            <a:endParaRPr lang="en-US"/>
+          </a:p>
+        </p:txBody>
+      </p:sp>
+      <p:sp>
+        <p:nvSpPr>
+          <p:cNvPr id="43" name="Rectangle 42">
+            <a:extLst>
+              <a:ext uri="{FF2B5EF4-FFF2-40B4-BE49-F238E27FC236}">
+                <a16:creationId xmlns:a16="http://schemas.microsoft.com/office/drawing/2014/main" id="{97E08850-5937-470B-AF1A-49D7D5AEB51F}"/>
+              </a:ext>
+            </a:extLst>
+          </p:cNvPr>
+          <p:cNvSpPr/>
+          <p:nvPr/>
+        </p:nvSpPr>
+        <p:spPr>
+          <a:xfrm>
+            <a:off x="9113517" y="1493319"/>
+            <a:ext cx="1582974" cy="237991"/>
+          </a:xfrm>
+          <a:prstGeom prst="rect">
+            <a:avLst/>
+          </a:prstGeom>
+          <a:solidFill>
+            <a:schemeClr val="accent4">
+              <a:lumMod val="20000"/>
+              <a:lumOff val="80000"/>
+            </a:schemeClr>
+          </a:solidFill>
+        </p:spPr>
+        <p:style>
+          <a:lnRef idx="2">
+            <a:schemeClr val="accent1">
+              <a:shade val="50000"/>
+            </a:schemeClr>
+          </a:lnRef>
+          <a:fillRef idx="1">
+            <a:schemeClr val="accent1"/>
+          </a:fillRef>
+          <a:effectRef idx="0">
+            <a:schemeClr val="accent1"/>
+          </a:effectRef>
+          <a:fontRef idx="minor">
+            <a:schemeClr val="lt1"/>
+          </a:fontRef>
+        </p:style>
+        <p:txBody>
+          <a:bodyPr rtlCol="0" anchor="ctr"/>
+          <a:lstStyle/>
+          <a:p>
+            <a:pPr algn="ctr"/>
+            <a:endParaRPr lang="en-US"/>
+          </a:p>
+        </p:txBody>
+      </p:sp>
+      <p:sp>
+        <p:nvSpPr>
+          <p:cNvPr id="44" name="Rectangle 43">
+            <a:extLst>
+              <a:ext uri="{FF2B5EF4-FFF2-40B4-BE49-F238E27FC236}">
+                <a16:creationId xmlns:a16="http://schemas.microsoft.com/office/drawing/2014/main" id="{3D39C7E7-F9D8-42C6-8D37-9CA0D0751782}"/>
+              </a:ext>
+            </a:extLst>
+          </p:cNvPr>
+          <p:cNvSpPr/>
+          <p:nvPr/>
+        </p:nvSpPr>
+        <p:spPr>
+          <a:xfrm>
+            <a:off x="4846315" y="4037437"/>
+            <a:ext cx="1024397" cy="237991"/>
+          </a:xfrm>
+          <a:prstGeom prst="rect">
+            <a:avLst/>
+          </a:prstGeom>
+          <a:solidFill>
+            <a:schemeClr val="accent4">
+              <a:lumMod val="20000"/>
+              <a:lumOff val="80000"/>
+            </a:schemeClr>
+          </a:solidFill>
+        </p:spPr>
+        <p:style>
+          <a:lnRef idx="2">
+            <a:schemeClr val="accent1">
+              <a:shade val="50000"/>
+            </a:schemeClr>
+          </a:lnRef>
+          <a:fillRef idx="1">
+            <a:schemeClr val="accent1"/>
+          </a:fillRef>
+          <a:effectRef idx="0">
+            <a:schemeClr val="accent1"/>
+          </a:effectRef>
+          <a:fontRef idx="minor">
+            <a:schemeClr val="lt1"/>
+          </a:fontRef>
+        </p:style>
+        <p:txBody>
+          <a:bodyPr rtlCol="0" anchor="ctr"/>
+          <a:lstStyle/>
+          <a:p>
+            <a:pPr algn="ctr"/>
+            <a:endParaRPr lang="en-US"/>
+          </a:p>
+        </p:txBody>
+      </p:sp>
+      <p:sp>
+        <p:nvSpPr>
+          <p:cNvPr id="45" name="Rectangle 44">
+            <a:extLst>
+              <a:ext uri="{FF2B5EF4-FFF2-40B4-BE49-F238E27FC236}">
+                <a16:creationId xmlns:a16="http://schemas.microsoft.com/office/drawing/2014/main" id="{6017E892-E5B5-4028-BFF1-DF77B3E0EB3B}"/>
+              </a:ext>
+            </a:extLst>
+          </p:cNvPr>
+          <p:cNvSpPr/>
+          <p:nvPr/>
+        </p:nvSpPr>
+        <p:spPr>
+          <a:xfrm>
+            <a:off x="1766510" y="2112000"/>
+            <a:ext cx="1258958" cy="1213436"/>
+          </a:xfrm>
+          <a:prstGeom prst="rect">
+            <a:avLst/>
+          </a:prstGeom>
+          <a:solidFill>
+            <a:schemeClr val="accent4">
+              <a:lumMod val="20000"/>
+              <a:lumOff val="80000"/>
+            </a:schemeClr>
+          </a:solidFill>
+        </p:spPr>
+        <p:style>
+          <a:lnRef idx="2">
+            <a:schemeClr val="accent1">
+              <a:shade val="50000"/>
+            </a:schemeClr>
+          </a:lnRef>
+          <a:fillRef idx="1">
+            <a:schemeClr val="accent1"/>
+          </a:fillRef>
+          <a:effectRef idx="0">
+            <a:schemeClr val="accent1"/>
+          </a:effectRef>
+          <a:fontRef idx="minor">
+            <a:schemeClr val="lt1"/>
+          </a:fontRef>
+        </p:style>
+        <p:txBody>
+          <a:bodyPr rtlCol="0" anchor="ctr"/>
+          <a:lstStyle/>
+          <a:p>
+            <a:pPr algn="ctr"/>
+            <a:endParaRPr lang="en-US"/>
+          </a:p>
+        </p:txBody>
+      </p:sp>
+      <p:sp>
+        <p:nvSpPr>
+          <p:cNvPr id="47" name="Rectangle 46">
+            <a:extLst>
+              <a:ext uri="{FF2B5EF4-FFF2-40B4-BE49-F238E27FC236}">
+                <a16:creationId xmlns:a16="http://schemas.microsoft.com/office/drawing/2014/main" id="{B9A96807-1243-4EDF-B9DD-28C8BBADD27F}"/>
+              </a:ext>
+            </a:extLst>
+          </p:cNvPr>
+          <p:cNvSpPr/>
+          <p:nvPr/>
+        </p:nvSpPr>
+        <p:spPr>
+          <a:xfrm>
+            <a:off x="3144736" y="2112000"/>
+            <a:ext cx="1258958" cy="1213436"/>
+          </a:xfrm>
+          <a:prstGeom prst="rect">
+            <a:avLst/>
+          </a:prstGeom>
+          <a:solidFill>
+            <a:schemeClr val="accent4">
+              <a:lumMod val="20000"/>
+              <a:lumOff val="80000"/>
+            </a:schemeClr>
+          </a:solidFill>
+        </p:spPr>
+        <p:style>
+          <a:lnRef idx="2">
+            <a:schemeClr val="accent1">
+              <a:shade val="50000"/>
+            </a:schemeClr>
+          </a:lnRef>
+          <a:fillRef idx="1">
+            <a:schemeClr val="accent1"/>
+          </a:fillRef>
+          <a:effectRef idx="0">
+            <a:schemeClr val="accent1"/>
+          </a:effectRef>
+          <a:fontRef idx="minor">
+            <a:schemeClr val="lt1"/>
+          </a:fontRef>
+        </p:style>
+        <p:txBody>
+          <a:bodyPr rtlCol="0" anchor="ctr"/>
+          <a:lstStyle/>
+          <a:p>
+            <a:pPr algn="ctr"/>
+            <a:endParaRPr lang="en-US"/>
+          </a:p>
+        </p:txBody>
+      </p:sp>
+      <p:sp>
+        <p:nvSpPr>
+          <p:cNvPr id="48" name="Rectangle 47">
+            <a:extLst>
+              <a:ext uri="{FF2B5EF4-FFF2-40B4-BE49-F238E27FC236}">
+                <a16:creationId xmlns:a16="http://schemas.microsoft.com/office/drawing/2014/main" id="{AEA4E515-DD95-41E6-A3AB-BF215A75AFD3}"/>
+              </a:ext>
+            </a:extLst>
+          </p:cNvPr>
+          <p:cNvSpPr/>
+          <p:nvPr/>
+        </p:nvSpPr>
+        <p:spPr>
+          <a:xfrm>
+            <a:off x="4522962" y="2112000"/>
+            <a:ext cx="1258958" cy="1213436"/>
+          </a:xfrm>
+          <a:prstGeom prst="rect">
+            <a:avLst/>
+          </a:prstGeom>
+          <a:solidFill>
+            <a:schemeClr val="accent4">
+              <a:lumMod val="20000"/>
+              <a:lumOff val="80000"/>
+            </a:schemeClr>
+          </a:solidFill>
+        </p:spPr>
+        <p:style>
+          <a:lnRef idx="2">
+            <a:schemeClr val="accent1">
+              <a:shade val="50000"/>
+            </a:schemeClr>
+          </a:lnRef>
+          <a:fillRef idx="1">
+            <a:schemeClr val="accent1"/>
+          </a:fillRef>
+          <a:effectRef idx="0">
+            <a:schemeClr val="accent1"/>
+          </a:effectRef>
+          <a:fontRef idx="minor">
+            <a:schemeClr val="lt1"/>
+          </a:fontRef>
+        </p:style>
+        <p:txBody>
+          <a:bodyPr rtlCol="0" anchor="ctr"/>
+          <a:lstStyle/>
+          <a:p>
+            <a:pPr algn="ctr"/>
+            <a:endParaRPr lang="en-US"/>
+          </a:p>
+        </p:txBody>
+      </p:sp>
+      <p:sp>
+        <p:nvSpPr>
+          <p:cNvPr id="49" name="Rectangle 48">
+            <a:extLst>
+              <a:ext uri="{FF2B5EF4-FFF2-40B4-BE49-F238E27FC236}">
+                <a16:creationId xmlns:a16="http://schemas.microsoft.com/office/drawing/2014/main" id="{D861B11E-8BB7-4E73-AD6A-90C5D0BAAF56}"/>
+              </a:ext>
+            </a:extLst>
+          </p:cNvPr>
+          <p:cNvSpPr/>
+          <p:nvPr/>
+        </p:nvSpPr>
+        <p:spPr>
+          <a:xfrm>
+            <a:off x="6557171" y="2160653"/>
+            <a:ext cx="4139319" cy="253144"/>
+          </a:xfrm>
+          <a:prstGeom prst="rect">
+            <a:avLst/>
+          </a:prstGeom>
+          <a:solidFill>
+            <a:schemeClr val="accent4">
+              <a:lumMod val="20000"/>
+              <a:lumOff val="80000"/>
+            </a:schemeClr>
+          </a:solidFill>
+        </p:spPr>
+        <p:style>
+          <a:lnRef idx="2">
+            <a:schemeClr val="accent1">
+              <a:shade val="50000"/>
+            </a:schemeClr>
+          </a:lnRef>
+          <a:fillRef idx="1">
+            <a:schemeClr val="accent1"/>
+          </a:fillRef>
+          <a:effectRef idx="0">
+            <a:schemeClr val="accent1"/>
+          </a:effectRef>
+          <a:fontRef idx="minor">
+            <a:schemeClr val="lt1"/>
+          </a:fontRef>
+        </p:style>
+        <p:txBody>
+          <a:bodyPr rtlCol="0" anchor="ctr"/>
+          <a:lstStyle/>
+          <a:p>
+            <a:pPr algn="ctr"/>
+            <a:endParaRPr lang="en-US"/>
+          </a:p>
+        </p:txBody>
+      </p:sp>
+      <p:sp>
+        <p:nvSpPr>
+          <p:cNvPr id="50" name="Rectangle 49">
+            <a:extLst>
+              <a:ext uri="{FF2B5EF4-FFF2-40B4-BE49-F238E27FC236}">
+                <a16:creationId xmlns:a16="http://schemas.microsoft.com/office/drawing/2014/main" id="{173249FF-85DE-452C-A176-339369DE2738}"/>
+              </a:ext>
+            </a:extLst>
+          </p:cNvPr>
+          <p:cNvSpPr/>
+          <p:nvPr/>
+        </p:nvSpPr>
+        <p:spPr>
+          <a:xfrm>
+            <a:off x="6557171" y="2541451"/>
+            <a:ext cx="4139319" cy="253144"/>
+          </a:xfrm>
+          <a:prstGeom prst="rect">
+            <a:avLst/>
+          </a:prstGeom>
+          <a:solidFill>
+            <a:schemeClr val="accent4">
+              <a:lumMod val="20000"/>
+              <a:lumOff val="80000"/>
+            </a:schemeClr>
+          </a:solidFill>
+        </p:spPr>
+        <p:style>
+          <a:lnRef idx="2">
+            <a:schemeClr val="accent1">
+              <a:shade val="50000"/>
+            </a:schemeClr>
+          </a:lnRef>
+          <a:fillRef idx="1">
+            <a:schemeClr val="accent1"/>
+          </a:fillRef>
+          <a:effectRef idx="0">
+            <a:schemeClr val="accent1"/>
+          </a:effectRef>
+          <a:fontRef idx="minor">
+            <a:schemeClr val="lt1"/>
+          </a:fontRef>
+        </p:style>
+        <p:txBody>
+          <a:bodyPr rtlCol="0" anchor="ctr"/>
+          <a:lstStyle/>
+          <a:p>
+            <a:pPr algn="ctr"/>
+            <a:endParaRPr lang="en-US"/>
+          </a:p>
+        </p:txBody>
+      </p:sp>
+      <p:sp>
+        <p:nvSpPr>
+          <p:cNvPr id="51" name="Rectangle 50">
+            <a:extLst>
+              <a:ext uri="{FF2B5EF4-FFF2-40B4-BE49-F238E27FC236}">
+                <a16:creationId xmlns:a16="http://schemas.microsoft.com/office/drawing/2014/main" id="{8880FE6B-3E44-40AD-A985-99EF68FDBF24}"/>
+              </a:ext>
+            </a:extLst>
+          </p:cNvPr>
+          <p:cNvSpPr/>
+          <p:nvPr/>
+        </p:nvSpPr>
+        <p:spPr>
+          <a:xfrm>
+            <a:off x="6557171" y="2927190"/>
+            <a:ext cx="4139319" cy="253144"/>
+          </a:xfrm>
+          <a:prstGeom prst="rect">
+            <a:avLst/>
+          </a:prstGeom>
+          <a:solidFill>
+            <a:schemeClr val="accent4">
+              <a:lumMod val="20000"/>
+              <a:lumOff val="80000"/>
+            </a:schemeClr>
+          </a:solidFill>
+        </p:spPr>
+        <p:style>
+          <a:lnRef idx="2">
+            <a:schemeClr val="accent1">
+              <a:shade val="50000"/>
+            </a:schemeClr>
+          </a:lnRef>
+          <a:fillRef idx="1">
+            <a:schemeClr val="accent1"/>
+          </a:fillRef>
+          <a:effectRef idx="0">
+            <a:schemeClr val="accent1"/>
+          </a:effectRef>
+          <a:fontRef idx="minor">
+            <a:schemeClr val="lt1"/>
+          </a:fontRef>
+        </p:style>
+        <p:txBody>
+          <a:bodyPr rtlCol="0" anchor="ctr"/>
+          <a:lstStyle/>
+          <a:p>
+            <a:pPr algn="ctr"/>
+            <a:endParaRPr lang="en-US"/>
+          </a:p>
+        </p:txBody>
+      </p:sp>
+      <p:sp>
+        <p:nvSpPr>
+          <p:cNvPr id="54" name="Rectangle 53">
+            <a:extLst>
+              <a:ext uri="{FF2B5EF4-FFF2-40B4-BE49-F238E27FC236}">
+                <a16:creationId xmlns:a16="http://schemas.microsoft.com/office/drawing/2014/main" id="{47735647-2AA2-4711-9C0C-68D179ED5C76}"/>
+              </a:ext>
+            </a:extLst>
+          </p:cNvPr>
+          <p:cNvSpPr/>
+          <p:nvPr/>
+        </p:nvSpPr>
+        <p:spPr>
+          <a:xfrm>
+            <a:off x="1696277" y="4547097"/>
+            <a:ext cx="4139319" cy="424085"/>
+          </a:xfrm>
+          <a:prstGeom prst="rect">
+            <a:avLst/>
+          </a:prstGeom>
+          <a:solidFill>
+            <a:schemeClr val="accent4">
+              <a:lumMod val="20000"/>
+              <a:lumOff val="80000"/>
+            </a:schemeClr>
+          </a:solidFill>
+        </p:spPr>
+        <p:style>
+          <a:lnRef idx="2">
+            <a:schemeClr val="accent1">
+              <a:shade val="50000"/>
+            </a:schemeClr>
+          </a:lnRef>
+          <a:fillRef idx="1">
+            <a:schemeClr val="accent1"/>
+          </a:fillRef>
+          <a:effectRef idx="0">
+            <a:schemeClr val="accent1"/>
+          </a:effectRef>
+          <a:fontRef idx="minor">
+            <a:schemeClr val="lt1"/>
+          </a:fontRef>
+        </p:style>
+        <p:txBody>
+          <a:bodyPr rtlCol="0" anchor="ctr"/>
+          <a:lstStyle/>
+          <a:p>
+            <a:pPr algn="ctr"/>
+            <a:endParaRPr lang="en-US"/>
+          </a:p>
+        </p:txBody>
+      </p:sp>
+      <p:sp>
+        <p:nvSpPr>
+          <p:cNvPr id="57" name="Rectangle 56">
+            <a:extLst>
+              <a:ext uri="{FF2B5EF4-FFF2-40B4-BE49-F238E27FC236}">
+                <a16:creationId xmlns:a16="http://schemas.microsoft.com/office/drawing/2014/main" id="{7A265BD6-1475-4765-8E3B-4F031AA30BD6}"/>
+              </a:ext>
+            </a:extLst>
+          </p:cNvPr>
+          <p:cNvSpPr/>
+          <p:nvPr/>
+        </p:nvSpPr>
+        <p:spPr>
+          <a:xfrm>
+            <a:off x="1696277" y="5501034"/>
+            <a:ext cx="4139319" cy="424085"/>
+          </a:xfrm>
+          <a:prstGeom prst="rect">
+            <a:avLst/>
+          </a:prstGeom>
+          <a:solidFill>
+            <a:schemeClr val="accent4">
+              <a:lumMod val="20000"/>
+              <a:lumOff val="80000"/>
+            </a:schemeClr>
+          </a:solidFill>
+        </p:spPr>
+        <p:style>
+          <a:lnRef idx="2">
+            <a:schemeClr val="accent1">
+              <a:shade val="50000"/>
+            </a:schemeClr>
+          </a:lnRef>
+          <a:fillRef idx="1">
+            <a:schemeClr val="accent1"/>
+          </a:fillRef>
+          <a:effectRef idx="0">
+            <a:schemeClr val="accent1"/>
+          </a:effectRef>
+          <a:fontRef idx="minor">
+            <a:schemeClr val="lt1"/>
+          </a:fontRef>
+        </p:style>
+        <p:txBody>
+          <a:bodyPr rtlCol="0" anchor="ctr"/>
+          <a:lstStyle/>
+          <a:p>
+            <a:pPr algn="ctr"/>
+            <a:endParaRPr lang="en-US"/>
+          </a:p>
+        </p:txBody>
+      </p:sp>
+      <p:sp>
+        <p:nvSpPr>
+          <p:cNvPr id="58" name="Rectangle 57">
+            <a:extLst>
+              <a:ext uri="{FF2B5EF4-FFF2-40B4-BE49-F238E27FC236}">
+                <a16:creationId xmlns:a16="http://schemas.microsoft.com/office/drawing/2014/main" id="{1EB2AE04-4972-4EC2-873F-A89AE22EEA48}"/>
+              </a:ext>
+            </a:extLst>
+          </p:cNvPr>
+          <p:cNvSpPr/>
+          <p:nvPr/>
+        </p:nvSpPr>
+        <p:spPr>
+          <a:xfrm>
+            <a:off x="1696277" y="5024065"/>
+            <a:ext cx="4139319" cy="424085"/>
+          </a:xfrm>
+          <a:prstGeom prst="rect">
+            <a:avLst/>
+          </a:prstGeom>
+          <a:solidFill>
+            <a:schemeClr val="accent4">
+              <a:lumMod val="20000"/>
+              <a:lumOff val="80000"/>
+            </a:schemeClr>
+          </a:solidFill>
+        </p:spPr>
+        <p:style>
+          <a:lnRef idx="2">
+            <a:schemeClr val="accent1">
+              <a:shade val="50000"/>
+            </a:schemeClr>
+          </a:lnRef>
+          <a:fillRef idx="1">
+            <a:schemeClr val="accent1"/>
+          </a:fillRef>
+          <a:effectRef idx="0">
+            <a:schemeClr val="accent1"/>
+          </a:effectRef>
+          <a:fontRef idx="minor">
+            <a:schemeClr val="lt1"/>
+          </a:fontRef>
+        </p:style>
+        <p:txBody>
+          <a:bodyPr rtlCol="0" anchor="ctr"/>
+          <a:lstStyle/>
+          <a:p>
+            <a:pPr algn="ctr"/>
+            <a:endParaRPr lang="en-US"/>
+          </a:p>
+        </p:txBody>
+      </p:sp>
+      <p:sp>
+        <p:nvSpPr>
+          <p:cNvPr id="59" name="Rectangle 58">
+            <a:extLst>
+              <a:ext uri="{FF2B5EF4-FFF2-40B4-BE49-F238E27FC236}">
+                <a16:creationId xmlns:a16="http://schemas.microsoft.com/office/drawing/2014/main" id="{D7DDE458-DC17-4E44-8368-3A49DE6FACF3}"/>
+              </a:ext>
+            </a:extLst>
+          </p:cNvPr>
+          <p:cNvSpPr/>
+          <p:nvPr/>
+        </p:nvSpPr>
+        <p:spPr>
+          <a:xfrm>
+            <a:off x="6556177" y="4547097"/>
+            <a:ext cx="4139319" cy="424085"/>
+          </a:xfrm>
+          <a:prstGeom prst="rect">
+            <a:avLst/>
+          </a:prstGeom>
+          <a:solidFill>
+            <a:schemeClr val="accent4">
+              <a:lumMod val="20000"/>
+              <a:lumOff val="80000"/>
+            </a:schemeClr>
+          </a:solidFill>
+        </p:spPr>
+        <p:style>
+          <a:lnRef idx="2">
+            <a:schemeClr val="accent1">
+              <a:shade val="50000"/>
+            </a:schemeClr>
+          </a:lnRef>
+          <a:fillRef idx="1">
+            <a:schemeClr val="accent1"/>
+          </a:fillRef>
+          <a:effectRef idx="0">
+            <a:schemeClr val="accent1"/>
+          </a:effectRef>
+          <a:fontRef idx="minor">
+            <a:schemeClr val="lt1"/>
+          </a:fontRef>
+        </p:style>
+        <p:txBody>
+          <a:bodyPr rtlCol="0" anchor="ctr"/>
+          <a:lstStyle/>
+          <a:p>
+            <a:pPr algn="ctr"/>
+            <a:endParaRPr lang="en-US"/>
+          </a:p>
+        </p:txBody>
+      </p:sp>
+      <p:sp>
+        <p:nvSpPr>
+          <p:cNvPr id="60" name="Rectangle 59">
+            <a:extLst>
+              <a:ext uri="{FF2B5EF4-FFF2-40B4-BE49-F238E27FC236}">
+                <a16:creationId xmlns:a16="http://schemas.microsoft.com/office/drawing/2014/main" id="{7A1EA7EC-A4B1-4221-BCAB-18148116FBD0}"/>
+              </a:ext>
+            </a:extLst>
+          </p:cNvPr>
+          <p:cNvSpPr/>
+          <p:nvPr/>
+        </p:nvSpPr>
+        <p:spPr>
+          <a:xfrm>
+            <a:off x="6552198" y="5024065"/>
+            <a:ext cx="4139319" cy="424085"/>
+          </a:xfrm>
+          <a:prstGeom prst="rect">
+            <a:avLst/>
+          </a:prstGeom>
+          <a:solidFill>
+            <a:schemeClr val="accent4">
+              <a:lumMod val="20000"/>
+              <a:lumOff val="80000"/>
+            </a:schemeClr>
+          </a:solidFill>
+        </p:spPr>
+        <p:style>
+          <a:lnRef idx="2">
+            <a:schemeClr val="accent1">
+              <a:shade val="50000"/>
+            </a:schemeClr>
+          </a:lnRef>
+          <a:fillRef idx="1">
+            <a:schemeClr val="accent1"/>
+          </a:fillRef>
+          <a:effectRef idx="0">
+            <a:schemeClr val="accent1"/>
+          </a:effectRef>
+          <a:fontRef idx="minor">
+            <a:schemeClr val="lt1"/>
+          </a:fontRef>
+        </p:style>
+        <p:txBody>
+          <a:bodyPr rtlCol="0" anchor="ctr"/>
+          <a:lstStyle/>
+          <a:p>
+            <a:pPr algn="ctr"/>
+            <a:endParaRPr lang="en-US"/>
+          </a:p>
+        </p:txBody>
+      </p:sp>
+      <p:sp>
+        <p:nvSpPr>
+          <p:cNvPr id="61" name="Rectangle 60">
+            <a:extLst>
+              <a:ext uri="{FF2B5EF4-FFF2-40B4-BE49-F238E27FC236}">
+                <a16:creationId xmlns:a16="http://schemas.microsoft.com/office/drawing/2014/main" id="{522A9B52-929A-4D3D-8704-3247C37FB01B}"/>
+              </a:ext>
+            </a:extLst>
+          </p:cNvPr>
+          <p:cNvSpPr/>
+          <p:nvPr/>
+        </p:nvSpPr>
+        <p:spPr>
+          <a:xfrm>
+            <a:off x="6552197" y="5501034"/>
+            <a:ext cx="4139319" cy="424085"/>
+          </a:xfrm>
+          <a:prstGeom prst="rect">
+            <a:avLst/>
+          </a:prstGeom>
+          <a:solidFill>
+            <a:schemeClr val="accent4">
+              <a:lumMod val="20000"/>
+              <a:lumOff val="80000"/>
+            </a:schemeClr>
+          </a:solidFill>
+        </p:spPr>
+        <p:style>
+          <a:lnRef idx="2">
+            <a:schemeClr val="accent1">
+              <a:shade val="50000"/>
+            </a:schemeClr>
+          </a:lnRef>
+          <a:fillRef idx="1">
+            <a:schemeClr val="accent1"/>
+          </a:fillRef>
+          <a:effectRef idx="0">
+            <a:schemeClr val="accent1"/>
+          </a:effectRef>
+          <a:fontRef idx="minor">
+            <a:schemeClr val="lt1"/>
+          </a:fontRef>
+        </p:style>
+        <p:txBody>
+          <a:bodyPr rtlCol="0" anchor="ctr"/>
+          <a:lstStyle/>
+          <a:p>
+            <a:pPr algn="ctr"/>
+            <a:endParaRPr lang="en-US"/>
+          </a:p>
+        </p:txBody>
+      </p:sp>
+      <p:sp>
+        <p:nvSpPr>
+          <p:cNvPr id="6" name="Rectangle 5">
+            <a:extLst>
+              <a:ext uri="{FF2B5EF4-FFF2-40B4-BE49-F238E27FC236}">
+                <a16:creationId xmlns:a16="http://schemas.microsoft.com/office/drawing/2014/main" id="{1A7B49C8-2A05-4307-976B-803062AE3E3D}"/>
+              </a:ext>
+            </a:extLst>
+          </p:cNvPr>
+          <p:cNvSpPr/>
+          <p:nvPr/>
+        </p:nvSpPr>
+        <p:spPr>
+          <a:xfrm>
+            <a:off x="6319961" y="381909"/>
+            <a:ext cx="4228769" cy="347197"/>
+          </a:xfrm>
+          <a:prstGeom prst="rect">
+            <a:avLst/>
+          </a:prstGeom>
+          <a:solidFill>
+            <a:schemeClr val="tx1">
+              <a:lumMod val="85000"/>
+              <a:lumOff val="15000"/>
+            </a:schemeClr>
+          </a:solidFill>
+        </p:spPr>
+        <p:style>
+          <a:lnRef idx="2">
+            <a:schemeClr val="accent1">
+              <a:shade val="50000"/>
+            </a:schemeClr>
+          </a:lnRef>
+          <a:fillRef idx="1">
+            <a:schemeClr val="accent1"/>
+          </a:fillRef>
+          <a:effectRef idx="0">
+            <a:schemeClr val="accent1"/>
+          </a:effectRef>
+          <a:fontRef idx="minor">
+            <a:schemeClr val="lt1"/>
+          </a:fontRef>
+        </p:style>
+        <p:txBody>
+          <a:bodyPr rtlCol="0" anchor="ctr"/>
+          <a:lstStyle/>
+          <a:p>
+            <a:pPr algn="ctr"/>
+            <a:endParaRPr lang="en-US"/>
+          </a:p>
+        </p:txBody>
+      </p:sp>
+      <p:sp>
+        <p:nvSpPr>
+          <p:cNvPr id="3" name="TextBox 2">
+            <a:extLst>
+              <a:ext uri="{FF2B5EF4-FFF2-40B4-BE49-F238E27FC236}">
+                <a16:creationId xmlns:a16="http://schemas.microsoft.com/office/drawing/2014/main" id="{EF9F6498-0BC4-4156-8DF8-70CC3769B131}"/>
               </a:ext>
             </a:extLst>
           </p:cNvPr>
@@ -4385,13 +8968,16 @@
         </p:nvSpPr>
         <p:spPr>
           <a:xfrm>
-            <a:off x="1232452" y="622578"/>
-            <a:ext cx="2202512" cy="369332"/>
+            <a:off x="6366340" y="381909"/>
+            <a:ext cx="4446106" cy="369332"/>
           </a:xfrm>
           <a:prstGeom prst="rect">
             <a:avLst/>
           </a:prstGeom>
           <a:noFill/>
+          <a:ln>
+            <a:noFill/>
+          </a:ln>
         </p:spPr>
         <p:txBody>
           <a:bodyPr wrap="square" rtlCol="0">
@@ -4400,411 +8986,2331 @@
           <a:lstStyle/>
           <a:p>
             <a:r>
+              <a:rPr lang="en-US" dirty="0">
+                <a:solidFill>
+                  <a:schemeClr val="tx2">
+                    <a:lumMod val="40000"/>
+                    <a:lumOff val="60000"/>
+                  </a:schemeClr>
+                </a:solidFill>
+                <a:latin typeface="Aharoni" panose="02010803020104030203" pitchFamily="2" charset="-79"/>
+                <a:cs typeface="Aharoni" panose="02010803020104030203" pitchFamily="2" charset="-79"/>
+              </a:rPr>
+              <a:t>Container &gt; </a:t>
+            </a:r>
+            <a:r>
+              <a:rPr lang="en-US" dirty="0">
+                <a:solidFill>
+                  <a:schemeClr val="accent1">
+                    <a:lumMod val="40000"/>
+                    <a:lumOff val="60000"/>
+                  </a:schemeClr>
+                </a:solidFill>
+                <a:latin typeface="Aharoni" panose="02010803020104030203" pitchFamily="2" charset="-79"/>
+                <a:cs typeface="Aharoni" panose="02010803020104030203" pitchFamily="2" charset="-79"/>
+              </a:rPr>
+              <a:t>window &gt; </a:t>
+            </a:r>
+            <a:r>
+              <a:rPr lang="en-US" dirty="0">
+                <a:solidFill>
+                  <a:srgbClr val="92D050"/>
+                </a:solidFill>
+                <a:latin typeface="Aharoni" panose="02010803020104030203" pitchFamily="2" charset="-79"/>
+                <a:cs typeface="Aharoni" panose="02010803020104030203" pitchFamily="2" charset="-79"/>
+              </a:rPr>
+              <a:t>bucket &gt;</a:t>
+            </a:r>
+            <a:r>
+              <a:rPr lang="en-US" dirty="0">
+                <a:solidFill>
+                  <a:schemeClr val="accent1">
+                    <a:lumMod val="40000"/>
+                    <a:lumOff val="60000"/>
+                  </a:schemeClr>
+                </a:solidFill>
+                <a:latin typeface="Aharoni" panose="02010803020104030203" pitchFamily="2" charset="-79"/>
+                <a:cs typeface="Aharoni" panose="02010803020104030203" pitchFamily="2" charset="-79"/>
+              </a:rPr>
+              <a:t> </a:t>
+            </a:r>
+            <a:r>
+              <a:rPr lang="en-US" dirty="0">
+                <a:solidFill>
+                  <a:schemeClr val="accent6">
+                    <a:lumMod val="60000"/>
+                    <a:lumOff val="40000"/>
+                  </a:schemeClr>
+                </a:solidFill>
+                <a:latin typeface="Aharoni" panose="02010803020104030203" pitchFamily="2" charset="-79"/>
+                <a:cs typeface="Aharoni" panose="02010803020104030203" pitchFamily="2" charset="-79"/>
+              </a:rPr>
+              <a:t>item</a:t>
+            </a:r>
+            <a:r>
+              <a:rPr lang="en-US" dirty="0">
+                <a:solidFill>
+                  <a:schemeClr val="accent3">
+                    <a:lumMod val="60000"/>
+                    <a:lumOff val="40000"/>
+                  </a:schemeClr>
+                </a:solidFill>
+                <a:latin typeface="Aharoni" panose="02010803020104030203" pitchFamily="2" charset="-79"/>
+                <a:cs typeface="Aharoni" panose="02010803020104030203" pitchFamily="2" charset="-79"/>
+              </a:rPr>
+              <a:t> </a:t>
+            </a:r>
+            <a:r>
+              <a:rPr lang="en-US" dirty="0">
+                <a:solidFill>
+                  <a:schemeClr val="accent1">
+                    <a:lumMod val="40000"/>
+                    <a:lumOff val="60000"/>
+                  </a:schemeClr>
+                </a:solidFill>
+                <a:latin typeface="Aharoni" panose="02010803020104030203" pitchFamily="2" charset="-79"/>
+                <a:cs typeface="Aharoni" panose="02010803020104030203" pitchFamily="2" charset="-79"/>
+              </a:rPr>
+              <a:t> </a:t>
+            </a:r>
+          </a:p>
+        </p:txBody>
+      </p:sp>
+    </p:spTree>
+    <p:extLst>
+      <p:ext uri="{BB962C8B-B14F-4D97-AF65-F5344CB8AC3E}">
+        <p14:creationId xmlns:p14="http://schemas.microsoft.com/office/powerpoint/2010/main" val="1297643870"/>
+      </p:ext>
+    </p:extLst>
+  </p:cSld>
+  <p:clrMapOvr>
+    <a:masterClrMapping/>
+  </p:clrMapOvr>
+</p:sld>
+</file>
+
+<file path=ppt/slides/slide8.xml><?xml version="1.0" encoding="utf-8"?>
+<p:sld xmlns:a="http://schemas.openxmlformats.org/drawingml/2006/main" xmlns:r="http://schemas.openxmlformats.org/officeDocument/2006/relationships" xmlns:p="http://schemas.openxmlformats.org/presentationml/2006/main">
+  <p:cSld>
+    <p:spTree>
+      <p:nvGrpSpPr>
+        <p:cNvPr id="1" name=""/>
+        <p:cNvGrpSpPr/>
+        <p:nvPr/>
+      </p:nvGrpSpPr>
+      <p:grpSpPr>
+        <a:xfrm>
+          <a:off x="0" y="0"/>
+          <a:ext cx="0" cy="0"/>
+          <a:chOff x="0" y="0"/>
+          <a:chExt cx="0" cy="0"/>
+        </a:xfrm>
+      </p:grpSpPr>
+      <p:sp>
+        <p:nvSpPr>
+          <p:cNvPr id="2" name="직사각형 1">
+            <a:extLst>
+              <a:ext uri="{FF2B5EF4-FFF2-40B4-BE49-F238E27FC236}">
+                <a16:creationId xmlns:a16="http://schemas.microsoft.com/office/drawing/2014/main" id="{EA6574B4-C1D6-43CD-A15C-06CDBE8E388E}"/>
+              </a:ext>
+            </a:extLst>
+          </p:cNvPr>
+          <p:cNvSpPr/>
+          <p:nvPr/>
+        </p:nvSpPr>
+        <p:spPr>
+          <a:xfrm>
+            <a:off x="1288112" y="1033670"/>
+            <a:ext cx="9867568" cy="5353878"/>
+          </a:xfrm>
+          <a:prstGeom prst="rect">
+            <a:avLst/>
+          </a:prstGeom>
+          <a:solidFill>
+            <a:schemeClr val="tx2">
+              <a:lumMod val="20000"/>
+              <a:lumOff val="80000"/>
+            </a:schemeClr>
+          </a:solidFill>
+        </p:spPr>
+        <p:style>
+          <a:lnRef idx="2">
+            <a:schemeClr val="accent1">
+              <a:shade val="50000"/>
+            </a:schemeClr>
+          </a:lnRef>
+          <a:fillRef idx="1">
+            <a:schemeClr val="accent1"/>
+          </a:fillRef>
+          <a:effectRef idx="0">
+            <a:schemeClr val="accent1"/>
+          </a:effectRef>
+          <a:fontRef idx="minor">
+            <a:schemeClr val="lt1"/>
+          </a:fontRef>
+        </p:style>
+        <p:txBody>
+          <a:bodyPr rtlCol="0" anchor="ctr"/>
+          <a:lstStyle/>
+          <a:p>
+            <a:pPr algn="ctr"/>
+            <a:endParaRPr lang="ko-KR" altLang="en-US"/>
+          </a:p>
+        </p:txBody>
+      </p:sp>
+      <p:sp>
+        <p:nvSpPr>
+          <p:cNvPr id="11" name="TextBox 10">
+            <a:extLst>
+              <a:ext uri="{FF2B5EF4-FFF2-40B4-BE49-F238E27FC236}">
+                <a16:creationId xmlns:a16="http://schemas.microsoft.com/office/drawing/2014/main" id="{3399C9C2-9F3F-4380-9B2A-1062383F5415}"/>
+              </a:ext>
+            </a:extLst>
+          </p:cNvPr>
+          <p:cNvSpPr txBox="1"/>
+          <p:nvPr/>
+        </p:nvSpPr>
+        <p:spPr>
+          <a:xfrm>
+            <a:off x="1232452" y="601766"/>
+            <a:ext cx="5857461" cy="461665"/>
+          </a:xfrm>
+          <a:prstGeom prst="rect">
+            <a:avLst/>
+          </a:prstGeom>
+          <a:noFill/>
+        </p:spPr>
+        <p:txBody>
+          <a:bodyPr wrap="square" rtlCol="0">
+            <a:spAutoFit/>
+          </a:bodyPr>
+          <a:lstStyle/>
+          <a:p>
+            <a:r>
+              <a:rPr lang="en-US" altLang="ko-KR" sz="2400" dirty="0">
+                <a:latin typeface="Aharoni" panose="020B0604020202020204" pitchFamily="2" charset="-79"/>
+                <a:cs typeface="Aharoni" panose="020B0604020202020204" pitchFamily="2" charset="-79"/>
+              </a:rPr>
+              <a:t>CSS Frame(Flexbox version)</a:t>
+            </a:r>
+            <a:endParaRPr lang="ko-KR" altLang="en-US" sz="2400" dirty="0">
+              <a:latin typeface="Aharoni" panose="020B0604020202020204" pitchFamily="2" charset="-79"/>
+              <a:cs typeface="Aharoni" panose="020B0604020202020204" pitchFamily="2" charset="-79"/>
+            </a:endParaRPr>
+          </a:p>
+        </p:txBody>
+      </p:sp>
+      <p:sp>
+        <p:nvSpPr>
+          <p:cNvPr id="4" name="TextBox 3">
+            <a:extLst>
+              <a:ext uri="{FF2B5EF4-FFF2-40B4-BE49-F238E27FC236}">
+                <a16:creationId xmlns:a16="http://schemas.microsoft.com/office/drawing/2014/main" id="{5425E246-3C32-42D7-8B6F-B72DB82E7128}"/>
+              </a:ext>
+            </a:extLst>
+          </p:cNvPr>
+          <p:cNvSpPr txBox="1"/>
+          <p:nvPr/>
+        </p:nvSpPr>
+        <p:spPr>
+          <a:xfrm>
+            <a:off x="1232452" y="6474551"/>
+            <a:ext cx="11966713" cy="369332"/>
+          </a:xfrm>
+          <a:prstGeom prst="rect">
+            <a:avLst/>
+          </a:prstGeom>
+          <a:noFill/>
+        </p:spPr>
+        <p:txBody>
+          <a:bodyPr wrap="square" rtlCol="0">
+            <a:spAutoFit/>
+          </a:bodyPr>
+          <a:lstStyle/>
+          <a:p>
+            <a:r>
+              <a:rPr lang="en-US" dirty="0"/>
+              <a:t>I</a:t>
+            </a:r>
+            <a:r>
+              <a:rPr lang="ko-KR" altLang="en-US" dirty="0"/>
+              <a:t> </a:t>
+            </a:r>
+            <a:r>
               <a:rPr lang="en-US" altLang="ko-KR" dirty="0"/>
-              <a:t>Grid</a:t>
-            </a:r>
-            <a:endParaRPr lang="ko-KR" altLang="en-US" dirty="0"/>
-          </a:p>
-        </p:txBody>
-      </p:sp>
-      <p:cxnSp>
-        <p:nvCxnSpPr>
-          <p:cNvPr id="18" name="직선 연결선 17">
-            <a:extLst>
-              <a:ext uri="{FF2B5EF4-FFF2-40B4-BE49-F238E27FC236}">
-                <a16:creationId xmlns:a16="http://schemas.microsoft.com/office/drawing/2014/main" id="{2AB87B2E-F9B4-4A53-92A2-AE8D64EAD308}"/>
-              </a:ext>
-            </a:extLst>
-          </p:cNvPr>
-          <p:cNvCxnSpPr/>
-          <p:nvPr/>
-        </p:nvCxnSpPr>
-        <p:spPr>
-          <a:xfrm>
-            <a:off x="1355698" y="1701579"/>
-            <a:ext cx="4866198" cy="0"/>
-          </a:xfrm>
-          <a:prstGeom prst="line">
-            <a:avLst/>
-          </a:prstGeom>
+              <a:t>spend</a:t>
+            </a:r>
+            <a:r>
+              <a:rPr lang="ko-KR" altLang="en-US" dirty="0"/>
+              <a:t> </a:t>
+            </a:r>
+            <a:r>
+              <a:rPr lang="en-US" altLang="ko-KR" dirty="0"/>
+              <a:t>lots time to find a frame.</a:t>
+            </a:r>
+            <a:endParaRPr lang="en-US" dirty="0"/>
+          </a:p>
+        </p:txBody>
+      </p:sp>
+      <p:sp>
+        <p:nvSpPr>
+          <p:cNvPr id="5" name="Rectangle 4">
+            <a:extLst>
+              <a:ext uri="{FF2B5EF4-FFF2-40B4-BE49-F238E27FC236}">
+                <a16:creationId xmlns:a16="http://schemas.microsoft.com/office/drawing/2014/main" id="{291D6AC7-7216-4577-94E7-1F7A0140A4F6}"/>
+              </a:ext>
+            </a:extLst>
+          </p:cNvPr>
+          <p:cNvSpPr/>
+          <p:nvPr/>
+        </p:nvSpPr>
+        <p:spPr>
+          <a:xfrm>
+            <a:off x="1484242" y="1258958"/>
+            <a:ext cx="4611757" cy="2292626"/>
+          </a:xfrm>
+          <a:prstGeom prst="rect">
+            <a:avLst/>
+          </a:prstGeom>
+          <a:solidFill>
+            <a:schemeClr val="accent1">
+              <a:lumMod val="20000"/>
+              <a:lumOff val="80000"/>
+            </a:schemeClr>
+          </a:solidFill>
+        </p:spPr>
+        <p:style>
+          <a:lnRef idx="2">
+            <a:schemeClr val="accent1">
+              <a:shade val="50000"/>
+            </a:schemeClr>
+          </a:lnRef>
+          <a:fillRef idx="1">
+            <a:schemeClr val="accent1"/>
+          </a:fillRef>
+          <a:effectRef idx="0">
+            <a:schemeClr val="accent1"/>
+          </a:effectRef>
+          <a:fontRef idx="minor">
+            <a:schemeClr val="lt1"/>
+          </a:fontRef>
+        </p:style>
+        <p:txBody>
+          <a:bodyPr rtlCol="0" anchor="ctr"/>
+          <a:lstStyle/>
+          <a:p>
+            <a:pPr algn="ctr"/>
+            <a:endParaRPr lang="en-US"/>
+          </a:p>
+        </p:txBody>
+      </p:sp>
+      <p:sp>
+        <p:nvSpPr>
+          <p:cNvPr id="22" name="Rectangle 21">
+            <a:extLst>
+              <a:ext uri="{FF2B5EF4-FFF2-40B4-BE49-F238E27FC236}">
+                <a16:creationId xmlns:a16="http://schemas.microsoft.com/office/drawing/2014/main" id="{8A8A9474-E90A-463D-AC1C-4F2401D75648}"/>
+              </a:ext>
+            </a:extLst>
+          </p:cNvPr>
+          <p:cNvSpPr/>
+          <p:nvPr/>
+        </p:nvSpPr>
+        <p:spPr>
+          <a:xfrm>
+            <a:off x="6319961" y="1258958"/>
+            <a:ext cx="4611757" cy="2292626"/>
+          </a:xfrm>
+          <a:prstGeom prst="rect">
+            <a:avLst/>
+          </a:prstGeom>
+          <a:solidFill>
+            <a:schemeClr val="accent1">
+              <a:lumMod val="20000"/>
+              <a:lumOff val="80000"/>
+            </a:schemeClr>
+          </a:solidFill>
+        </p:spPr>
+        <p:style>
+          <a:lnRef idx="2">
+            <a:schemeClr val="accent1">
+              <a:shade val="50000"/>
+            </a:schemeClr>
+          </a:lnRef>
+          <a:fillRef idx="1">
+            <a:schemeClr val="accent1"/>
+          </a:fillRef>
+          <a:effectRef idx="0">
+            <a:schemeClr val="accent1"/>
+          </a:effectRef>
+          <a:fontRef idx="minor">
+            <a:schemeClr val="lt1"/>
+          </a:fontRef>
+        </p:style>
+        <p:txBody>
+          <a:bodyPr rtlCol="0" anchor="ctr"/>
+          <a:lstStyle/>
+          <a:p>
+            <a:pPr algn="ctr"/>
+            <a:endParaRPr lang="en-US"/>
+          </a:p>
+        </p:txBody>
+      </p:sp>
+      <p:sp>
+        <p:nvSpPr>
+          <p:cNvPr id="27" name="Rectangle 26">
+            <a:extLst>
+              <a:ext uri="{FF2B5EF4-FFF2-40B4-BE49-F238E27FC236}">
+                <a16:creationId xmlns:a16="http://schemas.microsoft.com/office/drawing/2014/main" id="{3DAFEEC7-2628-40DE-B302-1489F67336EE}"/>
+              </a:ext>
+            </a:extLst>
+          </p:cNvPr>
+          <p:cNvSpPr/>
+          <p:nvPr/>
+        </p:nvSpPr>
+        <p:spPr>
+          <a:xfrm>
+            <a:off x="6319961" y="3823253"/>
+            <a:ext cx="4611757" cy="2292626"/>
+          </a:xfrm>
+          <a:prstGeom prst="rect">
+            <a:avLst/>
+          </a:prstGeom>
+          <a:solidFill>
+            <a:schemeClr val="accent1">
+              <a:lumMod val="20000"/>
+              <a:lumOff val="80000"/>
+            </a:schemeClr>
+          </a:solidFill>
+        </p:spPr>
+        <p:style>
+          <a:lnRef idx="2">
+            <a:schemeClr val="accent1">
+              <a:shade val="50000"/>
+            </a:schemeClr>
+          </a:lnRef>
+          <a:fillRef idx="1">
+            <a:schemeClr val="accent1"/>
+          </a:fillRef>
+          <a:effectRef idx="0">
+            <a:schemeClr val="accent1"/>
+          </a:effectRef>
+          <a:fontRef idx="minor">
+            <a:schemeClr val="lt1"/>
+          </a:fontRef>
+        </p:style>
+        <p:txBody>
+          <a:bodyPr rtlCol="0" anchor="ctr"/>
+          <a:lstStyle/>
+          <a:p>
+            <a:pPr algn="ctr"/>
+            <a:endParaRPr lang="en-US"/>
+          </a:p>
+        </p:txBody>
+      </p:sp>
+      <p:sp>
+        <p:nvSpPr>
+          <p:cNvPr id="29" name="Rectangle 28">
+            <a:extLst>
+              <a:ext uri="{FF2B5EF4-FFF2-40B4-BE49-F238E27FC236}">
+                <a16:creationId xmlns:a16="http://schemas.microsoft.com/office/drawing/2014/main" id="{04C37548-796A-495A-857B-A1B8592B6A62}"/>
+              </a:ext>
+            </a:extLst>
+          </p:cNvPr>
+          <p:cNvSpPr/>
+          <p:nvPr/>
+        </p:nvSpPr>
+        <p:spPr>
+          <a:xfrm>
+            <a:off x="1484242" y="3823253"/>
+            <a:ext cx="4611757" cy="2292626"/>
+          </a:xfrm>
+          <a:prstGeom prst="rect">
+            <a:avLst/>
+          </a:prstGeom>
+          <a:solidFill>
+            <a:schemeClr val="accent1">
+              <a:lumMod val="20000"/>
+              <a:lumOff val="80000"/>
+            </a:schemeClr>
+          </a:solidFill>
+        </p:spPr>
+        <p:style>
+          <a:lnRef idx="2">
+            <a:schemeClr val="accent1">
+              <a:shade val="50000"/>
+            </a:schemeClr>
+          </a:lnRef>
+          <a:fillRef idx="1">
+            <a:schemeClr val="accent1"/>
+          </a:fillRef>
+          <a:effectRef idx="0">
+            <a:schemeClr val="accent1"/>
+          </a:effectRef>
+          <a:fontRef idx="minor">
+            <a:schemeClr val="lt1"/>
+          </a:fontRef>
+        </p:style>
+        <p:txBody>
+          <a:bodyPr rtlCol="0" anchor="ctr"/>
+          <a:lstStyle/>
+          <a:p>
+            <a:pPr algn="ctr"/>
+            <a:endParaRPr lang="en-US"/>
+          </a:p>
+        </p:txBody>
+      </p:sp>
+      <p:sp>
+        <p:nvSpPr>
+          <p:cNvPr id="7" name="Rectangle 6">
+            <a:extLst>
+              <a:ext uri="{FF2B5EF4-FFF2-40B4-BE49-F238E27FC236}">
+                <a16:creationId xmlns:a16="http://schemas.microsoft.com/office/drawing/2014/main" id="{D23287AC-6A38-4DB8-90DA-CE63FE28FFC0}"/>
+              </a:ext>
+            </a:extLst>
+          </p:cNvPr>
+          <p:cNvSpPr/>
+          <p:nvPr/>
+        </p:nvSpPr>
+        <p:spPr>
+          <a:xfrm>
+            <a:off x="1603511" y="1417984"/>
+            <a:ext cx="4373217" cy="371059"/>
+          </a:xfrm>
+          <a:prstGeom prst="rect">
+            <a:avLst/>
+          </a:prstGeom>
+          <a:solidFill>
+            <a:schemeClr val="accent3">
+              <a:lumMod val="40000"/>
+              <a:lumOff val="60000"/>
+            </a:schemeClr>
+          </a:solidFill>
+        </p:spPr>
+        <p:style>
+          <a:lnRef idx="2">
+            <a:schemeClr val="accent1">
+              <a:shade val="50000"/>
+            </a:schemeClr>
+          </a:lnRef>
+          <a:fillRef idx="1">
+            <a:schemeClr val="accent1"/>
+          </a:fillRef>
+          <a:effectRef idx="0">
+            <a:schemeClr val="accent1"/>
+          </a:effectRef>
+          <a:fontRef idx="minor">
+            <a:schemeClr val="lt1"/>
+          </a:fontRef>
+        </p:style>
+        <p:txBody>
+          <a:bodyPr rtlCol="0" anchor="ctr"/>
+          <a:lstStyle/>
+          <a:p>
+            <a:pPr algn="ctr"/>
+            <a:endParaRPr lang="en-US"/>
+          </a:p>
+        </p:txBody>
+      </p:sp>
+      <p:sp>
+        <p:nvSpPr>
+          <p:cNvPr id="30" name="Rectangle 29">
+            <a:extLst>
+              <a:ext uri="{FF2B5EF4-FFF2-40B4-BE49-F238E27FC236}">
+                <a16:creationId xmlns:a16="http://schemas.microsoft.com/office/drawing/2014/main" id="{3C3E604B-ED15-4560-90DB-451820C8C847}"/>
+              </a:ext>
+            </a:extLst>
+          </p:cNvPr>
+          <p:cNvSpPr/>
+          <p:nvPr/>
+        </p:nvSpPr>
+        <p:spPr>
+          <a:xfrm>
+            <a:off x="1603511" y="1948069"/>
+            <a:ext cx="4373217" cy="1480931"/>
+          </a:xfrm>
+          <a:prstGeom prst="rect">
+            <a:avLst/>
+          </a:prstGeom>
+          <a:solidFill>
+            <a:schemeClr val="accent3">
+              <a:lumMod val="40000"/>
+              <a:lumOff val="60000"/>
+            </a:schemeClr>
+          </a:solidFill>
+        </p:spPr>
+        <p:style>
+          <a:lnRef idx="2">
+            <a:schemeClr val="accent1">
+              <a:shade val="50000"/>
+            </a:schemeClr>
+          </a:lnRef>
+          <a:fillRef idx="1">
+            <a:schemeClr val="accent1"/>
+          </a:fillRef>
+          <a:effectRef idx="0">
+            <a:schemeClr val="accent1"/>
+          </a:effectRef>
+          <a:fontRef idx="minor">
+            <a:schemeClr val="lt1"/>
+          </a:fontRef>
+        </p:style>
+        <p:txBody>
+          <a:bodyPr rtlCol="0" anchor="ctr"/>
+          <a:lstStyle/>
+          <a:p>
+            <a:pPr algn="ctr"/>
+            <a:endParaRPr lang="en-US"/>
+          </a:p>
+        </p:txBody>
+      </p:sp>
+      <p:sp>
+        <p:nvSpPr>
+          <p:cNvPr id="31" name="Rectangle 30">
+            <a:extLst>
+              <a:ext uri="{FF2B5EF4-FFF2-40B4-BE49-F238E27FC236}">
+                <a16:creationId xmlns:a16="http://schemas.microsoft.com/office/drawing/2014/main" id="{75ABC3A9-CFA6-44FC-9205-9EAFFA001A71}"/>
+              </a:ext>
+            </a:extLst>
+          </p:cNvPr>
+          <p:cNvSpPr/>
+          <p:nvPr/>
+        </p:nvSpPr>
+        <p:spPr>
+          <a:xfrm>
+            <a:off x="6439230" y="1417984"/>
+            <a:ext cx="4373217" cy="371059"/>
+          </a:xfrm>
+          <a:prstGeom prst="rect">
+            <a:avLst/>
+          </a:prstGeom>
+          <a:solidFill>
+            <a:schemeClr val="accent3">
+              <a:lumMod val="40000"/>
+              <a:lumOff val="60000"/>
+            </a:schemeClr>
+          </a:solidFill>
+        </p:spPr>
+        <p:style>
+          <a:lnRef idx="2">
+            <a:schemeClr val="accent1">
+              <a:shade val="50000"/>
+            </a:schemeClr>
+          </a:lnRef>
+          <a:fillRef idx="1">
+            <a:schemeClr val="accent1"/>
+          </a:fillRef>
+          <a:effectRef idx="0">
+            <a:schemeClr val="accent1"/>
+          </a:effectRef>
+          <a:fontRef idx="minor">
+            <a:schemeClr val="lt1"/>
+          </a:fontRef>
+        </p:style>
+        <p:txBody>
+          <a:bodyPr rtlCol="0" anchor="ctr"/>
+          <a:lstStyle/>
+          <a:p>
+            <a:pPr algn="ctr"/>
+            <a:endParaRPr lang="en-US"/>
+          </a:p>
+        </p:txBody>
+      </p:sp>
+      <p:sp>
+        <p:nvSpPr>
+          <p:cNvPr id="32" name="Rectangle 31">
+            <a:extLst>
+              <a:ext uri="{FF2B5EF4-FFF2-40B4-BE49-F238E27FC236}">
+                <a16:creationId xmlns:a16="http://schemas.microsoft.com/office/drawing/2014/main" id="{F29DFCFD-E263-4EE5-996E-892056C0D4A9}"/>
+              </a:ext>
+            </a:extLst>
+          </p:cNvPr>
+          <p:cNvSpPr/>
+          <p:nvPr/>
+        </p:nvSpPr>
+        <p:spPr>
+          <a:xfrm>
+            <a:off x="6439229" y="1948068"/>
+            <a:ext cx="4373217" cy="1480931"/>
+          </a:xfrm>
+          <a:prstGeom prst="rect">
+            <a:avLst/>
+          </a:prstGeom>
+          <a:solidFill>
+            <a:schemeClr val="accent3">
+              <a:lumMod val="40000"/>
+              <a:lumOff val="60000"/>
+            </a:schemeClr>
+          </a:solidFill>
+        </p:spPr>
+        <p:style>
+          <a:lnRef idx="2">
+            <a:schemeClr val="accent1">
+              <a:shade val="50000"/>
+            </a:schemeClr>
+          </a:lnRef>
+          <a:fillRef idx="1">
+            <a:schemeClr val="accent1"/>
+          </a:fillRef>
+          <a:effectRef idx="0">
+            <a:schemeClr val="accent1"/>
+          </a:effectRef>
+          <a:fontRef idx="minor">
+            <a:schemeClr val="lt1"/>
+          </a:fontRef>
+        </p:style>
+        <p:txBody>
+          <a:bodyPr rtlCol="0" anchor="ctr"/>
+          <a:lstStyle/>
+          <a:p>
+            <a:pPr algn="ctr"/>
+            <a:endParaRPr lang="en-US"/>
+          </a:p>
+        </p:txBody>
+      </p:sp>
+      <p:sp>
+        <p:nvSpPr>
+          <p:cNvPr id="33" name="Rectangle 32">
+            <a:extLst>
+              <a:ext uri="{FF2B5EF4-FFF2-40B4-BE49-F238E27FC236}">
+                <a16:creationId xmlns:a16="http://schemas.microsoft.com/office/drawing/2014/main" id="{665173BF-5092-42AC-93AD-F9E36E872F9C}"/>
+              </a:ext>
+            </a:extLst>
+          </p:cNvPr>
+          <p:cNvSpPr/>
+          <p:nvPr/>
+        </p:nvSpPr>
+        <p:spPr>
+          <a:xfrm>
+            <a:off x="1603511" y="3975655"/>
+            <a:ext cx="4373217" cy="371059"/>
+          </a:xfrm>
+          <a:prstGeom prst="rect">
+            <a:avLst/>
+          </a:prstGeom>
+          <a:solidFill>
+            <a:schemeClr val="accent3">
+              <a:lumMod val="40000"/>
+              <a:lumOff val="60000"/>
+            </a:schemeClr>
+          </a:solidFill>
+        </p:spPr>
+        <p:style>
+          <a:lnRef idx="2">
+            <a:schemeClr val="accent1">
+              <a:shade val="50000"/>
+            </a:schemeClr>
+          </a:lnRef>
+          <a:fillRef idx="1">
+            <a:schemeClr val="accent1"/>
+          </a:fillRef>
+          <a:effectRef idx="0">
+            <a:schemeClr val="accent1"/>
+          </a:effectRef>
+          <a:fontRef idx="minor">
+            <a:schemeClr val="lt1"/>
+          </a:fontRef>
+        </p:style>
+        <p:txBody>
+          <a:bodyPr rtlCol="0" anchor="ctr"/>
+          <a:lstStyle/>
+          <a:p>
+            <a:pPr algn="ctr"/>
+            <a:endParaRPr lang="en-US"/>
+          </a:p>
+        </p:txBody>
+      </p:sp>
+      <p:sp>
+        <p:nvSpPr>
+          <p:cNvPr id="34" name="Rectangle 33">
+            <a:extLst>
+              <a:ext uri="{FF2B5EF4-FFF2-40B4-BE49-F238E27FC236}">
+                <a16:creationId xmlns:a16="http://schemas.microsoft.com/office/drawing/2014/main" id="{6E4AFFEB-525E-41DA-B3E2-540BABD2457E}"/>
+              </a:ext>
+            </a:extLst>
+          </p:cNvPr>
+          <p:cNvSpPr/>
+          <p:nvPr/>
+        </p:nvSpPr>
+        <p:spPr>
+          <a:xfrm>
+            <a:off x="1603511" y="4505740"/>
+            <a:ext cx="4373217" cy="1480931"/>
+          </a:xfrm>
+          <a:prstGeom prst="rect">
+            <a:avLst/>
+          </a:prstGeom>
+          <a:solidFill>
+            <a:schemeClr val="accent3">
+              <a:lumMod val="40000"/>
+              <a:lumOff val="60000"/>
+            </a:schemeClr>
+          </a:solidFill>
+        </p:spPr>
+        <p:style>
+          <a:lnRef idx="2">
+            <a:schemeClr val="accent1">
+              <a:shade val="50000"/>
+            </a:schemeClr>
+          </a:lnRef>
+          <a:fillRef idx="1">
+            <a:schemeClr val="accent1"/>
+          </a:fillRef>
+          <a:effectRef idx="0">
+            <a:schemeClr val="accent1"/>
+          </a:effectRef>
+          <a:fontRef idx="minor">
+            <a:schemeClr val="lt1"/>
+          </a:fontRef>
+        </p:style>
+        <p:txBody>
+          <a:bodyPr rtlCol="0" anchor="ctr"/>
+          <a:lstStyle/>
+          <a:p>
+            <a:pPr algn="ctr"/>
+            <a:endParaRPr lang="en-US"/>
+          </a:p>
+        </p:txBody>
+      </p:sp>
+      <p:sp>
+        <p:nvSpPr>
+          <p:cNvPr id="35" name="Rectangle 34">
+            <a:extLst>
+              <a:ext uri="{FF2B5EF4-FFF2-40B4-BE49-F238E27FC236}">
+                <a16:creationId xmlns:a16="http://schemas.microsoft.com/office/drawing/2014/main" id="{9BB72F01-EDAC-48ED-9A6F-8F61DB8F3166}"/>
+              </a:ext>
+            </a:extLst>
+          </p:cNvPr>
+          <p:cNvSpPr/>
+          <p:nvPr/>
+        </p:nvSpPr>
+        <p:spPr>
+          <a:xfrm>
+            <a:off x="6439230" y="3975656"/>
+            <a:ext cx="4373217" cy="371059"/>
+          </a:xfrm>
+          <a:prstGeom prst="rect">
+            <a:avLst/>
+          </a:prstGeom>
+          <a:solidFill>
+            <a:schemeClr val="accent3">
+              <a:lumMod val="40000"/>
+              <a:lumOff val="60000"/>
+            </a:schemeClr>
+          </a:solidFill>
+        </p:spPr>
+        <p:style>
+          <a:lnRef idx="2">
+            <a:schemeClr val="accent1">
+              <a:shade val="50000"/>
+            </a:schemeClr>
+          </a:lnRef>
+          <a:fillRef idx="1">
+            <a:schemeClr val="accent1"/>
+          </a:fillRef>
+          <a:effectRef idx="0">
+            <a:schemeClr val="accent1"/>
+          </a:effectRef>
+          <a:fontRef idx="minor">
+            <a:schemeClr val="lt1"/>
+          </a:fontRef>
+        </p:style>
+        <p:txBody>
+          <a:bodyPr rtlCol="0" anchor="ctr"/>
+          <a:lstStyle/>
+          <a:p>
+            <a:pPr algn="ctr"/>
+            <a:endParaRPr lang="en-US"/>
+          </a:p>
+        </p:txBody>
+      </p:sp>
+      <p:sp>
+        <p:nvSpPr>
+          <p:cNvPr id="36" name="Rectangle 35">
+            <a:extLst>
+              <a:ext uri="{FF2B5EF4-FFF2-40B4-BE49-F238E27FC236}">
+                <a16:creationId xmlns:a16="http://schemas.microsoft.com/office/drawing/2014/main" id="{CF09F6AA-C9FE-421D-AC85-E1DB1E446176}"/>
+              </a:ext>
+            </a:extLst>
+          </p:cNvPr>
+          <p:cNvSpPr/>
+          <p:nvPr/>
+        </p:nvSpPr>
+        <p:spPr>
+          <a:xfrm>
+            <a:off x="6439229" y="4505740"/>
+            <a:ext cx="4373217" cy="1480931"/>
+          </a:xfrm>
+          <a:prstGeom prst="rect">
+            <a:avLst/>
+          </a:prstGeom>
+          <a:solidFill>
+            <a:schemeClr val="accent3">
+              <a:lumMod val="40000"/>
+              <a:lumOff val="60000"/>
+            </a:schemeClr>
+          </a:solidFill>
+        </p:spPr>
+        <p:style>
+          <a:lnRef idx="2">
+            <a:schemeClr val="accent1">
+              <a:shade val="50000"/>
+            </a:schemeClr>
+          </a:lnRef>
+          <a:fillRef idx="1">
+            <a:schemeClr val="accent1"/>
+          </a:fillRef>
+          <a:effectRef idx="0">
+            <a:schemeClr val="accent1"/>
+          </a:effectRef>
+          <a:fontRef idx="minor">
+            <a:schemeClr val="lt1"/>
+          </a:fontRef>
+        </p:style>
+        <p:txBody>
+          <a:bodyPr rtlCol="0" anchor="ctr"/>
+          <a:lstStyle/>
+          <a:p>
+            <a:pPr algn="ctr"/>
+            <a:endParaRPr lang="en-US"/>
+          </a:p>
+        </p:txBody>
+      </p:sp>
+      <p:sp>
+        <p:nvSpPr>
+          <p:cNvPr id="12" name="Rectangle 11">
+            <a:extLst>
+              <a:ext uri="{FF2B5EF4-FFF2-40B4-BE49-F238E27FC236}">
+                <a16:creationId xmlns:a16="http://schemas.microsoft.com/office/drawing/2014/main" id="{017C07BF-5E5F-4EDF-AEDA-411CD7AAB3DD}"/>
+              </a:ext>
+            </a:extLst>
+          </p:cNvPr>
+          <p:cNvSpPr/>
+          <p:nvPr/>
+        </p:nvSpPr>
+        <p:spPr>
+          <a:xfrm>
+            <a:off x="1709529" y="1493319"/>
+            <a:ext cx="2438402" cy="237991"/>
+          </a:xfrm>
+          <a:prstGeom prst="rect">
+            <a:avLst/>
+          </a:prstGeom>
+          <a:solidFill>
+            <a:schemeClr val="accent4">
+              <a:lumMod val="20000"/>
+              <a:lumOff val="80000"/>
+            </a:schemeClr>
+          </a:solidFill>
+        </p:spPr>
+        <p:style>
+          <a:lnRef idx="2">
+            <a:schemeClr val="accent1">
+              <a:shade val="50000"/>
+            </a:schemeClr>
+          </a:lnRef>
+          <a:fillRef idx="1">
+            <a:schemeClr val="accent1"/>
+          </a:fillRef>
+          <a:effectRef idx="0">
+            <a:schemeClr val="accent1"/>
+          </a:effectRef>
+          <a:fontRef idx="minor">
+            <a:schemeClr val="lt1"/>
+          </a:fontRef>
+        </p:style>
+        <p:txBody>
+          <a:bodyPr rtlCol="0" anchor="ctr"/>
+          <a:lstStyle/>
+          <a:p>
+            <a:pPr algn="ctr"/>
+            <a:endParaRPr lang="en-US"/>
+          </a:p>
+        </p:txBody>
+      </p:sp>
+      <p:sp>
+        <p:nvSpPr>
+          <p:cNvPr id="37" name="Rectangle 36">
+            <a:extLst>
+              <a:ext uri="{FF2B5EF4-FFF2-40B4-BE49-F238E27FC236}">
+                <a16:creationId xmlns:a16="http://schemas.microsoft.com/office/drawing/2014/main" id="{84B903D8-6AF3-4195-9E15-0A4C8DB49B9D}"/>
+              </a:ext>
+            </a:extLst>
+          </p:cNvPr>
+          <p:cNvSpPr/>
+          <p:nvPr/>
+        </p:nvSpPr>
+        <p:spPr>
+          <a:xfrm>
+            <a:off x="6557172" y="1498317"/>
+            <a:ext cx="2438402" cy="237991"/>
+          </a:xfrm>
+          <a:prstGeom prst="rect">
+            <a:avLst/>
+          </a:prstGeom>
+          <a:solidFill>
+            <a:schemeClr val="accent4">
+              <a:lumMod val="20000"/>
+              <a:lumOff val="80000"/>
+            </a:schemeClr>
+          </a:solidFill>
+        </p:spPr>
+        <p:style>
+          <a:lnRef idx="2">
+            <a:schemeClr val="accent1">
+              <a:shade val="50000"/>
+            </a:schemeClr>
+          </a:lnRef>
+          <a:fillRef idx="1">
+            <a:schemeClr val="accent1"/>
+          </a:fillRef>
+          <a:effectRef idx="0">
+            <a:schemeClr val="accent1"/>
+          </a:effectRef>
+          <a:fontRef idx="minor">
+            <a:schemeClr val="lt1"/>
+          </a:fontRef>
+        </p:style>
+        <p:txBody>
+          <a:bodyPr rtlCol="0" anchor="ctr"/>
+          <a:lstStyle/>
+          <a:p>
+            <a:pPr algn="ctr"/>
+            <a:endParaRPr lang="en-US"/>
+          </a:p>
+        </p:txBody>
+      </p:sp>
+      <p:sp>
+        <p:nvSpPr>
+          <p:cNvPr id="38" name="Rectangle 37">
+            <a:extLst>
+              <a:ext uri="{FF2B5EF4-FFF2-40B4-BE49-F238E27FC236}">
+                <a16:creationId xmlns:a16="http://schemas.microsoft.com/office/drawing/2014/main" id="{23AAE71D-4A37-42DD-8305-C302455EA142}"/>
+              </a:ext>
+            </a:extLst>
+          </p:cNvPr>
+          <p:cNvSpPr/>
+          <p:nvPr/>
+        </p:nvSpPr>
+        <p:spPr>
+          <a:xfrm>
+            <a:off x="1709529" y="4037437"/>
+            <a:ext cx="2438402" cy="237991"/>
+          </a:xfrm>
+          <a:prstGeom prst="rect">
+            <a:avLst/>
+          </a:prstGeom>
+          <a:solidFill>
+            <a:schemeClr val="accent4">
+              <a:lumMod val="20000"/>
+              <a:lumOff val="80000"/>
+            </a:schemeClr>
+          </a:solidFill>
+        </p:spPr>
+        <p:style>
+          <a:lnRef idx="2">
+            <a:schemeClr val="accent1">
+              <a:shade val="50000"/>
+            </a:schemeClr>
+          </a:lnRef>
+          <a:fillRef idx="1">
+            <a:schemeClr val="accent1"/>
+          </a:fillRef>
+          <a:effectRef idx="0">
+            <a:schemeClr val="accent1"/>
+          </a:effectRef>
+          <a:fontRef idx="minor">
+            <a:schemeClr val="lt1"/>
+          </a:fontRef>
+        </p:style>
+        <p:txBody>
+          <a:bodyPr rtlCol="0" anchor="ctr"/>
+          <a:lstStyle/>
+          <a:p>
+            <a:pPr algn="ctr"/>
+            <a:endParaRPr lang="en-US"/>
+          </a:p>
+        </p:txBody>
+      </p:sp>
+      <p:sp>
+        <p:nvSpPr>
+          <p:cNvPr id="39" name="Rectangle 38">
+            <a:extLst>
+              <a:ext uri="{FF2B5EF4-FFF2-40B4-BE49-F238E27FC236}">
+                <a16:creationId xmlns:a16="http://schemas.microsoft.com/office/drawing/2014/main" id="{2FACDAF4-AA06-4C13-8B0E-EDB70290FCB8}"/>
+              </a:ext>
+            </a:extLst>
+          </p:cNvPr>
+          <p:cNvSpPr/>
+          <p:nvPr/>
+        </p:nvSpPr>
+        <p:spPr>
+          <a:xfrm>
+            <a:off x="6557172" y="4038560"/>
+            <a:ext cx="2438402" cy="237991"/>
+          </a:xfrm>
+          <a:prstGeom prst="rect">
+            <a:avLst/>
+          </a:prstGeom>
+          <a:solidFill>
+            <a:schemeClr val="accent4">
+              <a:lumMod val="20000"/>
+              <a:lumOff val="80000"/>
+            </a:schemeClr>
+          </a:solidFill>
+        </p:spPr>
+        <p:style>
+          <a:lnRef idx="2">
+            <a:schemeClr val="accent1">
+              <a:shade val="50000"/>
+            </a:schemeClr>
+          </a:lnRef>
+          <a:fillRef idx="1">
+            <a:schemeClr val="accent1"/>
+          </a:fillRef>
+          <a:effectRef idx="0">
+            <a:schemeClr val="accent1"/>
+          </a:effectRef>
+          <a:fontRef idx="minor">
+            <a:schemeClr val="lt1"/>
+          </a:fontRef>
+        </p:style>
+        <p:txBody>
+          <a:bodyPr rtlCol="0" anchor="ctr"/>
+          <a:lstStyle/>
+          <a:p>
+            <a:pPr algn="ctr"/>
+            <a:endParaRPr lang="en-US"/>
+          </a:p>
+        </p:txBody>
+      </p:sp>
+      <p:sp>
+        <p:nvSpPr>
+          <p:cNvPr id="41" name="Rectangle 40">
+            <a:extLst>
+              <a:ext uri="{FF2B5EF4-FFF2-40B4-BE49-F238E27FC236}">
+                <a16:creationId xmlns:a16="http://schemas.microsoft.com/office/drawing/2014/main" id="{5B1EEA86-234F-46D8-BB7C-5B55328414BF}"/>
+              </a:ext>
+            </a:extLst>
+          </p:cNvPr>
+          <p:cNvSpPr/>
+          <p:nvPr/>
+        </p:nvSpPr>
+        <p:spPr>
+          <a:xfrm>
+            <a:off x="4265873" y="1493319"/>
+            <a:ext cx="474426" cy="237991"/>
+          </a:xfrm>
+          <a:prstGeom prst="rect">
+            <a:avLst/>
+          </a:prstGeom>
+          <a:solidFill>
+            <a:schemeClr val="accent4">
+              <a:lumMod val="20000"/>
+              <a:lumOff val="80000"/>
+            </a:schemeClr>
+          </a:solidFill>
+        </p:spPr>
+        <p:style>
+          <a:lnRef idx="2">
+            <a:schemeClr val="accent1">
+              <a:shade val="50000"/>
+            </a:schemeClr>
+          </a:lnRef>
+          <a:fillRef idx="1">
+            <a:schemeClr val="accent1"/>
+          </a:fillRef>
+          <a:effectRef idx="0">
+            <a:schemeClr val="accent1"/>
+          </a:effectRef>
+          <a:fontRef idx="minor">
+            <a:schemeClr val="lt1"/>
+          </a:fontRef>
+        </p:style>
+        <p:txBody>
+          <a:bodyPr rtlCol="0" anchor="ctr"/>
+          <a:lstStyle/>
+          <a:p>
+            <a:pPr algn="ctr"/>
+            <a:endParaRPr lang="en-US"/>
+          </a:p>
+        </p:txBody>
+      </p:sp>
+      <p:sp>
+        <p:nvSpPr>
+          <p:cNvPr id="42" name="Rectangle 41">
+            <a:extLst>
+              <a:ext uri="{FF2B5EF4-FFF2-40B4-BE49-F238E27FC236}">
+                <a16:creationId xmlns:a16="http://schemas.microsoft.com/office/drawing/2014/main" id="{68E8C1B7-7E08-4ED7-8689-957911C46A3F}"/>
+              </a:ext>
+            </a:extLst>
+          </p:cNvPr>
+          <p:cNvSpPr/>
+          <p:nvPr/>
+        </p:nvSpPr>
+        <p:spPr>
+          <a:xfrm>
+            <a:off x="4846315" y="1493319"/>
+            <a:ext cx="1024397" cy="237991"/>
+          </a:xfrm>
+          <a:prstGeom prst="rect">
+            <a:avLst/>
+          </a:prstGeom>
+          <a:solidFill>
+            <a:schemeClr val="accent4">
+              <a:lumMod val="20000"/>
+              <a:lumOff val="80000"/>
+            </a:schemeClr>
+          </a:solidFill>
+        </p:spPr>
+        <p:style>
+          <a:lnRef idx="2">
+            <a:schemeClr val="accent1">
+              <a:shade val="50000"/>
+            </a:schemeClr>
+          </a:lnRef>
+          <a:fillRef idx="1">
+            <a:schemeClr val="accent1"/>
+          </a:fillRef>
+          <a:effectRef idx="0">
+            <a:schemeClr val="accent1"/>
+          </a:effectRef>
+          <a:fontRef idx="minor">
+            <a:schemeClr val="lt1"/>
+          </a:fontRef>
+        </p:style>
+        <p:txBody>
+          <a:bodyPr rtlCol="0" anchor="ctr"/>
+          <a:lstStyle/>
+          <a:p>
+            <a:pPr algn="ctr"/>
+            <a:endParaRPr lang="en-US"/>
+          </a:p>
+        </p:txBody>
+      </p:sp>
+      <p:sp>
+        <p:nvSpPr>
+          <p:cNvPr id="43" name="Rectangle 42">
+            <a:extLst>
+              <a:ext uri="{FF2B5EF4-FFF2-40B4-BE49-F238E27FC236}">
+                <a16:creationId xmlns:a16="http://schemas.microsoft.com/office/drawing/2014/main" id="{97E08850-5937-470B-AF1A-49D7D5AEB51F}"/>
+              </a:ext>
+            </a:extLst>
+          </p:cNvPr>
+          <p:cNvSpPr/>
+          <p:nvPr/>
+        </p:nvSpPr>
+        <p:spPr>
+          <a:xfrm>
+            <a:off x="9113517" y="1493319"/>
+            <a:ext cx="1582974" cy="237991"/>
+          </a:xfrm>
+          <a:prstGeom prst="rect">
+            <a:avLst/>
+          </a:prstGeom>
+          <a:solidFill>
+            <a:schemeClr val="accent4">
+              <a:lumMod val="20000"/>
+              <a:lumOff val="80000"/>
+            </a:schemeClr>
+          </a:solidFill>
+        </p:spPr>
+        <p:style>
+          <a:lnRef idx="2">
+            <a:schemeClr val="accent1">
+              <a:shade val="50000"/>
+            </a:schemeClr>
+          </a:lnRef>
+          <a:fillRef idx="1">
+            <a:schemeClr val="accent1"/>
+          </a:fillRef>
+          <a:effectRef idx="0">
+            <a:schemeClr val="accent1"/>
+          </a:effectRef>
+          <a:fontRef idx="minor">
+            <a:schemeClr val="lt1"/>
+          </a:fontRef>
+        </p:style>
+        <p:txBody>
+          <a:bodyPr rtlCol="0" anchor="ctr"/>
+          <a:lstStyle/>
+          <a:p>
+            <a:pPr algn="ctr"/>
+            <a:endParaRPr lang="en-US"/>
+          </a:p>
+        </p:txBody>
+      </p:sp>
+      <p:sp>
+        <p:nvSpPr>
+          <p:cNvPr id="44" name="Rectangle 43">
+            <a:extLst>
+              <a:ext uri="{FF2B5EF4-FFF2-40B4-BE49-F238E27FC236}">
+                <a16:creationId xmlns:a16="http://schemas.microsoft.com/office/drawing/2014/main" id="{3D39C7E7-F9D8-42C6-8D37-9CA0D0751782}"/>
+              </a:ext>
+            </a:extLst>
+          </p:cNvPr>
+          <p:cNvSpPr/>
+          <p:nvPr/>
+        </p:nvSpPr>
+        <p:spPr>
+          <a:xfrm>
+            <a:off x="4846315" y="4037437"/>
+            <a:ext cx="1024397" cy="237991"/>
+          </a:xfrm>
+          <a:prstGeom prst="rect">
+            <a:avLst/>
+          </a:prstGeom>
+          <a:solidFill>
+            <a:schemeClr val="accent4">
+              <a:lumMod val="20000"/>
+              <a:lumOff val="80000"/>
+            </a:schemeClr>
+          </a:solidFill>
+        </p:spPr>
+        <p:style>
+          <a:lnRef idx="2">
+            <a:schemeClr val="accent1">
+              <a:shade val="50000"/>
+            </a:schemeClr>
+          </a:lnRef>
+          <a:fillRef idx="1">
+            <a:schemeClr val="accent1"/>
+          </a:fillRef>
+          <a:effectRef idx="0">
+            <a:schemeClr val="accent1"/>
+          </a:effectRef>
+          <a:fontRef idx="minor">
+            <a:schemeClr val="lt1"/>
+          </a:fontRef>
+        </p:style>
+        <p:txBody>
+          <a:bodyPr rtlCol="0" anchor="ctr"/>
+          <a:lstStyle/>
+          <a:p>
+            <a:pPr algn="ctr"/>
+            <a:endParaRPr lang="en-US"/>
+          </a:p>
+        </p:txBody>
+      </p:sp>
+      <p:sp>
+        <p:nvSpPr>
+          <p:cNvPr id="45" name="Rectangle 44">
+            <a:extLst>
+              <a:ext uri="{FF2B5EF4-FFF2-40B4-BE49-F238E27FC236}">
+                <a16:creationId xmlns:a16="http://schemas.microsoft.com/office/drawing/2014/main" id="{6017E892-E5B5-4028-BFF1-DF77B3E0EB3B}"/>
+              </a:ext>
+            </a:extLst>
+          </p:cNvPr>
+          <p:cNvSpPr/>
+          <p:nvPr/>
+        </p:nvSpPr>
+        <p:spPr>
+          <a:xfrm>
+            <a:off x="1766510" y="2112000"/>
+            <a:ext cx="1258958" cy="1213436"/>
+          </a:xfrm>
+          <a:prstGeom prst="rect">
+            <a:avLst/>
+          </a:prstGeom>
+          <a:solidFill>
+            <a:schemeClr val="accent4">
+              <a:lumMod val="20000"/>
+              <a:lumOff val="80000"/>
+            </a:schemeClr>
+          </a:solidFill>
+        </p:spPr>
+        <p:style>
+          <a:lnRef idx="2">
+            <a:schemeClr val="accent1">
+              <a:shade val="50000"/>
+            </a:schemeClr>
+          </a:lnRef>
+          <a:fillRef idx="1">
+            <a:schemeClr val="accent1"/>
+          </a:fillRef>
+          <a:effectRef idx="0">
+            <a:schemeClr val="accent1"/>
+          </a:effectRef>
+          <a:fontRef idx="minor">
+            <a:schemeClr val="lt1"/>
+          </a:fontRef>
+        </p:style>
+        <p:txBody>
+          <a:bodyPr rtlCol="0" anchor="ctr"/>
+          <a:lstStyle/>
+          <a:p>
+            <a:pPr algn="ctr"/>
+            <a:endParaRPr lang="en-US"/>
+          </a:p>
+        </p:txBody>
+      </p:sp>
+      <p:sp>
+        <p:nvSpPr>
+          <p:cNvPr id="47" name="Rectangle 46">
+            <a:extLst>
+              <a:ext uri="{FF2B5EF4-FFF2-40B4-BE49-F238E27FC236}">
+                <a16:creationId xmlns:a16="http://schemas.microsoft.com/office/drawing/2014/main" id="{B9A96807-1243-4EDF-B9DD-28C8BBADD27F}"/>
+              </a:ext>
+            </a:extLst>
+          </p:cNvPr>
+          <p:cNvSpPr/>
+          <p:nvPr/>
+        </p:nvSpPr>
+        <p:spPr>
+          <a:xfrm>
+            <a:off x="3144736" y="2112000"/>
+            <a:ext cx="1258958" cy="1213436"/>
+          </a:xfrm>
+          <a:prstGeom prst="rect">
+            <a:avLst/>
+          </a:prstGeom>
+          <a:solidFill>
+            <a:schemeClr val="accent4">
+              <a:lumMod val="20000"/>
+              <a:lumOff val="80000"/>
+            </a:schemeClr>
+          </a:solidFill>
+        </p:spPr>
+        <p:style>
+          <a:lnRef idx="2">
+            <a:schemeClr val="accent1">
+              <a:shade val="50000"/>
+            </a:schemeClr>
+          </a:lnRef>
+          <a:fillRef idx="1">
+            <a:schemeClr val="accent1"/>
+          </a:fillRef>
+          <a:effectRef idx="0">
+            <a:schemeClr val="accent1"/>
+          </a:effectRef>
+          <a:fontRef idx="minor">
+            <a:schemeClr val="lt1"/>
+          </a:fontRef>
+        </p:style>
+        <p:txBody>
+          <a:bodyPr rtlCol="0" anchor="ctr"/>
+          <a:lstStyle/>
+          <a:p>
+            <a:pPr algn="ctr"/>
+            <a:endParaRPr lang="en-US"/>
+          </a:p>
+        </p:txBody>
+      </p:sp>
+      <p:sp>
+        <p:nvSpPr>
+          <p:cNvPr id="48" name="Rectangle 47">
+            <a:extLst>
+              <a:ext uri="{FF2B5EF4-FFF2-40B4-BE49-F238E27FC236}">
+                <a16:creationId xmlns:a16="http://schemas.microsoft.com/office/drawing/2014/main" id="{AEA4E515-DD95-41E6-A3AB-BF215A75AFD3}"/>
+              </a:ext>
+            </a:extLst>
+          </p:cNvPr>
+          <p:cNvSpPr/>
+          <p:nvPr/>
+        </p:nvSpPr>
+        <p:spPr>
+          <a:xfrm>
+            <a:off x="4522962" y="2112000"/>
+            <a:ext cx="1258958" cy="1213436"/>
+          </a:xfrm>
+          <a:prstGeom prst="rect">
+            <a:avLst/>
+          </a:prstGeom>
+          <a:solidFill>
+            <a:schemeClr val="accent4">
+              <a:lumMod val="20000"/>
+              <a:lumOff val="80000"/>
+            </a:schemeClr>
+          </a:solidFill>
+        </p:spPr>
+        <p:style>
+          <a:lnRef idx="2">
+            <a:schemeClr val="accent1">
+              <a:shade val="50000"/>
+            </a:schemeClr>
+          </a:lnRef>
+          <a:fillRef idx="1">
+            <a:schemeClr val="accent1"/>
+          </a:fillRef>
+          <a:effectRef idx="0">
+            <a:schemeClr val="accent1"/>
+          </a:effectRef>
+          <a:fontRef idx="minor">
+            <a:schemeClr val="lt1"/>
+          </a:fontRef>
+        </p:style>
+        <p:txBody>
+          <a:bodyPr rtlCol="0" anchor="ctr"/>
+          <a:lstStyle/>
+          <a:p>
+            <a:pPr algn="ctr"/>
+            <a:endParaRPr lang="en-US"/>
+          </a:p>
+        </p:txBody>
+      </p:sp>
+      <p:sp>
+        <p:nvSpPr>
+          <p:cNvPr id="49" name="Rectangle 48">
+            <a:extLst>
+              <a:ext uri="{FF2B5EF4-FFF2-40B4-BE49-F238E27FC236}">
+                <a16:creationId xmlns:a16="http://schemas.microsoft.com/office/drawing/2014/main" id="{D861B11E-8BB7-4E73-AD6A-90C5D0BAAF56}"/>
+              </a:ext>
+            </a:extLst>
+          </p:cNvPr>
+          <p:cNvSpPr/>
+          <p:nvPr/>
+        </p:nvSpPr>
+        <p:spPr>
+          <a:xfrm>
+            <a:off x="6557171" y="2160653"/>
+            <a:ext cx="4139319" cy="253144"/>
+          </a:xfrm>
+          <a:prstGeom prst="rect">
+            <a:avLst/>
+          </a:prstGeom>
+          <a:solidFill>
+            <a:schemeClr val="accent4">
+              <a:lumMod val="20000"/>
+              <a:lumOff val="80000"/>
+            </a:schemeClr>
+          </a:solidFill>
+        </p:spPr>
+        <p:style>
+          <a:lnRef idx="2">
+            <a:schemeClr val="accent1">
+              <a:shade val="50000"/>
+            </a:schemeClr>
+          </a:lnRef>
+          <a:fillRef idx="1">
+            <a:schemeClr val="accent1"/>
+          </a:fillRef>
+          <a:effectRef idx="0">
+            <a:schemeClr val="accent1"/>
+          </a:effectRef>
+          <a:fontRef idx="minor">
+            <a:schemeClr val="lt1"/>
+          </a:fontRef>
+        </p:style>
+        <p:txBody>
+          <a:bodyPr rtlCol="0" anchor="ctr"/>
+          <a:lstStyle/>
+          <a:p>
+            <a:pPr algn="ctr"/>
+            <a:endParaRPr lang="en-US"/>
+          </a:p>
+        </p:txBody>
+      </p:sp>
+      <p:sp>
+        <p:nvSpPr>
+          <p:cNvPr id="50" name="Rectangle 49">
+            <a:extLst>
+              <a:ext uri="{FF2B5EF4-FFF2-40B4-BE49-F238E27FC236}">
+                <a16:creationId xmlns:a16="http://schemas.microsoft.com/office/drawing/2014/main" id="{173249FF-85DE-452C-A176-339369DE2738}"/>
+              </a:ext>
+            </a:extLst>
+          </p:cNvPr>
+          <p:cNvSpPr/>
+          <p:nvPr/>
+        </p:nvSpPr>
+        <p:spPr>
+          <a:xfrm>
+            <a:off x="6557171" y="2541451"/>
+            <a:ext cx="4139319" cy="253144"/>
+          </a:xfrm>
+          <a:prstGeom prst="rect">
+            <a:avLst/>
+          </a:prstGeom>
+          <a:solidFill>
+            <a:schemeClr val="accent4">
+              <a:lumMod val="20000"/>
+              <a:lumOff val="80000"/>
+            </a:schemeClr>
+          </a:solidFill>
+        </p:spPr>
+        <p:style>
+          <a:lnRef idx="2">
+            <a:schemeClr val="accent1">
+              <a:shade val="50000"/>
+            </a:schemeClr>
+          </a:lnRef>
+          <a:fillRef idx="1">
+            <a:schemeClr val="accent1"/>
+          </a:fillRef>
+          <a:effectRef idx="0">
+            <a:schemeClr val="accent1"/>
+          </a:effectRef>
+          <a:fontRef idx="minor">
+            <a:schemeClr val="lt1"/>
+          </a:fontRef>
+        </p:style>
+        <p:txBody>
+          <a:bodyPr rtlCol="0" anchor="ctr"/>
+          <a:lstStyle/>
+          <a:p>
+            <a:pPr algn="ctr"/>
+            <a:endParaRPr lang="en-US"/>
+          </a:p>
+        </p:txBody>
+      </p:sp>
+      <p:sp>
+        <p:nvSpPr>
+          <p:cNvPr id="51" name="Rectangle 50">
+            <a:extLst>
+              <a:ext uri="{FF2B5EF4-FFF2-40B4-BE49-F238E27FC236}">
+                <a16:creationId xmlns:a16="http://schemas.microsoft.com/office/drawing/2014/main" id="{8880FE6B-3E44-40AD-A985-99EF68FDBF24}"/>
+              </a:ext>
+            </a:extLst>
+          </p:cNvPr>
+          <p:cNvSpPr/>
+          <p:nvPr/>
+        </p:nvSpPr>
+        <p:spPr>
+          <a:xfrm>
+            <a:off x="6557171" y="2927190"/>
+            <a:ext cx="4139319" cy="253144"/>
+          </a:xfrm>
+          <a:prstGeom prst="rect">
+            <a:avLst/>
+          </a:prstGeom>
+          <a:solidFill>
+            <a:schemeClr val="accent4">
+              <a:lumMod val="20000"/>
+              <a:lumOff val="80000"/>
+            </a:schemeClr>
+          </a:solidFill>
+        </p:spPr>
+        <p:style>
+          <a:lnRef idx="2">
+            <a:schemeClr val="accent1">
+              <a:shade val="50000"/>
+            </a:schemeClr>
+          </a:lnRef>
+          <a:fillRef idx="1">
+            <a:schemeClr val="accent1"/>
+          </a:fillRef>
+          <a:effectRef idx="0">
+            <a:schemeClr val="accent1"/>
+          </a:effectRef>
+          <a:fontRef idx="minor">
+            <a:schemeClr val="lt1"/>
+          </a:fontRef>
+        </p:style>
+        <p:txBody>
+          <a:bodyPr rtlCol="0" anchor="ctr"/>
+          <a:lstStyle/>
+          <a:p>
+            <a:pPr algn="ctr"/>
+            <a:endParaRPr lang="en-US"/>
+          </a:p>
+        </p:txBody>
+      </p:sp>
+      <p:sp>
+        <p:nvSpPr>
+          <p:cNvPr id="54" name="Rectangle 53">
+            <a:extLst>
+              <a:ext uri="{FF2B5EF4-FFF2-40B4-BE49-F238E27FC236}">
+                <a16:creationId xmlns:a16="http://schemas.microsoft.com/office/drawing/2014/main" id="{47735647-2AA2-4711-9C0C-68D179ED5C76}"/>
+              </a:ext>
+            </a:extLst>
+          </p:cNvPr>
+          <p:cNvSpPr/>
+          <p:nvPr/>
+        </p:nvSpPr>
+        <p:spPr>
+          <a:xfrm>
+            <a:off x="1696277" y="4547097"/>
+            <a:ext cx="4139319" cy="424085"/>
+          </a:xfrm>
+          <a:prstGeom prst="rect">
+            <a:avLst/>
+          </a:prstGeom>
+          <a:solidFill>
+            <a:schemeClr val="accent4">
+              <a:lumMod val="20000"/>
+              <a:lumOff val="80000"/>
+            </a:schemeClr>
+          </a:solidFill>
+        </p:spPr>
+        <p:style>
+          <a:lnRef idx="2">
+            <a:schemeClr val="accent1">
+              <a:shade val="50000"/>
+            </a:schemeClr>
+          </a:lnRef>
+          <a:fillRef idx="1">
+            <a:schemeClr val="accent1"/>
+          </a:fillRef>
+          <a:effectRef idx="0">
+            <a:schemeClr val="accent1"/>
+          </a:effectRef>
+          <a:fontRef idx="minor">
+            <a:schemeClr val="lt1"/>
+          </a:fontRef>
+        </p:style>
+        <p:txBody>
+          <a:bodyPr rtlCol="0" anchor="ctr"/>
+          <a:lstStyle/>
+          <a:p>
+            <a:pPr algn="ctr"/>
+            <a:endParaRPr lang="en-US"/>
+          </a:p>
+        </p:txBody>
+      </p:sp>
+      <p:sp>
+        <p:nvSpPr>
+          <p:cNvPr id="57" name="Rectangle 56">
+            <a:extLst>
+              <a:ext uri="{FF2B5EF4-FFF2-40B4-BE49-F238E27FC236}">
+                <a16:creationId xmlns:a16="http://schemas.microsoft.com/office/drawing/2014/main" id="{7A265BD6-1475-4765-8E3B-4F031AA30BD6}"/>
+              </a:ext>
+            </a:extLst>
+          </p:cNvPr>
+          <p:cNvSpPr/>
+          <p:nvPr/>
+        </p:nvSpPr>
+        <p:spPr>
+          <a:xfrm>
+            <a:off x="1696277" y="5501034"/>
+            <a:ext cx="4139319" cy="424085"/>
+          </a:xfrm>
+          <a:prstGeom prst="rect">
+            <a:avLst/>
+          </a:prstGeom>
+          <a:solidFill>
+            <a:schemeClr val="accent4">
+              <a:lumMod val="20000"/>
+              <a:lumOff val="80000"/>
+            </a:schemeClr>
+          </a:solidFill>
+        </p:spPr>
+        <p:style>
+          <a:lnRef idx="2">
+            <a:schemeClr val="accent1">
+              <a:shade val="50000"/>
+            </a:schemeClr>
+          </a:lnRef>
+          <a:fillRef idx="1">
+            <a:schemeClr val="accent1"/>
+          </a:fillRef>
+          <a:effectRef idx="0">
+            <a:schemeClr val="accent1"/>
+          </a:effectRef>
+          <a:fontRef idx="minor">
+            <a:schemeClr val="lt1"/>
+          </a:fontRef>
+        </p:style>
+        <p:txBody>
+          <a:bodyPr rtlCol="0" anchor="ctr"/>
+          <a:lstStyle/>
+          <a:p>
+            <a:pPr algn="ctr"/>
+            <a:endParaRPr lang="en-US"/>
+          </a:p>
+        </p:txBody>
+      </p:sp>
+      <p:sp>
+        <p:nvSpPr>
+          <p:cNvPr id="58" name="Rectangle 57">
+            <a:extLst>
+              <a:ext uri="{FF2B5EF4-FFF2-40B4-BE49-F238E27FC236}">
+                <a16:creationId xmlns:a16="http://schemas.microsoft.com/office/drawing/2014/main" id="{1EB2AE04-4972-4EC2-873F-A89AE22EEA48}"/>
+              </a:ext>
+            </a:extLst>
+          </p:cNvPr>
+          <p:cNvSpPr/>
+          <p:nvPr/>
+        </p:nvSpPr>
+        <p:spPr>
+          <a:xfrm>
+            <a:off x="1696277" y="5024065"/>
+            <a:ext cx="4139319" cy="424085"/>
+          </a:xfrm>
+          <a:prstGeom prst="rect">
+            <a:avLst/>
+          </a:prstGeom>
+          <a:solidFill>
+            <a:schemeClr val="accent4">
+              <a:lumMod val="20000"/>
+              <a:lumOff val="80000"/>
+            </a:schemeClr>
+          </a:solidFill>
+        </p:spPr>
+        <p:style>
+          <a:lnRef idx="2">
+            <a:schemeClr val="accent1">
+              <a:shade val="50000"/>
+            </a:schemeClr>
+          </a:lnRef>
+          <a:fillRef idx="1">
+            <a:schemeClr val="accent1"/>
+          </a:fillRef>
+          <a:effectRef idx="0">
+            <a:schemeClr val="accent1"/>
+          </a:effectRef>
+          <a:fontRef idx="minor">
+            <a:schemeClr val="lt1"/>
+          </a:fontRef>
+        </p:style>
+        <p:txBody>
+          <a:bodyPr rtlCol="0" anchor="ctr"/>
+          <a:lstStyle/>
+          <a:p>
+            <a:pPr algn="ctr"/>
+            <a:endParaRPr lang="en-US"/>
+          </a:p>
+        </p:txBody>
+      </p:sp>
+      <p:sp>
+        <p:nvSpPr>
+          <p:cNvPr id="59" name="Rectangle 58">
+            <a:extLst>
+              <a:ext uri="{FF2B5EF4-FFF2-40B4-BE49-F238E27FC236}">
+                <a16:creationId xmlns:a16="http://schemas.microsoft.com/office/drawing/2014/main" id="{D7DDE458-DC17-4E44-8368-3A49DE6FACF3}"/>
+              </a:ext>
+            </a:extLst>
+          </p:cNvPr>
+          <p:cNvSpPr/>
+          <p:nvPr/>
+        </p:nvSpPr>
+        <p:spPr>
+          <a:xfrm>
+            <a:off x="6556177" y="4547097"/>
+            <a:ext cx="4139319" cy="424085"/>
+          </a:xfrm>
+          <a:prstGeom prst="rect">
+            <a:avLst/>
+          </a:prstGeom>
+          <a:solidFill>
+            <a:schemeClr val="accent4">
+              <a:lumMod val="20000"/>
+              <a:lumOff val="80000"/>
+            </a:schemeClr>
+          </a:solidFill>
+        </p:spPr>
+        <p:style>
+          <a:lnRef idx="2">
+            <a:schemeClr val="accent1">
+              <a:shade val="50000"/>
+            </a:schemeClr>
+          </a:lnRef>
+          <a:fillRef idx="1">
+            <a:schemeClr val="accent1"/>
+          </a:fillRef>
+          <a:effectRef idx="0">
+            <a:schemeClr val="accent1"/>
+          </a:effectRef>
+          <a:fontRef idx="minor">
+            <a:schemeClr val="lt1"/>
+          </a:fontRef>
+        </p:style>
+        <p:txBody>
+          <a:bodyPr rtlCol="0" anchor="ctr"/>
+          <a:lstStyle/>
+          <a:p>
+            <a:pPr algn="ctr"/>
+            <a:endParaRPr lang="en-US"/>
+          </a:p>
+        </p:txBody>
+      </p:sp>
+      <p:sp>
+        <p:nvSpPr>
+          <p:cNvPr id="60" name="Rectangle 59">
+            <a:extLst>
+              <a:ext uri="{FF2B5EF4-FFF2-40B4-BE49-F238E27FC236}">
+                <a16:creationId xmlns:a16="http://schemas.microsoft.com/office/drawing/2014/main" id="{7A1EA7EC-A4B1-4221-BCAB-18148116FBD0}"/>
+              </a:ext>
+            </a:extLst>
+          </p:cNvPr>
+          <p:cNvSpPr/>
+          <p:nvPr/>
+        </p:nvSpPr>
+        <p:spPr>
+          <a:xfrm>
+            <a:off x="6552198" y="5024065"/>
+            <a:ext cx="4139319" cy="424085"/>
+          </a:xfrm>
+          <a:prstGeom prst="rect">
+            <a:avLst/>
+          </a:prstGeom>
+          <a:solidFill>
+            <a:schemeClr val="accent4">
+              <a:lumMod val="20000"/>
+              <a:lumOff val="80000"/>
+            </a:schemeClr>
+          </a:solidFill>
+        </p:spPr>
+        <p:style>
+          <a:lnRef idx="2">
+            <a:schemeClr val="accent1">
+              <a:shade val="50000"/>
+            </a:schemeClr>
+          </a:lnRef>
+          <a:fillRef idx="1">
+            <a:schemeClr val="accent1"/>
+          </a:fillRef>
+          <a:effectRef idx="0">
+            <a:schemeClr val="accent1"/>
+          </a:effectRef>
+          <a:fontRef idx="minor">
+            <a:schemeClr val="lt1"/>
+          </a:fontRef>
+        </p:style>
+        <p:txBody>
+          <a:bodyPr rtlCol="0" anchor="ctr"/>
+          <a:lstStyle/>
+          <a:p>
+            <a:pPr algn="ctr"/>
+            <a:endParaRPr lang="en-US"/>
+          </a:p>
+        </p:txBody>
+      </p:sp>
+      <p:sp>
+        <p:nvSpPr>
+          <p:cNvPr id="61" name="Rectangle 60">
+            <a:extLst>
+              <a:ext uri="{FF2B5EF4-FFF2-40B4-BE49-F238E27FC236}">
+                <a16:creationId xmlns:a16="http://schemas.microsoft.com/office/drawing/2014/main" id="{522A9B52-929A-4D3D-8704-3247C37FB01B}"/>
+              </a:ext>
+            </a:extLst>
+          </p:cNvPr>
+          <p:cNvSpPr/>
+          <p:nvPr/>
+        </p:nvSpPr>
+        <p:spPr>
+          <a:xfrm>
+            <a:off x="6552197" y="5501034"/>
+            <a:ext cx="4139319" cy="424085"/>
+          </a:xfrm>
+          <a:prstGeom prst="rect">
+            <a:avLst/>
+          </a:prstGeom>
+          <a:solidFill>
+            <a:schemeClr val="accent4">
+              <a:lumMod val="20000"/>
+              <a:lumOff val="80000"/>
+            </a:schemeClr>
+          </a:solidFill>
+        </p:spPr>
+        <p:style>
+          <a:lnRef idx="2">
+            <a:schemeClr val="accent1">
+              <a:shade val="50000"/>
+            </a:schemeClr>
+          </a:lnRef>
+          <a:fillRef idx="1">
+            <a:schemeClr val="accent1"/>
+          </a:fillRef>
+          <a:effectRef idx="0">
+            <a:schemeClr val="accent1"/>
+          </a:effectRef>
+          <a:fontRef idx="minor">
+            <a:schemeClr val="lt1"/>
+          </a:fontRef>
+        </p:style>
+        <p:txBody>
+          <a:bodyPr rtlCol="0" anchor="ctr"/>
+          <a:lstStyle/>
+          <a:p>
+            <a:pPr algn="ctr"/>
+            <a:endParaRPr lang="en-US"/>
+          </a:p>
+        </p:txBody>
+      </p:sp>
+      <p:sp>
+        <p:nvSpPr>
+          <p:cNvPr id="71" name="TextBox 70">
+            <a:extLst>
+              <a:ext uri="{FF2B5EF4-FFF2-40B4-BE49-F238E27FC236}">
+                <a16:creationId xmlns:a16="http://schemas.microsoft.com/office/drawing/2014/main" id="{FB34C8E4-3661-4F5F-99C5-CDA22A0910B4}"/>
+              </a:ext>
+            </a:extLst>
+          </p:cNvPr>
+          <p:cNvSpPr txBox="1"/>
+          <p:nvPr/>
+        </p:nvSpPr>
+        <p:spPr>
+          <a:xfrm>
+            <a:off x="1709529" y="1425482"/>
+            <a:ext cx="1003480" cy="369332"/>
+          </a:xfrm>
+          <a:prstGeom prst="rect">
+            <a:avLst/>
+          </a:prstGeom>
+          <a:noFill/>
+        </p:spPr>
+        <p:txBody>
+          <a:bodyPr wrap="none" rtlCol="0">
+            <a:spAutoFit/>
+          </a:bodyPr>
+          <a:lstStyle/>
+          <a:p>
+            <a:r>
+              <a:rPr lang="en-US" dirty="0"/>
+              <a:t>Firewalls</a:t>
+            </a:r>
+          </a:p>
+        </p:txBody>
+      </p:sp>
+      <p:sp>
+        <p:nvSpPr>
+          <p:cNvPr id="72" name="Rectangle 71">
+            <a:extLst>
+              <a:ext uri="{FF2B5EF4-FFF2-40B4-BE49-F238E27FC236}">
+                <a16:creationId xmlns:a16="http://schemas.microsoft.com/office/drawing/2014/main" id="{C40B3141-FD21-4D1D-A494-F8681381954D}"/>
+              </a:ext>
+            </a:extLst>
+          </p:cNvPr>
+          <p:cNvSpPr/>
+          <p:nvPr/>
+        </p:nvSpPr>
+        <p:spPr>
+          <a:xfrm>
+            <a:off x="4795959" y="1409850"/>
+            <a:ext cx="1180769" cy="369332"/>
+          </a:xfrm>
+          <a:prstGeom prst="rect">
+            <a:avLst/>
+          </a:prstGeom>
+          <a:noFill/>
           <a:ln>
             <a:solidFill>
               <a:schemeClr val="tx1">
-                <a:lumMod val="50000"/>
-                <a:lumOff val="50000"/>
+                <a:lumMod val="75000"/>
+                <a:lumOff val="25000"/>
               </a:schemeClr>
             </a:solidFill>
           </a:ln>
         </p:spPr>
         <p:style>
-          <a:lnRef idx="1">
-            <a:schemeClr val="accent1"/>
+          <a:lnRef idx="2">
+            <a:schemeClr val="accent1">
+              <a:shade val="50000"/>
+            </a:schemeClr>
           </a:lnRef>
-          <a:fillRef idx="0">
+          <a:fillRef idx="1">
             <a:schemeClr val="accent1"/>
           </a:fillRef>
           <a:effectRef idx="0">
             <a:schemeClr val="accent1"/>
           </a:effectRef>
           <a:fontRef idx="minor">
-            <a:schemeClr val="tx1"/>
+            <a:schemeClr val="lt1"/>
           </a:fontRef>
         </p:style>
-      </p:cxnSp>
-      <p:cxnSp>
-        <p:nvCxnSpPr>
-          <p:cNvPr id="19" name="직선 연결선 18">
-            <a:extLst>
-              <a:ext uri="{FF2B5EF4-FFF2-40B4-BE49-F238E27FC236}">
-                <a16:creationId xmlns:a16="http://schemas.microsoft.com/office/drawing/2014/main" id="{E15862FA-0F3E-421C-A2D4-FB75A2531127}"/>
-              </a:ext>
-            </a:extLst>
-          </p:cNvPr>
-          <p:cNvCxnSpPr/>
-          <p:nvPr/>
-        </p:nvCxnSpPr>
-        <p:spPr>
-          <a:xfrm>
-            <a:off x="6255689" y="1701579"/>
-            <a:ext cx="4866198" cy="0"/>
-          </a:xfrm>
-          <a:prstGeom prst="line">
-            <a:avLst/>
-          </a:prstGeom>
+        <p:txBody>
+          <a:bodyPr rtlCol="0" anchor="ctr"/>
+          <a:lstStyle/>
+          <a:p>
+            <a:pPr algn="ctr"/>
+            <a:endParaRPr lang="en-US"/>
+          </a:p>
+        </p:txBody>
+      </p:sp>
+      <p:sp>
+        <p:nvSpPr>
+          <p:cNvPr id="73" name="TextBox 72">
+            <a:extLst>
+              <a:ext uri="{FF2B5EF4-FFF2-40B4-BE49-F238E27FC236}">
+                <a16:creationId xmlns:a16="http://schemas.microsoft.com/office/drawing/2014/main" id="{BB333CA4-FDE4-4DB9-A65D-025E128192AD}"/>
+              </a:ext>
+            </a:extLst>
+          </p:cNvPr>
+          <p:cNvSpPr txBox="1"/>
+          <p:nvPr/>
+        </p:nvSpPr>
+        <p:spPr>
+          <a:xfrm>
+            <a:off x="4811664" y="1420435"/>
+            <a:ext cx="1165064" cy="369332"/>
+          </a:xfrm>
+          <a:prstGeom prst="rect">
+            <a:avLst/>
+          </a:prstGeom>
+          <a:noFill/>
+        </p:spPr>
+        <p:txBody>
+          <a:bodyPr wrap="square" rtlCol="0">
+            <a:spAutoFit/>
+          </a:bodyPr>
+          <a:lstStyle/>
+          <a:p>
+            <a:r>
+              <a:rPr lang="en-US" dirty="0">
+                <a:solidFill>
+                  <a:schemeClr val="bg1">
+                    <a:lumMod val="50000"/>
+                  </a:schemeClr>
+                </a:solidFill>
+              </a:rPr>
+              <a:t>Search</a:t>
+            </a:r>
+          </a:p>
+        </p:txBody>
+      </p:sp>
+      <p:pic>
+        <p:nvPicPr>
+          <p:cNvPr id="74" name="Picture 73">
+            <a:extLst>
+              <a:ext uri="{FF2B5EF4-FFF2-40B4-BE49-F238E27FC236}">
+                <a16:creationId xmlns:a16="http://schemas.microsoft.com/office/drawing/2014/main" id="{D811C1D6-9FF9-4E50-825B-7ED057053554}"/>
+              </a:ext>
+            </a:extLst>
+          </p:cNvPr>
+          <p:cNvPicPr>
+            <a:picLocks noChangeAspect="1"/>
+          </p:cNvPicPr>
+          <p:nvPr/>
+        </p:nvPicPr>
+        <p:blipFill>
+          <a:blip r:embed="rId2"/>
+          <a:stretch>
+            <a:fillRect/>
+          </a:stretch>
+        </p:blipFill>
+        <p:spPr>
+          <a:xfrm>
+            <a:off x="4349273" y="1462726"/>
+            <a:ext cx="314754" cy="268504"/>
+          </a:xfrm>
+          <a:prstGeom prst="rect">
+            <a:avLst/>
+          </a:prstGeom>
+        </p:spPr>
+      </p:pic>
+      <p:sp>
+        <p:nvSpPr>
+          <p:cNvPr id="75" name="Rounded Rectangle 22">
+            <a:extLst>
+              <a:ext uri="{FF2B5EF4-FFF2-40B4-BE49-F238E27FC236}">
+                <a16:creationId xmlns:a16="http://schemas.microsoft.com/office/drawing/2014/main" id="{AD8C0257-E0C0-44BF-A80B-447900A76D12}"/>
+              </a:ext>
+            </a:extLst>
+          </p:cNvPr>
+          <p:cNvSpPr/>
+          <p:nvPr/>
+        </p:nvSpPr>
+        <p:spPr>
+          <a:xfrm>
+            <a:off x="1902524" y="2180187"/>
+            <a:ext cx="1047404" cy="1053011"/>
+          </a:xfrm>
+          <a:prstGeom prst="roundRect">
+            <a:avLst/>
+          </a:prstGeom>
+          <a:solidFill>
+            <a:schemeClr val="accent1">
+              <a:lumMod val="40000"/>
+              <a:lumOff val="60000"/>
+            </a:schemeClr>
+          </a:solidFill>
           <a:ln>
-            <a:solidFill>
-              <a:schemeClr val="tx1">
-                <a:lumMod val="50000"/>
-                <a:lumOff val="50000"/>
-              </a:schemeClr>
-            </a:solidFill>
+            <a:noFill/>
           </a:ln>
         </p:spPr>
         <p:style>
-          <a:lnRef idx="1">
-            <a:schemeClr val="accent1"/>
+          <a:lnRef idx="2">
+            <a:schemeClr val="accent1">
+              <a:shade val="50000"/>
+            </a:schemeClr>
           </a:lnRef>
-          <a:fillRef idx="0">
+          <a:fillRef idx="1">
             <a:schemeClr val="accent1"/>
           </a:fillRef>
           <a:effectRef idx="0">
             <a:schemeClr val="accent1"/>
           </a:effectRef>
           <a:fontRef idx="minor">
-            <a:schemeClr val="tx1"/>
+            <a:schemeClr val="lt1"/>
           </a:fontRef>
         </p:style>
-      </p:cxnSp>
-      <p:cxnSp>
-        <p:nvCxnSpPr>
-          <p:cNvPr id="20" name="직선 연결선 19">
-            <a:extLst>
-              <a:ext uri="{FF2B5EF4-FFF2-40B4-BE49-F238E27FC236}">
-                <a16:creationId xmlns:a16="http://schemas.microsoft.com/office/drawing/2014/main" id="{C72ABDB6-C79C-4173-A3B4-99BFC9A685A8}"/>
-              </a:ext>
-            </a:extLst>
-          </p:cNvPr>
-          <p:cNvCxnSpPr/>
-          <p:nvPr/>
-        </p:nvCxnSpPr>
-        <p:spPr>
-          <a:xfrm>
-            <a:off x="6255689" y="3989971"/>
-            <a:ext cx="4866198" cy="0"/>
-          </a:xfrm>
-          <a:prstGeom prst="line">
-            <a:avLst/>
-          </a:prstGeom>
-          <a:ln>
-            <a:solidFill>
-              <a:schemeClr val="tx1">
-                <a:lumMod val="50000"/>
-                <a:lumOff val="50000"/>
-              </a:schemeClr>
-            </a:solidFill>
-          </a:ln>
-        </p:spPr>
-        <p:style>
-          <a:lnRef idx="1">
-            <a:schemeClr val="accent1"/>
-          </a:lnRef>
-          <a:fillRef idx="0">
-            <a:schemeClr val="accent1"/>
-          </a:fillRef>
-          <a:effectRef idx="0">
-            <a:schemeClr val="accent1"/>
-          </a:effectRef>
-          <a:fontRef idx="minor">
-            <a:schemeClr val="tx1"/>
-          </a:fontRef>
-        </p:style>
-      </p:cxnSp>
-      <p:cxnSp>
-        <p:nvCxnSpPr>
-          <p:cNvPr id="21" name="직선 연결선 20">
-            <a:extLst>
-              <a:ext uri="{FF2B5EF4-FFF2-40B4-BE49-F238E27FC236}">
-                <a16:creationId xmlns:a16="http://schemas.microsoft.com/office/drawing/2014/main" id="{CF12E866-4A23-42BA-94D5-633B634259E9}"/>
-              </a:ext>
-            </a:extLst>
-          </p:cNvPr>
-          <p:cNvCxnSpPr/>
-          <p:nvPr/>
-        </p:nvCxnSpPr>
-        <p:spPr>
-          <a:xfrm>
-            <a:off x="1355698" y="3989971"/>
-            <a:ext cx="4866198" cy="0"/>
-          </a:xfrm>
-          <a:prstGeom prst="line">
-            <a:avLst/>
-          </a:prstGeom>
-          <a:ln>
-            <a:solidFill>
-              <a:schemeClr val="tx1">
-                <a:lumMod val="50000"/>
-                <a:lumOff val="50000"/>
-              </a:schemeClr>
-            </a:solidFill>
-          </a:ln>
-        </p:spPr>
-        <p:style>
-          <a:lnRef idx="1">
-            <a:schemeClr val="accent1"/>
-          </a:lnRef>
-          <a:fillRef idx="0">
-            <a:schemeClr val="accent1"/>
-          </a:fillRef>
-          <a:effectRef idx="0">
-            <a:schemeClr val="accent1"/>
-          </a:effectRef>
-          <a:fontRef idx="minor">
-            <a:schemeClr val="tx1"/>
-          </a:fontRef>
-        </p:style>
-      </p:cxnSp>
-      <p:cxnSp>
-        <p:nvCxnSpPr>
-          <p:cNvPr id="23" name="직선 연결선 22">
-            <a:extLst>
-              <a:ext uri="{FF2B5EF4-FFF2-40B4-BE49-F238E27FC236}">
-                <a16:creationId xmlns:a16="http://schemas.microsoft.com/office/drawing/2014/main" id="{D4A2242C-3DAB-4084-B542-6CA80BBCE56D}"/>
-              </a:ext>
-            </a:extLst>
-          </p:cNvPr>
-          <p:cNvCxnSpPr/>
-          <p:nvPr/>
-        </p:nvCxnSpPr>
-        <p:spPr>
-          <a:xfrm>
-            <a:off x="3593990" y="1101256"/>
-            <a:ext cx="0" cy="600323"/>
-          </a:xfrm>
-          <a:prstGeom prst="line">
-            <a:avLst/>
-          </a:prstGeom>
-          <a:ln>
-            <a:solidFill>
-              <a:schemeClr val="tx2">
-                <a:lumMod val="60000"/>
-                <a:lumOff val="40000"/>
-              </a:schemeClr>
-            </a:solidFill>
-          </a:ln>
-        </p:spPr>
-        <p:style>
-          <a:lnRef idx="1">
-            <a:schemeClr val="accent1"/>
-          </a:lnRef>
-          <a:fillRef idx="0">
-            <a:schemeClr val="accent1"/>
-          </a:fillRef>
-          <a:effectRef idx="0">
-            <a:schemeClr val="accent1"/>
-          </a:effectRef>
-          <a:fontRef idx="minor">
-            <a:schemeClr val="tx1"/>
-          </a:fontRef>
-        </p:style>
-      </p:cxnSp>
-      <p:cxnSp>
-        <p:nvCxnSpPr>
-          <p:cNvPr id="24" name="직선 연결선 23">
-            <a:extLst>
-              <a:ext uri="{FF2B5EF4-FFF2-40B4-BE49-F238E27FC236}">
-                <a16:creationId xmlns:a16="http://schemas.microsoft.com/office/drawing/2014/main" id="{70B4B230-0972-4C5C-A899-32752EEF2FC7}"/>
-              </a:ext>
-            </a:extLst>
-          </p:cNvPr>
-          <p:cNvCxnSpPr/>
-          <p:nvPr/>
-        </p:nvCxnSpPr>
-        <p:spPr>
-          <a:xfrm>
-            <a:off x="4762832" y="3389648"/>
-            <a:ext cx="0" cy="600323"/>
-          </a:xfrm>
-          <a:prstGeom prst="line">
-            <a:avLst/>
-          </a:prstGeom>
-          <a:ln>
-            <a:solidFill>
-              <a:schemeClr val="bg2"/>
-            </a:solidFill>
-          </a:ln>
-        </p:spPr>
-        <p:style>
-          <a:lnRef idx="1">
-            <a:schemeClr val="accent1"/>
-          </a:lnRef>
-          <a:fillRef idx="0">
-            <a:schemeClr val="accent1"/>
-          </a:fillRef>
-          <a:effectRef idx="0">
-            <a:schemeClr val="accent1"/>
-          </a:effectRef>
-          <a:fontRef idx="minor">
-            <a:schemeClr val="tx1"/>
-          </a:fontRef>
-        </p:style>
-      </p:cxnSp>
-      <p:cxnSp>
-        <p:nvCxnSpPr>
-          <p:cNvPr id="25" name="직선 연결선 24">
-            <a:extLst>
-              <a:ext uri="{FF2B5EF4-FFF2-40B4-BE49-F238E27FC236}">
-                <a16:creationId xmlns:a16="http://schemas.microsoft.com/office/drawing/2014/main" id="{80DFDDF0-AC2E-4AD3-AC77-DD89184FE703}"/>
-              </a:ext>
-            </a:extLst>
-          </p:cNvPr>
-          <p:cNvCxnSpPr/>
-          <p:nvPr/>
-        </p:nvCxnSpPr>
-        <p:spPr>
-          <a:xfrm>
-            <a:off x="8762338" y="1101256"/>
-            <a:ext cx="0" cy="600323"/>
-          </a:xfrm>
-          <a:prstGeom prst="line">
-            <a:avLst/>
-          </a:prstGeom>
-          <a:ln>
-            <a:solidFill>
-              <a:schemeClr val="bg2"/>
-            </a:solidFill>
-          </a:ln>
-        </p:spPr>
-        <p:style>
-          <a:lnRef idx="1">
-            <a:schemeClr val="accent1"/>
-          </a:lnRef>
-          <a:fillRef idx="0">
-            <a:schemeClr val="accent1"/>
-          </a:fillRef>
-          <a:effectRef idx="0">
-            <a:schemeClr val="accent1"/>
-          </a:effectRef>
-          <a:fontRef idx="minor">
-            <a:schemeClr val="tx1"/>
-          </a:fontRef>
-        </p:style>
-      </p:cxnSp>
-      <p:cxnSp>
-        <p:nvCxnSpPr>
-          <p:cNvPr id="26" name="직선 연결선 25">
-            <a:extLst>
-              <a:ext uri="{FF2B5EF4-FFF2-40B4-BE49-F238E27FC236}">
-                <a16:creationId xmlns:a16="http://schemas.microsoft.com/office/drawing/2014/main" id="{0CC4CE72-40C7-4CD4-9637-DDDA457714B4}"/>
-              </a:ext>
-            </a:extLst>
-          </p:cNvPr>
-          <p:cNvCxnSpPr>
-            <a:cxnSpLocks/>
-          </p:cNvCxnSpPr>
-          <p:nvPr/>
-        </p:nvCxnSpPr>
-        <p:spPr>
-          <a:xfrm>
-            <a:off x="4541521" y="1718807"/>
-            <a:ext cx="0" cy="1561106"/>
-          </a:xfrm>
-          <a:prstGeom prst="line">
-            <a:avLst/>
-          </a:prstGeom>
-          <a:ln>
-            <a:solidFill>
-              <a:schemeClr val="tx2">
-                <a:lumMod val="60000"/>
-                <a:lumOff val="40000"/>
-              </a:schemeClr>
-            </a:solidFill>
-          </a:ln>
-        </p:spPr>
-        <p:style>
-          <a:lnRef idx="1">
-            <a:schemeClr val="accent1"/>
-          </a:lnRef>
-          <a:fillRef idx="0">
-            <a:schemeClr val="accent1"/>
-          </a:fillRef>
-          <a:effectRef idx="0">
-            <a:schemeClr val="accent1"/>
-          </a:effectRef>
-          <a:fontRef idx="minor">
-            <a:schemeClr val="tx1"/>
-          </a:fontRef>
-        </p:style>
-      </p:cxnSp>
-      <p:cxnSp>
-        <p:nvCxnSpPr>
-          <p:cNvPr id="28" name="직선 연결선 27">
-            <a:extLst>
-              <a:ext uri="{FF2B5EF4-FFF2-40B4-BE49-F238E27FC236}">
-                <a16:creationId xmlns:a16="http://schemas.microsoft.com/office/drawing/2014/main" id="{A83957C5-FD94-4646-BDB7-651BF02B7AF6}"/>
-              </a:ext>
-            </a:extLst>
-          </p:cNvPr>
-          <p:cNvCxnSpPr>
-            <a:cxnSpLocks/>
-          </p:cNvCxnSpPr>
-          <p:nvPr/>
-        </p:nvCxnSpPr>
-        <p:spPr>
-          <a:xfrm>
-            <a:off x="2983065" y="1718807"/>
-            <a:ext cx="0" cy="1561106"/>
-          </a:xfrm>
-          <a:prstGeom prst="line">
-            <a:avLst/>
-          </a:prstGeom>
-          <a:ln>
-            <a:solidFill>
-              <a:schemeClr val="tx2">
-                <a:lumMod val="60000"/>
-                <a:lumOff val="40000"/>
-              </a:schemeClr>
-            </a:solidFill>
-          </a:ln>
-        </p:spPr>
-        <p:style>
-          <a:lnRef idx="1">
-            <a:schemeClr val="accent1"/>
-          </a:lnRef>
-          <a:fillRef idx="0">
-            <a:schemeClr val="accent1"/>
-          </a:fillRef>
-          <a:effectRef idx="0">
-            <a:schemeClr val="accent1"/>
-          </a:effectRef>
-          <a:fontRef idx="minor">
-            <a:schemeClr val="tx1"/>
-          </a:fontRef>
-        </p:style>
-      </p:cxnSp>
+        <p:txBody>
+          <a:bodyPr rtlCol="0" anchor="ctr"/>
+          <a:lstStyle/>
+          <a:p>
+            <a:pPr algn="ctr"/>
+            <a:endParaRPr lang="en-US"/>
+          </a:p>
+        </p:txBody>
+      </p:sp>
+      <p:sp>
+        <p:nvSpPr>
+          <p:cNvPr id="81" name="TextBox 80">
+            <a:extLst>
+              <a:ext uri="{FF2B5EF4-FFF2-40B4-BE49-F238E27FC236}">
+                <a16:creationId xmlns:a16="http://schemas.microsoft.com/office/drawing/2014/main" id="{50405E1F-4E7A-44D5-AE82-065DB4880213}"/>
+              </a:ext>
+            </a:extLst>
+          </p:cNvPr>
+          <p:cNvSpPr txBox="1"/>
+          <p:nvPr/>
+        </p:nvSpPr>
+        <p:spPr>
+          <a:xfrm>
+            <a:off x="1958651" y="2207233"/>
+            <a:ext cx="510076" cy="246221"/>
+          </a:xfrm>
+          <a:prstGeom prst="rect">
+            <a:avLst/>
+          </a:prstGeom>
+          <a:noFill/>
+        </p:spPr>
+        <p:txBody>
+          <a:bodyPr wrap="none" rtlCol="0">
+            <a:spAutoFit/>
+          </a:bodyPr>
+          <a:lstStyle/>
+          <a:p>
+            <a:r>
+              <a:rPr lang="en-US" sz="1000" b="1" dirty="0"/>
+              <a:t>PAN 1</a:t>
+            </a:r>
+          </a:p>
+        </p:txBody>
+      </p:sp>
+      <p:sp>
+        <p:nvSpPr>
+          <p:cNvPr id="82" name="TextBox 81">
+            <a:extLst>
+              <a:ext uri="{FF2B5EF4-FFF2-40B4-BE49-F238E27FC236}">
+                <a16:creationId xmlns:a16="http://schemas.microsoft.com/office/drawing/2014/main" id="{3168B539-D9FC-4580-BEE3-567EC75B5095}"/>
+              </a:ext>
+            </a:extLst>
+          </p:cNvPr>
+          <p:cNvSpPr txBox="1"/>
+          <p:nvPr/>
+        </p:nvSpPr>
+        <p:spPr>
+          <a:xfrm>
+            <a:off x="1958651" y="2424582"/>
+            <a:ext cx="962123" cy="707886"/>
+          </a:xfrm>
+          <a:prstGeom prst="rect">
+            <a:avLst/>
+          </a:prstGeom>
+          <a:noFill/>
+        </p:spPr>
+        <p:txBody>
+          <a:bodyPr wrap="none" rtlCol="0">
+            <a:spAutoFit/>
+          </a:bodyPr>
+          <a:lstStyle/>
+          <a:p>
+            <a:r>
+              <a:rPr lang="en-US" sz="800" dirty="0"/>
+              <a:t>10.1.1.1</a:t>
+            </a:r>
+          </a:p>
+          <a:p>
+            <a:r>
+              <a:rPr lang="en-US" sz="800" dirty="0"/>
+              <a:t>PAN-OS 8.1</a:t>
+            </a:r>
+          </a:p>
+          <a:p>
+            <a:r>
+              <a:rPr lang="en-US" sz="800" dirty="0"/>
+              <a:t>2348972 received</a:t>
+            </a:r>
+          </a:p>
+          <a:p>
+            <a:r>
+              <a:rPr lang="en-US" sz="800" dirty="0"/>
+              <a:t>Start 100 days ago</a:t>
+            </a:r>
+          </a:p>
+          <a:p>
+            <a:r>
+              <a:rPr lang="en-US" sz="800" dirty="0"/>
+              <a:t>Last received 2 sec</a:t>
+            </a:r>
+          </a:p>
+        </p:txBody>
+      </p:sp>
     </p:spTree>
     <p:extLst>
       <p:ext uri="{BB962C8B-B14F-4D97-AF65-F5344CB8AC3E}">
         <p14:creationId xmlns:p14="http://schemas.microsoft.com/office/powerpoint/2010/main" val="1362381360"/>
+      </p:ext>
+    </p:extLst>
+  </p:cSld>
+  <p:clrMapOvr>
+    <a:masterClrMapping/>
+  </p:clrMapOvr>
+</p:sld>
+</file>
+
+<file path=ppt/slides/slide9.xml><?xml version="1.0" encoding="utf-8"?>
+<p:sld xmlns:a="http://schemas.openxmlformats.org/drawingml/2006/main" xmlns:r="http://schemas.openxmlformats.org/officeDocument/2006/relationships" xmlns:p="http://schemas.openxmlformats.org/presentationml/2006/main">
+  <p:cSld>
+    <p:spTree>
+      <p:nvGrpSpPr>
+        <p:cNvPr id="1" name=""/>
+        <p:cNvGrpSpPr/>
+        <p:nvPr/>
+      </p:nvGrpSpPr>
+      <p:grpSpPr>
+        <a:xfrm>
+          <a:off x="0" y="0"/>
+          <a:ext cx="0" cy="0"/>
+          <a:chOff x="0" y="0"/>
+          <a:chExt cx="0" cy="0"/>
+        </a:xfrm>
+      </p:grpSpPr>
+      <p:sp>
+        <p:nvSpPr>
+          <p:cNvPr id="2" name="TextBox 1">
+            <a:extLst>
+              <a:ext uri="{FF2B5EF4-FFF2-40B4-BE49-F238E27FC236}">
+                <a16:creationId xmlns:a16="http://schemas.microsoft.com/office/drawing/2014/main" id="{D295BB0E-2BBF-41C9-AF46-59A95B6E84D2}"/>
+              </a:ext>
+            </a:extLst>
+          </p:cNvPr>
+          <p:cNvSpPr txBox="1"/>
+          <p:nvPr/>
+        </p:nvSpPr>
+        <p:spPr>
+          <a:xfrm>
+            <a:off x="768626" y="622852"/>
+            <a:ext cx="9660835" cy="646331"/>
+          </a:xfrm>
+          <a:prstGeom prst="rect">
+            <a:avLst/>
+          </a:prstGeom>
+          <a:noFill/>
+        </p:spPr>
+        <p:txBody>
+          <a:bodyPr wrap="square" rtlCol="0">
+            <a:spAutoFit/>
+          </a:bodyPr>
+          <a:lstStyle/>
+          <a:p>
+            <a:r>
+              <a:rPr lang="en-US" dirty="0"/>
+              <a:t>Interactor</a:t>
+            </a:r>
+            <a:r>
+              <a:rPr lang="ko-KR" altLang="en-US" dirty="0"/>
+              <a:t>에서 </a:t>
+            </a:r>
+            <a:r>
+              <a:rPr lang="en-US" altLang="ko-KR" dirty="0"/>
+              <a:t>CSS </a:t>
+            </a:r>
+            <a:r>
+              <a:rPr lang="ko-KR" altLang="en-US" dirty="0"/>
+              <a:t>실행되게 하기</a:t>
+            </a:r>
+            <a:endParaRPr lang="en-US" altLang="ko-KR" dirty="0"/>
+          </a:p>
+          <a:p>
+            <a:endParaRPr lang="en-US" dirty="0"/>
+          </a:p>
+        </p:txBody>
+      </p:sp>
+    </p:spTree>
+    <p:extLst>
+      <p:ext uri="{BB962C8B-B14F-4D97-AF65-F5344CB8AC3E}">
+        <p14:creationId xmlns:p14="http://schemas.microsoft.com/office/powerpoint/2010/main" val="3007739368"/>
       </p:ext>
     </p:extLst>
   </p:cSld>

--- a/PRJ_CSS/CSS.pptx
+++ b/PRJ_CSS/CSS.pptx
@@ -214,7 +214,7 @@
           <a:p>
             <a:fld id="{6C70E3D8-2621-43AD-9681-A87FE68F1ECA}" type="datetimeFigureOut">
               <a:rPr lang="en-US" smtClean="0"/>
-              <a:t>4/22/2019</a:t>
+              <a:t>4/23/2019</a:t>
             </a:fld>
             <a:endParaRPr lang="en-US"/>
           </a:p>
@@ -510,7 +510,7 @@
         </p:nvSpPr>
         <p:spPr>
           <a:xfrm>
-            <a:off x="381300" y="685800"/>
+            <a:off x="381000" y="685800"/>
             <a:ext cx="6096000" cy="3429000"/>
           </a:xfrm>
           <a:custGeom>
@@ -1122,7 +1122,7 @@
             <a:fld id="{5586B75A-687E-405C-8A0B-8D00578BA2C3}" type="datetimeFigureOut">
               <a:rPr lang="en-US" dirty="0"/>
               <a:pPr/>
-              <a:t>4/22/2019</a:t>
+              <a:t>4/23/2019</a:t>
             </a:fld>
             <a:endParaRPr lang="en-US" dirty="0"/>
           </a:p>
@@ -1289,7 +1289,7 @@
             <a:fld id="{5586B75A-687E-405C-8A0B-8D00578BA2C3}" type="datetimeFigureOut">
               <a:rPr lang="en-US" dirty="0"/>
               <a:pPr/>
-              <a:t>4/22/2019</a:t>
+              <a:t>4/23/2019</a:t>
             </a:fld>
             <a:endParaRPr lang="en-US" dirty="0"/>
           </a:p>
@@ -1466,7 +1466,7 @@
             <a:fld id="{5586B75A-687E-405C-8A0B-8D00578BA2C3}" type="datetimeFigureOut">
               <a:rPr lang="en-US" dirty="0"/>
               <a:pPr/>
-              <a:t>4/22/2019</a:t>
+              <a:t>4/23/2019</a:t>
             </a:fld>
             <a:endParaRPr lang="en-US" dirty="0"/>
           </a:p>
@@ -1988,7 +1988,7 @@
             <a:fld id="{5586B75A-687E-405C-8A0B-8D00578BA2C3}" type="datetimeFigureOut">
               <a:rPr lang="en-US" dirty="0"/>
               <a:pPr/>
-              <a:t>4/22/2019</a:t>
+              <a:t>4/23/2019</a:t>
             </a:fld>
             <a:endParaRPr lang="en-US" dirty="0"/>
           </a:p>
@@ -2243,7 +2243,7 @@
             <a:fld id="{5586B75A-687E-405C-8A0B-8D00578BA2C3}" type="datetimeFigureOut">
               <a:rPr lang="en-US" dirty="0"/>
               <a:pPr/>
-              <a:t>4/22/2019</a:t>
+              <a:t>4/23/2019</a:t>
             </a:fld>
             <a:endParaRPr lang="en-US" dirty="0"/>
           </a:p>
@@ -2528,7 +2528,7 @@
             <a:fld id="{5586B75A-687E-405C-8A0B-8D00578BA2C3}" type="datetimeFigureOut">
               <a:rPr lang="en-US" dirty="0"/>
               <a:pPr/>
-              <a:t>4/22/2019</a:t>
+              <a:t>4/23/2019</a:t>
             </a:fld>
             <a:endParaRPr lang="en-US" dirty="0"/>
           </a:p>
@@ -2967,7 +2967,7 @@
             <a:fld id="{5586B75A-687E-405C-8A0B-8D00578BA2C3}" type="datetimeFigureOut">
               <a:rPr lang="en-US" dirty="0"/>
               <a:pPr/>
-              <a:t>4/22/2019</a:t>
+              <a:t>4/23/2019</a:t>
             </a:fld>
             <a:endParaRPr lang="en-US" dirty="0"/>
           </a:p>
@@ -3082,7 +3082,7 @@
             <a:fld id="{5586B75A-687E-405C-8A0B-8D00578BA2C3}" type="datetimeFigureOut">
               <a:rPr lang="en-US" dirty="0"/>
               <a:pPr/>
-              <a:t>4/22/2019</a:t>
+              <a:t>4/23/2019</a:t>
             </a:fld>
             <a:endParaRPr lang="en-US" dirty="0"/>
           </a:p>
@@ -3174,7 +3174,7 @@
             <a:fld id="{5586B75A-687E-405C-8A0B-8D00578BA2C3}" type="datetimeFigureOut">
               <a:rPr lang="en-US" dirty="0"/>
               <a:pPr/>
-              <a:t>4/22/2019</a:t>
+              <a:t>4/23/2019</a:t>
             </a:fld>
             <a:endParaRPr lang="en-US" dirty="0"/>
           </a:p>
@@ -3459,7 +3459,7 @@
             <a:fld id="{5586B75A-687E-405C-8A0B-8D00578BA2C3}" type="datetimeFigureOut">
               <a:rPr lang="en-US" dirty="0"/>
               <a:pPr/>
-              <a:t>4/22/2019</a:t>
+              <a:t>4/23/2019</a:t>
             </a:fld>
             <a:endParaRPr lang="en-US" dirty="0"/>
           </a:p>
@@ -3729,7 +3729,7 @@
             <a:fld id="{5586B75A-687E-405C-8A0B-8D00578BA2C3}" type="datetimeFigureOut">
               <a:rPr lang="en-US" dirty="0"/>
               <a:pPr/>
-              <a:t>4/22/2019</a:t>
+              <a:t>4/23/2019</a:t>
             </a:fld>
             <a:endParaRPr lang="en-US" dirty="0"/>
           </a:p>
@@ -4023,7 +4023,7 @@
             <a:fld id="{5586B75A-687E-405C-8A0B-8D00578BA2C3}" type="datetimeFigureOut">
               <a:rPr lang="en-US" dirty="0"/>
               <a:pPr/>
-              <a:t>4/22/2019</a:t>
+              <a:t>4/23/2019</a:t>
             </a:fld>
             <a:endParaRPr lang="en-US" dirty="0"/>
           </a:p>
@@ -4707,7 +4707,7 @@
             </a:solidFill>
             <a:ln w="9525" cap="flat" cmpd="sng">
               <a:solidFill>
-                <a:srgbClr val="CCCCCC"/>
+                <a:srgbClr val="424242"/>
               </a:solidFill>
               <a:prstDash val="solid"/>
               <a:round/>
@@ -4743,7 +4743,9 @@
               <a:srgbClr val="424242"/>
             </a:solidFill>
             <a:ln>
-              <a:noFill/>
+              <a:solidFill>
+                <a:srgbClr val="424242"/>
+              </a:solidFill>
             </a:ln>
           </p:spPr>
           <p:txBody>
@@ -4780,7 +4782,9 @@
             </a:prstGeom>
             <a:noFill/>
             <a:ln>
-              <a:noFill/>
+              <a:solidFill>
+                <a:srgbClr val="424242"/>
+              </a:solidFill>
             </a:ln>
           </p:spPr>
         </p:pic>
@@ -4881,7 +4885,7 @@
           </a:solidFill>
           <a:ln w="9525" cap="flat" cmpd="sng">
             <a:solidFill>
-              <a:srgbClr val="666666"/>
+              <a:srgbClr val="1AB39F"/>
             </a:solidFill>
             <a:prstDash val="solid"/>
             <a:round/>
@@ -4907,7 +4911,7 @@
               </a:rPr>
               <a:t>Dashboard</a:t>
             </a:r>
-            <a:endParaRPr sz="1333" b="1">
+            <a:endParaRPr sz="1333" b="1" dirty="0">
               <a:solidFill>
                 <a:srgbClr val="FFFFFF"/>
               </a:solidFill>
@@ -6043,7 +6047,7 @@
           <a:lstStyle/>
           <a:p>
             <a:r>
-              <a:rPr lang="en" sz="1333" b="1">
+              <a:rPr lang="en" sz="1333" b="1" dirty="0">
                 <a:solidFill>
                   <a:srgbClr val="434343"/>
                 </a:solidFill>
@@ -6054,7 +6058,7 @@
               </a:rPr>
               <a:t>System</a:t>
             </a:r>
-            <a:endParaRPr sz="1333" b="1">
+            <a:endParaRPr sz="1333" b="1" dirty="0">
               <a:solidFill>
                 <a:srgbClr val="434343"/>
               </a:solidFill>
@@ -12860,6 +12864,57 @@
       </p:grpSpPr>
       <p:sp>
         <p:nvSpPr>
+          <p:cNvPr id="4" name="Rectangle 3">
+            <a:extLst>
+              <a:ext uri="{FF2B5EF4-FFF2-40B4-BE49-F238E27FC236}">
+                <a16:creationId xmlns:a16="http://schemas.microsoft.com/office/drawing/2014/main" id="{446A5A70-4C8E-43DE-A91D-90F71C02F540}"/>
+              </a:ext>
+            </a:extLst>
+          </p:cNvPr>
+          <p:cNvSpPr/>
+          <p:nvPr/>
+        </p:nvSpPr>
+        <p:spPr>
+          <a:xfrm>
+            <a:off x="1696278" y="1431235"/>
+            <a:ext cx="9157252" cy="3975652"/>
+          </a:xfrm>
+          <a:prstGeom prst="rect">
+            <a:avLst/>
+          </a:prstGeom>
+          <a:solidFill>
+            <a:schemeClr val="bg1">
+              <a:lumMod val="65000"/>
+            </a:schemeClr>
+          </a:solidFill>
+        </p:spPr>
+        <p:style>
+          <a:lnRef idx="2">
+            <a:schemeClr val="accent1">
+              <a:shade val="50000"/>
+            </a:schemeClr>
+          </a:lnRef>
+          <a:fillRef idx="1">
+            <a:schemeClr val="accent1"/>
+          </a:fillRef>
+          <a:effectRef idx="0">
+            <a:schemeClr val="accent1"/>
+          </a:effectRef>
+          <a:fontRef idx="minor">
+            <a:schemeClr val="lt1"/>
+          </a:fontRef>
+        </p:style>
+        <p:txBody>
+          <a:bodyPr rtlCol="0" anchor="ctr"/>
+          <a:lstStyle/>
+          <a:p>
+            <a:pPr algn="ctr"/>
+            <a:endParaRPr lang="en-US"/>
+          </a:p>
+        </p:txBody>
+      </p:sp>
+      <p:sp>
+        <p:nvSpPr>
           <p:cNvPr id="2" name="Rectangle 1">
             <a:extLst>
               <a:ext uri="{FF2B5EF4-FFF2-40B4-BE49-F238E27FC236}">
@@ -13430,7 +13485,7 @@
         </p:nvSpPr>
         <p:spPr>
           <a:xfrm>
-            <a:off x="9130741" y="3485321"/>
+            <a:off x="9077743" y="3485321"/>
             <a:ext cx="1318591" cy="1179444"/>
           </a:xfrm>
           <a:prstGeom prst="rect">
